--- a/slides/ADONET/ADONET - Chapter2.pptx
+++ b/slides/ADONET/ADONET - Chapter2.pptx
@@ -14,11 +14,11 @@
     <p:sldId id="793" r:id="rId2"/>
     <p:sldId id="804" r:id="rId3"/>
     <p:sldId id="795" r:id="rId4"/>
-    <p:sldId id="878" r:id="rId5"/>
-    <p:sldId id="879" r:id="rId6"/>
-    <p:sldId id="880" r:id="rId7"/>
-    <p:sldId id="863" r:id="rId8"/>
-    <p:sldId id="881" r:id="rId9"/>
+    <p:sldId id="882" r:id="rId5"/>
+    <p:sldId id="878" r:id="rId6"/>
+    <p:sldId id="879" r:id="rId7"/>
+    <p:sldId id="880" r:id="rId8"/>
+    <p:sldId id="883" r:id="rId9"/>
     <p:sldId id="794" r:id="rId10"/>
   </p:sldIdLst>
   <p:sldSz cx="24385588" cy="13717588"/>
@@ -346,7 +346,7 @@
           <a:p>
             <a:fld id="{9DEB306A-FE1C-4996-AB92-3C76DD2CBDB3}" type="datetimeFigureOut">
               <a:rPr lang="es-SV" smtClean="0"/>
-              <a:t>25/11/17</a:t>
+              <a:t>17/12/17</a:t>
             </a:fld>
             <a:endParaRPr lang="es-SV"/>
           </a:p>
@@ -511,7 +511,7 @@
           <a:p>
             <a:fld id="{01993A81-F12D-42C5-A35C-8AABE483B59D}" type="datetimeFigureOut">
               <a:rPr lang="es-MX" smtClean="0"/>
-              <a:t>25/11/17</a:t>
+              <a:t>17/12/17</a:t>
             </a:fld>
             <a:endParaRPr lang="es-MX"/>
           </a:p>
@@ -854,174 +854,6 @@
     <p:extLst>
       <p:ext uri="{BB962C8B-B14F-4D97-AF65-F5344CB8AC3E}">
         <p14:creationId xmlns:p14="http://schemas.microsoft.com/office/powerpoint/2010/main" val="2598411363"/>
-      </p:ext>
-    </p:extLst>
-  </p:cSld>
-  <p:clrMapOvr>
-    <a:masterClrMapping/>
-  </p:clrMapOvr>
-</p:notes>
-</file>
-
-<file path=ppt/notesSlides/notesSlide2.xml><?xml version="1.0" encoding="utf-8"?>
-<p:notes xmlns:a="http://schemas.openxmlformats.org/drawingml/2006/main" xmlns:r="http://schemas.openxmlformats.org/officeDocument/2006/relationships" xmlns:p="http://schemas.openxmlformats.org/presentationml/2006/main">
-  <p:cSld>
-    <p:spTree>
-      <p:nvGrpSpPr>
-        <p:cNvPr id="1" name=""/>
-        <p:cNvGrpSpPr/>
-        <p:nvPr/>
-      </p:nvGrpSpPr>
-      <p:grpSpPr>
-        <a:xfrm>
-          <a:off x="0" y="0"/>
-          <a:ext cx="0" cy="0"/>
-          <a:chOff x="0" y="0"/>
-          <a:chExt cx="0" cy="0"/>
-        </a:xfrm>
-      </p:grpSpPr>
-      <p:sp>
-        <p:nvSpPr>
-          <p:cNvPr id="2" name="Slide Image Placeholder 1"/>
-          <p:cNvSpPr>
-            <a:spLocks noGrp="1" noRot="1" noChangeAspect="1"/>
-          </p:cNvSpPr>
-          <p:nvPr>
-            <p:ph type="sldImg"/>
-          </p:nvPr>
-        </p:nvSpPr>
-        <p:spPr/>
-      </p:sp>
-      <p:sp>
-        <p:nvSpPr>
-          <p:cNvPr id="3" name="Notes Placeholder 2"/>
-          <p:cNvSpPr>
-            <a:spLocks noGrp="1"/>
-          </p:cNvSpPr>
-          <p:nvPr>
-            <p:ph type="body" idx="1"/>
-          </p:nvPr>
-        </p:nvSpPr>
-        <p:spPr/>
-        <p:txBody>
-          <a:bodyPr/>
-          <a:lstStyle/>
-          <a:p>
-            <a:endParaRPr lang="en-US" dirty="0"/>
-          </a:p>
-        </p:txBody>
-      </p:sp>
-      <p:sp>
-        <p:nvSpPr>
-          <p:cNvPr id="4" name="Slide Number Placeholder 3"/>
-          <p:cNvSpPr>
-            <a:spLocks noGrp="1"/>
-          </p:cNvSpPr>
-          <p:nvPr>
-            <p:ph type="sldNum" sz="quarter" idx="10"/>
-          </p:nvPr>
-        </p:nvSpPr>
-        <p:spPr/>
-        <p:txBody>
-          <a:bodyPr/>
-          <a:lstStyle/>
-          <a:p>
-            <a:fld id="{69BC2EFC-28F3-48C0-BF6B-230A53BCFDFC}" type="slidenum">
-              <a:rPr lang="es-MX" smtClean="0"/>
-              <a:t>7</a:t>
-            </a:fld>
-            <a:endParaRPr lang="es-MX"/>
-          </a:p>
-        </p:txBody>
-      </p:sp>
-    </p:spTree>
-    <p:extLst>
-      <p:ext uri="{BB962C8B-B14F-4D97-AF65-F5344CB8AC3E}">
-        <p14:creationId xmlns:p14="http://schemas.microsoft.com/office/powerpoint/2010/main" val="1888698416"/>
-      </p:ext>
-    </p:extLst>
-  </p:cSld>
-  <p:clrMapOvr>
-    <a:masterClrMapping/>
-  </p:clrMapOvr>
-</p:notes>
-</file>
-
-<file path=ppt/notesSlides/notesSlide3.xml><?xml version="1.0" encoding="utf-8"?>
-<p:notes xmlns:a="http://schemas.openxmlformats.org/drawingml/2006/main" xmlns:r="http://schemas.openxmlformats.org/officeDocument/2006/relationships" xmlns:p="http://schemas.openxmlformats.org/presentationml/2006/main">
-  <p:cSld>
-    <p:spTree>
-      <p:nvGrpSpPr>
-        <p:cNvPr id="1" name=""/>
-        <p:cNvGrpSpPr/>
-        <p:nvPr/>
-      </p:nvGrpSpPr>
-      <p:grpSpPr>
-        <a:xfrm>
-          <a:off x="0" y="0"/>
-          <a:ext cx="0" cy="0"/>
-          <a:chOff x="0" y="0"/>
-          <a:chExt cx="0" cy="0"/>
-        </a:xfrm>
-      </p:grpSpPr>
-      <p:sp>
-        <p:nvSpPr>
-          <p:cNvPr id="2" name="Slide Image Placeholder 1"/>
-          <p:cNvSpPr>
-            <a:spLocks noGrp="1" noRot="1" noChangeAspect="1"/>
-          </p:cNvSpPr>
-          <p:nvPr>
-            <p:ph type="sldImg"/>
-          </p:nvPr>
-        </p:nvSpPr>
-        <p:spPr/>
-      </p:sp>
-      <p:sp>
-        <p:nvSpPr>
-          <p:cNvPr id="3" name="Notes Placeholder 2"/>
-          <p:cNvSpPr>
-            <a:spLocks noGrp="1"/>
-          </p:cNvSpPr>
-          <p:nvPr>
-            <p:ph type="body" idx="1"/>
-          </p:nvPr>
-        </p:nvSpPr>
-        <p:spPr/>
-        <p:txBody>
-          <a:bodyPr/>
-          <a:lstStyle/>
-          <a:p>
-            <a:endParaRPr lang="en-US" dirty="0"/>
-          </a:p>
-        </p:txBody>
-      </p:sp>
-      <p:sp>
-        <p:nvSpPr>
-          <p:cNvPr id="4" name="Slide Number Placeholder 3"/>
-          <p:cNvSpPr>
-            <a:spLocks noGrp="1"/>
-          </p:cNvSpPr>
-          <p:nvPr>
-            <p:ph type="sldNum" sz="quarter" idx="10"/>
-          </p:nvPr>
-        </p:nvSpPr>
-        <p:spPr/>
-        <p:txBody>
-          <a:bodyPr/>
-          <a:lstStyle/>
-          <a:p>
-            <a:fld id="{69BC2EFC-28F3-48C0-BF6B-230A53BCFDFC}" type="slidenum">
-              <a:rPr lang="es-MX" smtClean="0"/>
-              <a:t>8</a:t>
-            </a:fld>
-            <a:endParaRPr lang="es-MX"/>
-          </a:p>
-        </p:txBody>
-      </p:sp>
-    </p:spTree>
-    <p:extLst>
-      <p:ext uri="{BB962C8B-B14F-4D97-AF65-F5344CB8AC3E}">
-        <p14:creationId xmlns:p14="http://schemas.microsoft.com/office/powerpoint/2010/main" val="1618035625"/>
       </p:ext>
     </p:extLst>
   </p:cSld>
@@ -6722,15 +6554,6 @@
               </a:rPr>
               <a:t>Advanced ADO Dot Net</a:t>
             </a:r>
-            <a:endParaRPr lang="en-US" sz="6600" dirty="0">
-              <a:solidFill>
-                <a:schemeClr val="accent3">
-                  <a:lumMod val="75000"/>
-                </a:schemeClr>
-              </a:solidFill>
-              <a:ea typeface="Open Sans Semibold" panose="020B0706030804020204" pitchFamily="34" charset="0"/>
-              <a:cs typeface="Open Sans Semibold" panose="020B0706030804020204" pitchFamily="34" charset="0"/>
-            </a:endParaRPr>
           </a:p>
         </p:txBody>
       </p:sp>
@@ -16674,7 +16497,7 @@
         <p:spPr>
           <a:xfrm>
             <a:off x="6567170" y="5200260"/>
-            <a:ext cx="15166684" cy="3322264"/>
+            <a:ext cx="15166684" cy="3014488"/>
           </a:xfrm>
           <a:prstGeom prst="rect">
             <a:avLst/>
@@ -16691,20 +16514,20 @@
               <a:buChar char="ü"/>
             </a:pPr>
             <a:r>
-              <a:rPr lang="en-US" sz="4000" dirty="0">
+              <a:rPr lang="en-US" sz="3600" dirty="0">
                 <a:ea typeface="Open Sans" panose="020B0606030504020204" pitchFamily="34" charset="0"/>
                 <a:cs typeface="Open Sans" panose="020B0606030504020204" pitchFamily="34" charset="0"/>
               </a:rPr>
               <a:t>LINQ to </a:t>
             </a:r>
             <a:r>
-              <a:rPr lang="en-US" sz="4000" dirty="0" err="1">
+              <a:rPr lang="en-US" sz="3600" dirty="0" err="1">
                 <a:ea typeface="Open Sans" panose="020B0606030504020204" pitchFamily="34" charset="0"/>
                 <a:cs typeface="Open Sans" panose="020B0606030504020204" pitchFamily="34" charset="0"/>
               </a:rPr>
               <a:t>DataSet</a:t>
             </a:r>
-            <a:endParaRPr lang="en-US" sz="4000" dirty="0">
+            <a:endParaRPr lang="en-US" sz="3600" dirty="0">
               <a:ea typeface="Open Sans" panose="020B0606030504020204" pitchFamily="34" charset="0"/>
               <a:cs typeface="Open Sans" panose="020B0606030504020204" pitchFamily="34" charset="0"/>
             </a:endParaRPr>
@@ -16715,7 +16538,7 @@
               <a:buChar char="ü"/>
             </a:pPr>
             <a:r>
-              <a:rPr lang="en-US" sz="4000" dirty="0">
+              <a:rPr lang="en-US" sz="3600" dirty="0">
                 <a:ea typeface="Open Sans" panose="020B0606030504020204" pitchFamily="34" charset="0"/>
                 <a:cs typeface="Open Sans" panose="020B0606030504020204" pitchFamily="34" charset="0"/>
               </a:rPr>
@@ -16728,20 +16551,20 @@
               <a:buChar char="ü"/>
             </a:pPr>
             <a:r>
-              <a:rPr lang="en-US" sz="4000" dirty="0">
+              <a:rPr lang="en-US" sz="3600" dirty="0">
                 <a:ea typeface="Open Sans" panose="020B0606030504020204" pitchFamily="34" charset="0"/>
                 <a:cs typeface="Open Sans" panose="020B0606030504020204" pitchFamily="34" charset="0"/>
               </a:rPr>
               <a:t>ADO.NET Providers: SQL Server, Oracle and </a:t>
             </a:r>
             <a:r>
-              <a:rPr lang="en-US" sz="4000" dirty="0" err="1">
+              <a:rPr lang="en-US" sz="3600" dirty="0" err="1">
                 <a:ea typeface="Open Sans" panose="020B0606030504020204" pitchFamily="34" charset="0"/>
                 <a:cs typeface="Open Sans" panose="020B0606030504020204" pitchFamily="34" charset="0"/>
               </a:rPr>
               <a:t>MySql</a:t>
             </a:r>
-            <a:endParaRPr lang="en-US" sz="4000" dirty="0">
+            <a:endParaRPr lang="en-US" sz="3600" dirty="0">
               <a:ea typeface="Open Sans" panose="020B0606030504020204" pitchFamily="34" charset="0"/>
               <a:cs typeface="Open Sans" panose="020B0606030504020204" pitchFamily="34" charset="0"/>
             </a:endParaRPr>
@@ -16752,7 +16575,7 @@
               <a:buChar char="ü"/>
             </a:pPr>
             <a:r>
-              <a:rPr lang="en-US" sz="4000" dirty="0">
+              <a:rPr lang="en-US" sz="3600" dirty="0">
                 <a:ea typeface="Open Sans" panose="020B0606030504020204" pitchFamily="34" charset="0"/>
                 <a:cs typeface="Open Sans" panose="020B0606030504020204" pitchFamily="34" charset="0"/>
               </a:rPr>
@@ -16765,34 +16588,34 @@
               <a:buChar char="ü"/>
             </a:pPr>
             <a:r>
-              <a:rPr lang="en-US" sz="4000" dirty="0">
+              <a:rPr lang="en-US" sz="3600" dirty="0">
                 <a:ea typeface="Open Sans" panose="020B0606030504020204" pitchFamily="34" charset="0"/>
                 <a:cs typeface="Open Sans" panose="020B0606030504020204" pitchFamily="34" charset="0"/>
               </a:rPr>
               <a:t>MSSQL, </a:t>
             </a:r>
             <a:r>
-              <a:rPr lang="en-US" sz="4000" dirty="0" err="1">
+              <a:rPr lang="en-US" sz="3600" dirty="0" err="1">
                 <a:ea typeface="Open Sans" panose="020B0606030504020204" pitchFamily="34" charset="0"/>
                 <a:cs typeface="Open Sans" panose="020B0606030504020204" pitchFamily="34" charset="0"/>
               </a:rPr>
               <a:t>MySql</a:t>
             </a:r>
             <a:r>
-              <a:rPr lang="en-US" sz="4000" dirty="0">
+              <a:rPr lang="en-US" sz="3600" dirty="0">
                 <a:ea typeface="Open Sans" panose="020B0606030504020204" pitchFamily="34" charset="0"/>
                 <a:cs typeface="Open Sans" panose="020B0606030504020204" pitchFamily="34" charset="0"/>
               </a:rPr>
               <a:t> and </a:t>
             </a:r>
             <a:r>
-              <a:rPr lang="en-US" sz="4000" dirty="0" err="1">
+              <a:rPr lang="en-US" sz="3600" dirty="0" err="1">
                 <a:ea typeface="Open Sans" panose="020B0606030504020204" pitchFamily="34" charset="0"/>
                 <a:cs typeface="Open Sans" panose="020B0606030504020204" pitchFamily="34" charset="0"/>
               </a:rPr>
               <a:t>ADO.Net</a:t>
             </a:r>
-            <a:endParaRPr lang="en-US" sz="4000" dirty="0">
+            <a:endParaRPr lang="en-US" sz="3600" dirty="0">
               <a:ea typeface="Open Sans" panose="020B0606030504020204" pitchFamily="34" charset="0"/>
               <a:cs typeface="Open Sans" panose="020B0606030504020204" pitchFamily="34" charset="0"/>
             </a:endParaRPr>
@@ -18485,15 +18308,6 @@
               </a:rPr>
               <a:t>LINQ and ADO.NET</a:t>
             </a:r>
-            <a:endParaRPr lang="en-US" sz="4400" dirty="0">
-              <a:solidFill>
-                <a:schemeClr val="accent3">
-                  <a:lumMod val="75000"/>
-                </a:schemeClr>
-              </a:solidFill>
-              <a:ea typeface="Open Sans Semibold" panose="020B0706030804020204" pitchFamily="34" charset="0"/>
-              <a:cs typeface="Open Sans Semibold" panose="020B0706030804020204" pitchFamily="34" charset="0"/>
-            </a:endParaRPr>
           </a:p>
         </p:txBody>
       </p:sp>
@@ -18541,7 +18355,7 @@
         <p:spPr>
           <a:xfrm>
             <a:off x="2246688" y="2855786"/>
-            <a:ext cx="19982220" cy="8956298"/>
+            <a:ext cx="19982220" cy="6186309"/>
           </a:xfrm>
           <a:prstGeom prst="rect">
             <a:avLst/>
@@ -18560,7 +18374,22 @@
             </a:pPr>
             <a:r>
               <a:rPr lang="en-US" sz="3600" dirty="0"/>
-              <a:t>Language-Integrated Query (LINQ) enables developers to form set-based queries in their application code, without having to use a separate query language. You can write LINQ queries against various enumerable data sources (that is, a data source that implements the </a:t>
+              <a:t>Language-Integrated Query (LINQ) enables developers to form set-based queries in their application code, without having to use a separate query language. </a:t>
+            </a:r>
+            <a:endParaRPr lang="en-US" sz="3600" dirty="0" smtClean="0"/>
+          </a:p>
+          <a:p>
+            <a:pPr marL="571500" indent="-571500">
+              <a:buFont typeface="Arial" panose="020B0604020202020204" pitchFamily="34" charset="0"/>
+              <a:buChar char="•"/>
+            </a:pPr>
+            <a:r>
+              <a:rPr lang="en-US" sz="3600" dirty="0" smtClean="0"/>
+              <a:t>You </a:t>
+            </a:r>
+            <a:r>
+              <a:rPr lang="en-US" sz="3600" dirty="0"/>
+              <a:t>can write LINQ queries against various enumerable data sources (that is, a data source that implements the </a:t>
             </a:r>
             <a:r>
               <a:rPr lang="en-US" sz="3600" dirty="0" err="1"/>
@@ -18590,11 +18419,11 @@
             </a:pPr>
             <a:r>
               <a:rPr lang="en-US" sz="3600" dirty="0"/>
-              <a:t>Because queries can be formed in the programming language itself, you do not have to use another query language that is embedded as string literals that cannot be understood or verified by the compiler. Integrating queries into the programming language also enables Visual Studio programmers to be more productive by providing compile-time type and syntax checking, and IntelliSense. These features reduce the need for query debugging and error fixing</a:t>
+              <a:t>Because queries can be formed in the programming language itself, you do not have to use another query language that is embedded as string literals that cannot be understood or verified by the </a:t>
             </a:r>
             <a:r>
               <a:rPr lang="en-US" sz="3600" dirty="0" smtClean="0"/>
-              <a:t>.</a:t>
+              <a:t>compiler.</a:t>
             </a:r>
           </a:p>
           <a:p>
@@ -18603,37 +18432,14 @@
               <a:buChar char="•"/>
             </a:pPr>
             <a:r>
-              <a:rPr lang="en-US" sz="3600" dirty="0"/>
-              <a:t>The LINQ provider implemented by LINQ to </a:t>
-            </a:r>
-            <a:r>
-              <a:rPr lang="en-US" sz="3600" dirty="0" err="1"/>
-              <a:t>DataSet</a:t>
+              <a:rPr lang="en-US" sz="3600" dirty="0" smtClean="0"/>
+              <a:t>Integrating </a:t>
             </a:r>
             <a:r>
               <a:rPr lang="en-US" sz="3600" dirty="0"/>
-              <a:t> and LINQ to SQL converts the source data into </a:t>
+              <a:t>queries into the programming language also enables Visual Studio programmers to be more productive by providing compile-time type and syntax checking, and IntelliSense. </a:t>
             </a:r>
-            <a:r>
-              <a:rPr lang="en-US" sz="3600" dirty="0" err="1"/>
-              <a:t>IEnumerable</a:t>
-            </a:r>
-            <a:r>
-              <a:rPr lang="en-US" sz="3600" dirty="0"/>
-              <a:t>-based object collections. The programmer always views the data as an </a:t>
-            </a:r>
-            <a:r>
-              <a:rPr lang="en-US" sz="3600" dirty="0" err="1"/>
-              <a:t>IEnumerable</a:t>
-            </a:r>
-            <a:r>
-              <a:rPr lang="en-US" sz="3600" dirty="0"/>
-              <a:t> collection, both when you query and when you update</a:t>
-            </a:r>
-            <a:r>
-              <a:rPr lang="en-US" sz="3600" dirty="0" smtClean="0"/>
-              <a:t>.</a:t>
-            </a:r>
+            <a:endParaRPr lang="en-US" sz="3600" dirty="0" smtClean="0"/>
           </a:p>
           <a:p>
             <a:pPr marL="571500" indent="-571500">
@@ -18641,34 +18447,18 @@
               <a:buChar char="•"/>
             </a:pPr>
             <a:r>
-              <a:rPr lang="en-US" sz="3600" dirty="0"/>
-              <a:t>There are three separate ADO.NET Language-Integrated Query (LINQ) technologies: LINQ to </a:t>
-            </a:r>
-            <a:r>
-              <a:rPr lang="en-US" sz="3600" dirty="0" err="1"/>
-              <a:t>DataSet</a:t>
+              <a:rPr lang="en-US" sz="3600" dirty="0" smtClean="0"/>
+              <a:t>These </a:t>
             </a:r>
             <a:r>
               <a:rPr lang="en-US" sz="3600" dirty="0"/>
-              <a:t>, LINQ to SQL, and LINQ to Entities. LINQ to </a:t>
+              <a:t>features reduce the need for query debugging and error fixing</a:t>
             </a:r>
             <a:r>
-              <a:rPr lang="en-US" sz="3600" dirty="0" err="1"/>
-              <a:t>DataSet</a:t>
+              <a:rPr lang="en-US" sz="3600" dirty="0" smtClean="0"/>
+              <a:t>.</a:t>
             </a:r>
-            <a:r>
-              <a:rPr lang="en-US" sz="3600" dirty="0"/>
-              <a:t> provides richer, optimized querying over the </a:t>
-            </a:r>
-            <a:r>
-              <a:rPr lang="en-US" sz="3600" dirty="0" err="1"/>
-              <a:t>DataSet</a:t>
-            </a:r>
-            <a:r>
-              <a:rPr lang="en-US" sz="3600" dirty="0"/>
-              <a:t> and LINQ to SQL enables you to directly query SQL Server database schemas, and LINQ to Entities allows you to query an Entity Data Model.</a:t>
-            </a:r>
-            <a:endParaRPr lang="en-US" sz="3600" dirty="0"/>
+            <a:endParaRPr lang="en-US" sz="3600" dirty="0" smtClean="0"/>
           </a:p>
         </p:txBody>
       </p:sp>
@@ -19107,15 +18897,6 @@
               </a:rPr>
               <a:t>LINQ and ADO.NET</a:t>
             </a:r>
-            <a:endParaRPr lang="en-US" sz="4400" dirty="0">
-              <a:solidFill>
-                <a:schemeClr val="accent3">
-                  <a:lumMod val="75000"/>
-                </a:schemeClr>
-              </a:solidFill>
-              <a:ea typeface="Open Sans Semibold" panose="020B0706030804020204" pitchFamily="34" charset="0"/>
-              <a:cs typeface="Open Sans Semibold" panose="020B0706030804020204" pitchFamily="34" charset="0"/>
-            </a:endParaRPr>
           </a:p>
         </p:txBody>
       </p:sp>
@@ -19154,34 +18935,142 @@
           </a:fontRef>
         </p:style>
       </p:cxnSp>
-      <p:pic>
-        <p:nvPicPr>
-          <p:cNvPr id="2" name="Picture 1"/>
-          <p:cNvPicPr>
-            <a:picLocks noChangeAspect="1"/>
-          </p:cNvPicPr>
+      <p:sp>
+        <p:nvSpPr>
+          <p:cNvPr id="35" name="TextBox 34"/>
+          <p:cNvSpPr txBox="1"/>
           <p:nvPr/>
-        </p:nvPicPr>
-        <p:blipFill>
-          <a:blip r:embed="rId2"/>
-          <a:stretch>
-            <a:fillRect/>
-          </a:stretch>
-        </p:blipFill>
+        </p:nvSpPr>
         <p:spPr>
           <a:xfrm>
-            <a:off x="3596837" y="2855786"/>
-            <a:ext cx="14401601" cy="10030809"/>
+            <a:off x="2246688" y="2855786"/>
+            <a:ext cx="19982220" cy="5078313"/>
           </a:xfrm>
           <a:prstGeom prst="rect">
             <a:avLst/>
           </a:prstGeom>
+          <a:noFill/>
         </p:spPr>
-      </p:pic>
+        <p:txBody>
+          <a:bodyPr wrap="square" rtlCol="0">
+            <a:spAutoFit/>
+          </a:bodyPr>
+          <a:lstStyle/>
+          <a:p>
+            <a:pPr marL="571500" indent="-571500">
+              <a:buFont typeface="Arial" panose="020B0604020202020204" pitchFamily="34" charset="0"/>
+              <a:buChar char="•"/>
+            </a:pPr>
+            <a:r>
+              <a:rPr lang="en-US" sz="3600" dirty="0" smtClean="0"/>
+              <a:t>The </a:t>
+            </a:r>
+            <a:r>
+              <a:rPr lang="en-US" sz="3600" dirty="0"/>
+              <a:t>LINQ provider implemented by LINQ to </a:t>
+            </a:r>
+            <a:r>
+              <a:rPr lang="en-US" sz="3600" dirty="0" err="1"/>
+              <a:t>DataSet</a:t>
+            </a:r>
+            <a:r>
+              <a:rPr lang="en-US" sz="3600" dirty="0"/>
+              <a:t> and LINQ to SQL converts the source data into </a:t>
+            </a:r>
+            <a:r>
+              <a:rPr lang="en-US" sz="3600" dirty="0" err="1"/>
+              <a:t>IEnumerable</a:t>
+            </a:r>
+            <a:r>
+              <a:rPr lang="en-US" sz="3600" dirty="0"/>
+              <a:t>-based object </a:t>
+            </a:r>
+            <a:r>
+              <a:rPr lang="en-US" sz="3600" dirty="0" smtClean="0"/>
+              <a:t>collections.</a:t>
+            </a:r>
+          </a:p>
+          <a:p>
+            <a:pPr marL="571500" indent="-571500">
+              <a:buFont typeface="Arial" panose="020B0604020202020204" pitchFamily="34" charset="0"/>
+              <a:buChar char="•"/>
+            </a:pPr>
+            <a:r>
+              <a:rPr lang="en-US" sz="3600" dirty="0" smtClean="0"/>
+              <a:t>The </a:t>
+            </a:r>
+            <a:r>
+              <a:rPr lang="en-US" sz="3600" dirty="0"/>
+              <a:t>programmer always views the data as an </a:t>
+            </a:r>
+            <a:r>
+              <a:rPr lang="en-US" sz="3600" dirty="0" err="1"/>
+              <a:t>IEnumerable</a:t>
+            </a:r>
+            <a:r>
+              <a:rPr lang="en-US" sz="3600" dirty="0"/>
+              <a:t> collection, both when you query and when you update</a:t>
+            </a:r>
+            <a:r>
+              <a:rPr lang="en-US" sz="3600" dirty="0" smtClean="0"/>
+              <a:t>.</a:t>
+            </a:r>
+          </a:p>
+          <a:p>
+            <a:pPr marL="571500" indent="-571500">
+              <a:buFont typeface="Arial" panose="020B0604020202020204" pitchFamily="34" charset="0"/>
+              <a:buChar char="•"/>
+            </a:pPr>
+            <a:r>
+              <a:rPr lang="en-US" sz="3600" dirty="0"/>
+              <a:t>There are three separate ADO.NET Language-Integrated Query (LINQ) technologies: LINQ to </a:t>
+            </a:r>
+            <a:r>
+              <a:rPr lang="en-US" sz="3600" dirty="0" err="1"/>
+              <a:t>DataSet</a:t>
+            </a:r>
+            <a:r>
+              <a:rPr lang="en-US" sz="3600" dirty="0"/>
+              <a:t>, LINQ to SQL, and LINQ to Entities. </a:t>
+            </a:r>
+            <a:endParaRPr lang="en-US" sz="3600" dirty="0" smtClean="0"/>
+          </a:p>
+          <a:p>
+            <a:pPr marL="571500" indent="-571500">
+              <a:buFont typeface="Arial" panose="020B0604020202020204" pitchFamily="34" charset="0"/>
+              <a:buChar char="•"/>
+            </a:pPr>
+            <a:r>
+              <a:rPr lang="en-US" sz="3600" dirty="0" smtClean="0"/>
+              <a:t>LINQ </a:t>
+            </a:r>
+            <a:r>
+              <a:rPr lang="en-US" sz="3600" dirty="0"/>
+              <a:t>to </a:t>
+            </a:r>
+            <a:r>
+              <a:rPr lang="en-US" sz="3600" dirty="0" err="1"/>
+              <a:t>DataSet</a:t>
+            </a:r>
+            <a:r>
+              <a:rPr lang="en-US" sz="3600" dirty="0"/>
+              <a:t> provides richer, optimized querying over the </a:t>
+            </a:r>
+            <a:r>
+              <a:rPr lang="en-US" sz="3600" dirty="0" err="1"/>
+              <a:t>DataSet</a:t>
+            </a:r>
+            <a:r>
+              <a:rPr lang="en-US" sz="3600" dirty="0"/>
+              <a:t> and LINQ to SQL enables you to directly query SQL Server database schemas, and LINQ to Entities allows you to query an Entity Data Model.</a:t>
+            </a:r>
+          </a:p>
+        </p:txBody>
+      </p:sp>
     </p:spTree>
     <p:extLst>
       <p:ext uri="{BB962C8B-B14F-4D97-AF65-F5344CB8AC3E}">
-        <p14:creationId xmlns:p14="http://schemas.microsoft.com/office/powerpoint/2010/main" val="999635859"/>
+        <p14:creationId xmlns:p14="http://schemas.microsoft.com/office/powerpoint/2010/main" val="1790326877"/>
       </p:ext>
     </p:extLst>
   </p:cSld>
@@ -19611,17 +19500,8 @@
                 <a:ea typeface="Open Sans Semibold" panose="020B0706030804020204" pitchFamily="34" charset="0"/>
                 <a:cs typeface="Open Sans Semibold" panose="020B0706030804020204" pitchFamily="34" charset="0"/>
               </a:rPr>
-              <a:t>Securing ADO.NET Applications</a:t>
+              <a:t>LINQ and ADO.NET</a:t>
             </a:r>
-            <a:endParaRPr lang="en-US" sz="4400" dirty="0">
-              <a:solidFill>
-                <a:schemeClr val="accent3">
-                  <a:lumMod val="75000"/>
-                </a:schemeClr>
-              </a:solidFill>
-              <a:ea typeface="Open Sans Semibold" panose="020B0706030804020204" pitchFamily="34" charset="0"/>
-              <a:cs typeface="Open Sans Semibold" panose="020B0706030804020204" pitchFamily="34" charset="0"/>
-            </a:endParaRPr>
           </a:p>
         </p:txBody>
       </p:sp>
@@ -19634,7 +19514,7 @@
         <p:spPr>
           <a:xfrm>
             <a:off x="2246688" y="1955687"/>
-            <a:ext cx="7425826" cy="0"/>
+            <a:ext cx="4635516" cy="0"/>
           </a:xfrm>
           <a:prstGeom prst="line">
             <a:avLst/>
@@ -19660,218 +19540,34 @@
           </a:fontRef>
         </p:style>
       </p:cxnSp>
-      <p:sp>
-        <p:nvSpPr>
-          <p:cNvPr id="35" name="TextBox 34"/>
-          <p:cNvSpPr txBox="1"/>
+      <p:pic>
+        <p:nvPicPr>
+          <p:cNvPr id="2" name="Picture 1"/>
+          <p:cNvPicPr>
+            <a:picLocks noChangeAspect="1"/>
+          </p:cNvPicPr>
           <p:nvPr/>
-        </p:nvSpPr>
+        </p:nvPicPr>
+        <p:blipFill>
+          <a:blip r:embed="rId2"/>
+          <a:stretch>
+            <a:fillRect/>
+          </a:stretch>
+        </p:blipFill>
         <p:spPr>
           <a:xfrm>
-            <a:off x="2246688" y="2855786"/>
-            <a:ext cx="19982220" cy="8956298"/>
+            <a:off x="3596837" y="2855786"/>
+            <a:ext cx="14401601" cy="10030809"/>
           </a:xfrm>
           <a:prstGeom prst="rect">
             <a:avLst/>
           </a:prstGeom>
-          <a:noFill/>
         </p:spPr>
-        <p:txBody>
-          <a:bodyPr wrap="square" rtlCol="0">
-            <a:spAutoFit/>
-          </a:bodyPr>
-          <a:lstStyle/>
-          <a:p>
-            <a:pPr marL="571500" indent="-571500">
-              <a:buFont typeface="Arial" panose="020B0604020202020204" pitchFamily="34" charset="0"/>
-              <a:buChar char="•"/>
-            </a:pPr>
-            <a:r>
-              <a:rPr lang="en-US" sz="3600" dirty="0"/>
-              <a:t>Writing a secure ADO.NET application involves more than avoiding common coding pitfalls such as not validating user input. An application that accesses data has many potential points of failure that an attacker can exploit to retrieve, manipulate, or destroy sensitive data</a:t>
-            </a:r>
-            <a:r>
-              <a:rPr lang="en-US" sz="3600" dirty="0" smtClean="0"/>
-              <a:t>.</a:t>
-            </a:r>
-          </a:p>
-          <a:p>
-            <a:pPr marL="571500" indent="-571500">
-              <a:buFont typeface="Arial" panose="020B0604020202020204" pitchFamily="34" charset="0"/>
-              <a:buChar char="•"/>
-            </a:pPr>
-            <a:r>
-              <a:rPr lang="en-US" sz="3600" dirty="0"/>
-              <a:t>Design for Security: One of the biggest problems in developing secure applications is that security is often an afterthought, something to implement after a project is code-complete</a:t>
-            </a:r>
-            <a:r>
-              <a:rPr lang="en-US" sz="3600" dirty="0" smtClean="0"/>
-              <a:t>.</a:t>
-            </a:r>
-          </a:p>
-          <a:p>
-            <a:pPr marL="1779783" lvl="1" indent="-571500">
-              <a:buFont typeface="Arial" panose="020B0604020202020204" pitchFamily="34" charset="0"/>
-              <a:buChar char="•"/>
-            </a:pPr>
-            <a:r>
-              <a:rPr lang="en-US" sz="3600" dirty="0"/>
-              <a:t>Threat </a:t>
-            </a:r>
-            <a:r>
-              <a:rPr lang="en-US" sz="3600" dirty="0" smtClean="0"/>
-              <a:t>Modeling</a:t>
-            </a:r>
-          </a:p>
-          <a:p>
-            <a:pPr marL="1779783" lvl="1" indent="-571500">
-              <a:buFont typeface="Arial" panose="020B0604020202020204" pitchFamily="34" charset="0"/>
-              <a:buChar char="•"/>
-            </a:pPr>
-            <a:r>
-              <a:rPr lang="en-US" sz="3600" dirty="0"/>
-              <a:t>The Principle of Least </a:t>
-            </a:r>
-            <a:r>
-              <a:rPr lang="en-US" sz="3600" dirty="0" smtClean="0"/>
-              <a:t>Privilege</a:t>
-            </a:r>
-          </a:p>
-          <a:p>
-            <a:pPr marL="1779783" lvl="1" indent="-571500">
-              <a:buFont typeface="Arial" panose="020B0604020202020204" pitchFamily="34" charset="0"/>
-              <a:buChar char="•"/>
-            </a:pPr>
-            <a:r>
-              <a:rPr lang="en-US" sz="3600" dirty="0"/>
-              <a:t>Code Access </a:t>
-            </a:r>
-            <a:r>
-              <a:rPr lang="en-US" sz="3600" dirty="0" smtClean="0"/>
-              <a:t>Security</a:t>
-            </a:r>
-          </a:p>
-          <a:p>
-            <a:pPr marL="1779783" lvl="1" indent="-571500">
-              <a:buFont typeface="Arial" panose="020B0604020202020204" pitchFamily="34" charset="0"/>
-              <a:buChar char="•"/>
-            </a:pPr>
-            <a:r>
-              <a:rPr lang="en-US" sz="3600" dirty="0"/>
-              <a:t>Database </a:t>
-            </a:r>
-            <a:r>
-              <a:rPr lang="en-US" sz="3600" dirty="0" smtClean="0"/>
-              <a:t>Security</a:t>
-            </a:r>
-          </a:p>
-          <a:p>
-            <a:pPr marL="2988081" lvl="2" indent="-571500">
-              <a:buFont typeface="Arial" panose="020B0604020202020204" pitchFamily="34" charset="0"/>
-              <a:buChar char="•"/>
-            </a:pPr>
-            <a:r>
-              <a:rPr lang="en-US" sz="3600" dirty="0"/>
-              <a:t>Create accounts with the lowest possible privileges</a:t>
-            </a:r>
-            <a:r>
-              <a:rPr lang="en-US" sz="3600" dirty="0" smtClean="0"/>
-              <a:t>.</a:t>
-            </a:r>
-          </a:p>
-          <a:p>
-            <a:pPr marL="2988081" lvl="2" indent="-571500">
-              <a:buFont typeface="Arial" panose="020B0604020202020204" pitchFamily="34" charset="0"/>
-              <a:buChar char="•"/>
-            </a:pPr>
-            <a:r>
-              <a:rPr lang="en-US" sz="3600" dirty="0" smtClean="0"/>
-              <a:t>Do </a:t>
-            </a:r>
-            <a:r>
-              <a:rPr lang="en-US" sz="3600" dirty="0"/>
-              <a:t>not allow users access to administrative accounts just to get code working</a:t>
-            </a:r>
-            <a:r>
-              <a:rPr lang="en-US" sz="3600" dirty="0" smtClean="0"/>
-              <a:t>.</a:t>
-            </a:r>
-          </a:p>
-          <a:p>
-            <a:pPr marL="2988081" lvl="2" indent="-571500">
-              <a:buFont typeface="Arial" panose="020B0604020202020204" pitchFamily="34" charset="0"/>
-              <a:buChar char="•"/>
-            </a:pPr>
-            <a:r>
-              <a:rPr lang="en-US" sz="3600" dirty="0" smtClean="0"/>
-              <a:t>Do </a:t>
-            </a:r>
-            <a:r>
-              <a:rPr lang="en-US" sz="3600" dirty="0"/>
-              <a:t>not return server-side error messages to client applications</a:t>
-            </a:r>
-            <a:r>
-              <a:rPr lang="en-US" sz="3600" dirty="0" smtClean="0"/>
-              <a:t>.</a:t>
-            </a:r>
-          </a:p>
-          <a:p>
-            <a:pPr marL="2988081" lvl="2" indent="-571500">
-              <a:buFont typeface="Arial" panose="020B0604020202020204" pitchFamily="34" charset="0"/>
-              <a:buChar char="•"/>
-            </a:pPr>
-            <a:r>
-              <a:rPr lang="en-US" sz="3600" dirty="0" smtClean="0"/>
-              <a:t>Validate </a:t>
-            </a:r>
-            <a:r>
-              <a:rPr lang="en-US" sz="3600" dirty="0"/>
-              <a:t>all input at both the client and the server</a:t>
-            </a:r>
-            <a:r>
-              <a:rPr lang="en-US" sz="3600" dirty="0" smtClean="0"/>
-              <a:t>.</a:t>
-            </a:r>
-          </a:p>
-          <a:p>
-            <a:pPr marL="2988081" lvl="2" indent="-571500">
-              <a:buFont typeface="Arial" panose="020B0604020202020204" pitchFamily="34" charset="0"/>
-              <a:buChar char="•"/>
-            </a:pPr>
-            <a:r>
-              <a:rPr lang="en-US" sz="3600" dirty="0" smtClean="0"/>
-              <a:t>Use </a:t>
-            </a:r>
-            <a:r>
-              <a:rPr lang="en-US" sz="3600" dirty="0"/>
-              <a:t>parameterized commands and avoid dynamic SQL statements</a:t>
-            </a:r>
-            <a:r>
-              <a:rPr lang="en-US" sz="3600" dirty="0" smtClean="0"/>
-              <a:t>.</a:t>
-            </a:r>
-          </a:p>
-          <a:p>
-            <a:pPr marL="2988081" lvl="2" indent="-571500">
-              <a:buFont typeface="Arial" panose="020B0604020202020204" pitchFamily="34" charset="0"/>
-              <a:buChar char="•"/>
-            </a:pPr>
-            <a:r>
-              <a:rPr lang="en-US" sz="3600" dirty="0" smtClean="0"/>
-              <a:t>Enable </a:t>
-            </a:r>
-            <a:r>
-              <a:rPr lang="en-US" sz="3600" dirty="0"/>
-              <a:t>security auditing and logging for the database you are using so that you are alerted to any security breaches.</a:t>
-            </a:r>
-            <a:endParaRPr lang="en-US" sz="3600" dirty="0"/>
-          </a:p>
-        </p:txBody>
-      </p:sp>
+      </p:pic>
     </p:spTree>
     <p:extLst>
       <p:ext uri="{BB962C8B-B14F-4D97-AF65-F5344CB8AC3E}">
-        <p14:creationId xmlns:p14="http://schemas.microsoft.com/office/powerpoint/2010/main" val="681619482"/>
+        <p14:creationId xmlns:p14="http://schemas.microsoft.com/office/powerpoint/2010/main" val="999635859"/>
       </p:ext>
     </p:extLst>
   </p:cSld>
@@ -20301,17 +19997,8 @@
                 <a:ea typeface="Open Sans Semibold" panose="020B0706030804020204" pitchFamily="34" charset="0"/>
                 <a:cs typeface="Open Sans Semibold" panose="020B0706030804020204" pitchFamily="34" charset="0"/>
               </a:rPr>
-              <a:t>Secure Client Applications</a:t>
+              <a:t>Securing ADO.NET Applications</a:t>
             </a:r>
-            <a:endParaRPr lang="en-US" sz="4400" dirty="0">
-              <a:solidFill>
-                <a:schemeClr val="accent3">
-                  <a:lumMod val="75000"/>
-                </a:schemeClr>
-              </a:solidFill>
-              <a:ea typeface="Open Sans Semibold" panose="020B0706030804020204" pitchFamily="34" charset="0"/>
-              <a:cs typeface="Open Sans Semibold" panose="020B0706030804020204" pitchFamily="34" charset="0"/>
-            </a:endParaRPr>
           </a:p>
         </p:txBody>
       </p:sp>
@@ -20324,7 +20011,7 @@
         <p:spPr>
           <a:xfrm>
             <a:off x="2246688" y="1955687"/>
-            <a:ext cx="6210691" cy="0"/>
+            <a:ext cx="7425826" cy="0"/>
           </a:xfrm>
           <a:prstGeom prst="line">
             <a:avLst/>
@@ -20359,7 +20046,7 @@
         <p:spPr>
           <a:xfrm>
             <a:off x="2246688" y="2855786"/>
-            <a:ext cx="19982220" cy="10325904"/>
+            <a:ext cx="19982220" cy="8956298"/>
           </a:xfrm>
           <a:prstGeom prst="rect">
             <a:avLst/>
@@ -20377,11 +20064,25 @@
               <a:buChar char="•"/>
             </a:pPr>
             <a:r>
-              <a:rPr lang="en-US" sz="3500" dirty="0"/>
-              <a:t>Applications typically consist of many parts that must all be protected from vulnerabilities that could result in data loss or otherwise compromise the system. Creating secure user interfaces can prevent many problems by blocking attackers before they can access data or system resources</a:t>
+              <a:rPr lang="en-US" sz="3600" dirty="0"/>
+              <a:t>Writing a secure ADO.NET application involves more than avoiding common coding pitfalls such as not validating user input. An application that accesses data has many potential points of failure that an attacker can exploit to retrieve, manipulate, or destroy sensitive data</a:t>
             </a:r>
             <a:r>
-              <a:rPr lang="en-US" sz="3500" dirty="0" smtClean="0"/>
+              <a:rPr lang="en-US" sz="3600" dirty="0" smtClean="0"/>
+              <a:t>.</a:t>
+            </a:r>
+          </a:p>
+          <a:p>
+            <a:pPr marL="571500" indent="-571500">
+              <a:buFont typeface="Arial" panose="020B0604020202020204" pitchFamily="34" charset="0"/>
+              <a:buChar char="•"/>
+            </a:pPr>
+            <a:r>
+              <a:rPr lang="en-US" sz="3600" dirty="0"/>
+              <a:t>Design for Security: One of the biggest problems in developing secure applications is that security is often an afterthought, something to implement after a project is code-complete</a:t>
+            </a:r>
+            <a:r>
+              <a:rPr lang="en-US" sz="3600" dirty="0" smtClean="0"/>
               <a:t>.</a:t>
             </a:r>
           </a:p>
@@ -20391,12 +20092,12 @@
               <a:buChar char="•"/>
             </a:pPr>
             <a:r>
-              <a:rPr lang="en-US" sz="3500" dirty="0"/>
-              <a:t>Validate User </a:t>
+              <a:rPr lang="en-US" sz="3600" dirty="0"/>
+              <a:t>Threat </a:t>
             </a:r>
             <a:r>
-              <a:rPr lang="en-US" sz="3500" dirty="0" smtClean="0"/>
-              <a:t>Input</a:t>
+              <a:rPr lang="en-US" sz="3600" dirty="0" smtClean="0"/>
+              <a:t>Modeling</a:t>
             </a:r>
           </a:p>
           <a:p>
@@ -20405,12 +20106,40 @@
               <a:buChar char="•"/>
             </a:pPr>
             <a:r>
-              <a:rPr lang="en-US" sz="3500" dirty="0"/>
-              <a:t>Windows </a:t>
+              <a:rPr lang="en-US" sz="3600" dirty="0"/>
+              <a:t>The Principle of Least </a:t>
             </a:r>
             <a:r>
-              <a:rPr lang="en-US" sz="3500" dirty="0" smtClean="0"/>
-              <a:t>Applications:</a:t>
+              <a:rPr lang="en-US" sz="3600" dirty="0" smtClean="0"/>
+              <a:t>Privilege</a:t>
+            </a:r>
+          </a:p>
+          <a:p>
+            <a:pPr marL="1779783" lvl="1" indent="-571500">
+              <a:buFont typeface="Arial" panose="020B0604020202020204" pitchFamily="34" charset="0"/>
+              <a:buChar char="•"/>
+            </a:pPr>
+            <a:r>
+              <a:rPr lang="en-US" sz="3600" dirty="0"/>
+              <a:t>Code Access </a:t>
+            </a:r>
+            <a:r>
+              <a:rPr lang="en-US" sz="3600" dirty="0" smtClean="0"/>
+              <a:t>Security</a:t>
+            </a:r>
+          </a:p>
+          <a:p>
+            <a:pPr marL="1779783" lvl="1" indent="-571500">
+              <a:buFont typeface="Arial" panose="020B0604020202020204" pitchFamily="34" charset="0"/>
+              <a:buChar char="•"/>
+            </a:pPr>
+            <a:r>
+              <a:rPr lang="en-US" sz="3600" dirty="0"/>
+              <a:t>Database </a:t>
+            </a:r>
+            <a:r>
+              <a:rPr lang="en-US" sz="3600" dirty="0" smtClean="0"/>
+              <a:t>Security</a:t>
             </a:r>
           </a:p>
           <a:p>
@@ -20419,11 +20148,11 @@
               <a:buChar char="•"/>
             </a:pPr>
             <a:r>
-              <a:rPr lang="en-US" sz="3500" dirty="0"/>
-              <a:t>In the past, Windows applications generally ran with full permissions. The .NET Framework provides the infrastructure to restrict code executing in a Windows application by using code access security (CAS). However, CAS alone is not enough to protect your application</a:t>
+              <a:rPr lang="en-US" sz="3600" dirty="0"/>
+              <a:t>Create accounts with the lowest possible privileges</a:t>
             </a:r>
             <a:r>
-              <a:rPr lang="en-US" sz="3500" dirty="0" smtClean="0"/>
+              <a:rPr lang="en-US" sz="3600" dirty="0" smtClean="0"/>
               <a:t>.</a:t>
             </a:r>
           </a:p>
@@ -20433,44 +20162,15 @@
               <a:buChar char="•"/>
             </a:pPr>
             <a:r>
-              <a:rPr lang="en-US" sz="3500" dirty="0">
-                <a:hlinkClick r:id="rId2"/>
-              </a:rPr>
-              <a:t>https://</a:t>
+              <a:rPr lang="en-US" sz="3600" dirty="0" smtClean="0"/>
+              <a:t>Do </a:t>
             </a:r>
             <a:r>
-              <a:rPr lang="en-US" sz="3500" dirty="0" smtClean="0">
-                <a:hlinkClick r:id="rId2"/>
-              </a:rPr>
-              <a:t>docs.microsoft.com/en-us/dotnet/framework/winforms/windows-forms-security</a:t>
-            </a:r>
-            <a:endParaRPr lang="en-US" sz="3500" dirty="0" smtClean="0"/>
-          </a:p>
-          <a:p>
-            <a:pPr marL="1779783" lvl="1" indent="-571500">
-              <a:buFont typeface="Arial" panose="020B0604020202020204" pitchFamily="34" charset="0"/>
-              <a:buChar char="•"/>
-            </a:pPr>
-            <a:r>
-              <a:rPr lang="en-US" sz="3500" dirty="0"/>
-              <a:t>ASP.NET and XML Web </a:t>
+              <a:rPr lang="en-US" sz="3600" dirty="0"/>
+              <a:t>not allow users access to administrative accounts just to get code working</a:t>
             </a:r>
             <a:r>
-              <a:rPr lang="en-US" sz="3500" dirty="0" smtClean="0"/>
-              <a:t>Services:</a:t>
-            </a:r>
-          </a:p>
-          <a:p>
-            <a:pPr marL="2988081" lvl="2" indent="-571500">
-              <a:buFont typeface="Arial" panose="020B0604020202020204" pitchFamily="34" charset="0"/>
-              <a:buChar char="•"/>
-            </a:pPr>
-            <a:r>
-              <a:rPr lang="en-US" sz="3500" dirty="0"/>
-              <a:t>ASP.NET applications generally need to restrict access to some portions of the Web site and provide other mechanisms for data protection and site security</a:t>
-            </a:r>
-            <a:r>
-              <a:rPr lang="en-US" sz="3500" dirty="0" smtClean="0"/>
+              <a:rPr lang="en-US" sz="3600" dirty="0" smtClean="0"/>
               <a:t>.</a:t>
             </a:r>
           </a:p>
@@ -20480,11 +20180,15 @@
               <a:buChar char="•"/>
             </a:pPr>
             <a:r>
-              <a:rPr lang="en-US" sz="3500" dirty="0"/>
-              <a:t>An XML Web service provides data that can be consumed by an ASP.NET application, a Windows Forms application, or another Web service. You need to manage security for the Web service itself as well as security for the client application</a:t>
+              <a:rPr lang="en-US" sz="3600" dirty="0" smtClean="0"/>
+              <a:t>Do </a:t>
             </a:r>
             <a:r>
-              <a:rPr lang="en-US" sz="3500" dirty="0" smtClean="0"/>
+              <a:rPr lang="en-US" sz="3600" dirty="0"/>
+              <a:t>not return server-side error messages to client applications</a:t>
+            </a:r>
+            <a:r>
+              <a:rPr lang="en-US" sz="3600" dirty="0" smtClean="0"/>
               <a:t>.</a:t>
             </a:r>
           </a:p>
@@ -20494,18 +20198,17 @@
               <a:buChar char="•"/>
             </a:pPr>
             <a:r>
-              <a:rPr lang="en-US" sz="3500" u="sng" dirty="0">
-                <a:hlinkClick r:id="rId3"/>
-              </a:rPr>
-              <a:t>NIB: ASP.NET </a:t>
+              <a:rPr lang="en-US" sz="3600" dirty="0" smtClean="0"/>
+              <a:t>Validate </a:t>
             </a:r>
             <a:r>
-              <a:rPr lang="en-US" sz="3500" u="sng" dirty="0" smtClean="0">
-                <a:hlinkClick r:id="rId3"/>
-              </a:rPr>
-              <a:t>Security</a:t>
+              <a:rPr lang="en-US" sz="3600" dirty="0"/>
+              <a:t>all input at both the client and the server</a:t>
             </a:r>
-            <a:endParaRPr lang="en-US" sz="3500" u="sng" dirty="0" smtClean="0"/>
+            <a:r>
+              <a:rPr lang="en-US" sz="3600" dirty="0" smtClean="0"/>
+              <a:t>.</a:t>
+            </a:r>
           </a:p>
           <a:p>
             <a:pPr marL="2988081" lvl="2" indent="-571500">
@@ -20513,18 +20216,17 @@
               <a:buChar char="•"/>
             </a:pPr>
             <a:r>
-              <a:rPr lang="en-US" sz="3500" dirty="0">
-                <a:hlinkClick r:id="rId4"/>
-              </a:rPr>
-              <a:t>Securing XML Web Services Created Using </a:t>
+              <a:rPr lang="en-US" sz="3600" dirty="0" smtClean="0"/>
+              <a:t>Use </a:t>
             </a:r>
             <a:r>
-              <a:rPr lang="en-US" sz="3500" dirty="0" smtClean="0">
-                <a:hlinkClick r:id="rId4"/>
-              </a:rPr>
-              <a:t>ASP.NET</a:t>
+              <a:rPr lang="en-US" sz="3600" dirty="0"/>
+              <a:t>parameterized commands and avoid dynamic SQL statements</a:t>
             </a:r>
-            <a:endParaRPr lang="en-US" sz="3500" dirty="0" smtClean="0"/>
+            <a:r>
+              <a:rPr lang="en-US" sz="3600" dirty="0" smtClean="0"/>
+              <a:t>.</a:t>
+            </a:r>
           </a:p>
           <a:p>
             <a:pPr marL="2988081" lvl="2" indent="-571500">
@@ -20532,38 +20234,20 @@
               <a:buChar char="•"/>
             </a:pPr>
             <a:r>
-              <a:rPr lang="en-US" sz="3500" u="sng" dirty="0">
-                <a:hlinkClick r:id="rId5"/>
-              </a:rPr>
-              <a:t>NIB:Basic Security Practices for ASP.NET Web </a:t>
+              <a:rPr lang="en-US" sz="3600" dirty="0" smtClean="0"/>
+              <a:t>Enable </a:t>
             </a:r>
             <a:r>
-              <a:rPr lang="en-US" sz="3500" u="sng" dirty="0" smtClean="0">
-                <a:hlinkClick r:id="rId5"/>
-              </a:rPr>
-              <a:t>Applications</a:t>
+              <a:rPr lang="en-US" sz="3600" dirty="0"/>
+              <a:t>security auditing and logging for the database you are using so that you are alerted to any security breaches.</a:t>
             </a:r>
-            <a:endParaRPr lang="en-US" sz="3500" u="sng" dirty="0" smtClean="0"/>
-          </a:p>
-          <a:p>
-            <a:pPr marL="2988081" lvl="2" indent="-571500">
-              <a:buFont typeface="Arial" panose="020B0604020202020204" pitchFamily="34" charset="0"/>
-              <a:buChar char="•"/>
-            </a:pPr>
-            <a:r>
-              <a:rPr lang="en-US" sz="3500" u="sng" dirty="0">
-                <a:hlinkClick r:id="rId6"/>
-              </a:rPr>
-              <a:t>Script Exploits Overview</a:t>
-            </a:r>
-            <a:endParaRPr lang="en-US" sz="3500" dirty="0"/>
           </a:p>
         </p:txBody>
       </p:sp>
     </p:spTree>
     <p:extLst>
       <p:ext uri="{BB962C8B-B14F-4D97-AF65-F5344CB8AC3E}">
-        <p14:creationId xmlns:p14="http://schemas.microsoft.com/office/powerpoint/2010/main" val="680786414"/>
+        <p14:creationId xmlns:p14="http://schemas.microsoft.com/office/powerpoint/2010/main" val="681619482"/>
       </p:ext>
     </p:extLst>
   </p:cSld>
@@ -20801,7 +20485,7 @@
       </p:grpSpPr>
       <p:sp>
         <p:nvSpPr>
-          <p:cNvPr id="2" name="Marcador de texto 4"/>
+          <p:cNvPr id="33" name="Marcador de texto 4"/>
           <p:cNvSpPr txBox="1">
             <a:spLocks/>
           </p:cNvSpPr>
@@ -20809,8 +20493,8 @@
         </p:nvSpPr>
         <p:spPr>
           <a:xfrm>
-            <a:off x="1886648" y="1053149"/>
-            <a:ext cx="18767086" cy="1802637"/>
+            <a:off x="2246688" y="1053149"/>
+            <a:ext cx="17101901" cy="1802637"/>
           </a:xfrm>
           <a:prstGeom prst="rect">
             <a:avLst/>
@@ -20984,7 +20668,7 @@
           </a:lstStyle>
           <a:p>
             <a:r>
-              <a:rPr lang="en-US" sz="6600" dirty="0" smtClean="0">
+              <a:rPr lang="en-US" sz="4400" dirty="0">
                 <a:solidFill>
                   <a:schemeClr val="accent3">
                     <a:lumMod val="75000"/>
@@ -20993,100 +20677,21 @@
                 <a:ea typeface="Open Sans Semibold" panose="020B0706030804020204" pitchFamily="34" charset="0"/>
                 <a:cs typeface="Open Sans Semibold" panose="020B0706030804020204" pitchFamily="34" charset="0"/>
               </a:rPr>
-              <a:t>Example: </a:t>
+              <a:t>Secure Client Applications</a:t>
             </a:r>
-            <a:r>
-              <a:rPr lang="en-US" sz="6600" dirty="0" smtClean="0">
-                <a:solidFill>
-                  <a:schemeClr val="accent3">
-                    <a:lumMod val="75000"/>
-                  </a:schemeClr>
-                </a:solidFill>
-                <a:ea typeface="Open Sans Semibold" panose="020B0706030804020204" pitchFamily="34" charset="0"/>
-                <a:cs typeface="Open Sans Semibold" panose="020B0706030804020204" pitchFamily="34" charset="0"/>
-              </a:rPr>
-              <a:t>Working with Data Providers in ADO.NET</a:t>
-            </a:r>
-            <a:endParaRPr lang="en-US" sz="6600" dirty="0">
-              <a:solidFill>
-                <a:schemeClr val="accent3">
-                  <a:lumMod val="75000"/>
-                </a:schemeClr>
-              </a:solidFill>
-              <a:ea typeface="Open Sans Semibold" panose="020B0706030804020204" pitchFamily="34" charset="0"/>
-              <a:cs typeface="Open Sans Semibold" panose="020B0706030804020204" pitchFamily="34" charset="0"/>
-            </a:endParaRPr>
-          </a:p>
-        </p:txBody>
-      </p:sp>
-      <p:sp>
-        <p:nvSpPr>
-          <p:cNvPr id="3" name="TextBox 2"/>
-          <p:cNvSpPr txBox="1"/>
-          <p:nvPr/>
-        </p:nvSpPr>
-        <p:spPr>
-          <a:xfrm>
-            <a:off x="2201683" y="3573429"/>
-            <a:ext cx="20162241" cy="1200329"/>
-          </a:xfrm>
-          <a:prstGeom prst="rect">
-            <a:avLst/>
-          </a:prstGeom>
-          <a:noFill/>
-        </p:spPr>
-        <p:txBody>
-          <a:bodyPr wrap="square" rtlCol="0">
-            <a:spAutoFit/>
-          </a:bodyPr>
-          <a:lstStyle/>
-          <a:p>
-            <a:pPr marL="571500" indent="-571500">
-              <a:buFont typeface="Arial" panose="020B0604020202020204" pitchFamily="34" charset="0"/>
-              <a:buChar char="•"/>
-            </a:pPr>
-            <a:r>
-              <a:rPr lang="en-US" sz="3600" dirty="0" smtClean="0"/>
-              <a:t>See </a:t>
-            </a:r>
-            <a:r>
-              <a:rPr lang="en-US" sz="3600" dirty="0" smtClean="0"/>
-              <a:t>ADONET-Chapter2 </a:t>
-            </a:r>
-            <a:r>
-              <a:rPr lang="en-US" sz="3600" dirty="0" smtClean="0"/>
-              <a:t>at</a:t>
-            </a:r>
-            <a:r>
-              <a:rPr lang="en-US" sz="3600" dirty="0"/>
-              <a:t> </a:t>
-            </a:r>
-            <a:r>
-              <a:rPr lang="en-US" sz="3600" dirty="0">
-                <a:hlinkClick r:id="rId3"/>
-              </a:rPr>
-              <a:t>https://</a:t>
-            </a:r>
-            <a:r>
-              <a:rPr lang="en-US" sz="3600" dirty="0" smtClean="0">
-                <a:hlinkClick r:id="rId3"/>
-              </a:rPr>
-              <a:t>github.com/DotNetTraining/DotNetEssentials/tree/master/Code/ADONET/ADONET-Chapter2</a:t>
-            </a:r>
-            <a:endParaRPr lang="en-US" sz="3600" dirty="0" smtClean="0"/>
           </a:p>
         </p:txBody>
       </p:sp>
       <p:cxnSp>
         <p:nvCxnSpPr>
-          <p:cNvPr id="4" name="10 Conector recto"/>
+          <p:cNvPr id="34" name="10 Conector recto"/>
           <p:cNvCxnSpPr/>
           <p:nvPr/>
         </p:nvCxnSpPr>
         <p:spPr>
-          <a:xfrm flipV="1">
-            <a:off x="1886648" y="2223287"/>
-            <a:ext cx="18362041" cy="1"/>
+          <a:xfrm>
+            <a:off x="2246688" y="1955687"/>
+            <a:ext cx="6210691" cy="0"/>
           </a:xfrm>
           <a:prstGeom prst="line">
             <a:avLst/>
@@ -21112,1113 +20717,159 @@
           </a:fontRef>
         </p:style>
       </p:cxnSp>
-      <p:grpSp>
-        <p:nvGrpSpPr>
-          <p:cNvPr id="37" name="Group 36"/>
-          <p:cNvGrpSpPr/>
+      <p:sp>
+        <p:nvSpPr>
+          <p:cNvPr id="35" name="TextBox 34"/>
+          <p:cNvSpPr txBox="1"/>
           <p:nvPr/>
-        </p:nvGrpSpPr>
-        <p:grpSpPr>
+        </p:nvSpPr>
+        <p:spPr>
           <a:xfrm>
-            <a:off x="8264930" y="5778674"/>
-            <a:ext cx="6550580" cy="5741861"/>
-            <a:chOff x="9222464" y="6003699"/>
-            <a:chExt cx="6550580" cy="5741861"/>
+            <a:off x="2246688" y="2855786"/>
+            <a:ext cx="19982220" cy="6186309"/>
           </a:xfrm>
-        </p:grpSpPr>
-        <p:sp>
-          <p:nvSpPr>
-            <p:cNvPr id="24" name="Elipse 24"/>
-            <p:cNvSpPr/>
-            <p:nvPr/>
-          </p:nvSpPr>
-          <p:spPr bwMode="auto">
-            <a:xfrm>
-              <a:off x="11496345" y="8282658"/>
-              <a:ext cx="847214" cy="848960"/>
-            </a:xfrm>
-            <a:prstGeom prst="ellipse">
-              <a:avLst/>
-            </a:prstGeom>
-            <a:solidFill>
-              <a:srgbClr val="F44D53"/>
-            </a:solidFill>
-            <a:ln>
-              <a:noFill/>
-            </a:ln>
-            <a:extLst/>
-          </p:spPr>
-          <p:txBody>
-            <a:bodyPr lIns="0" tIns="0" rIns="0" bIns="0" rtlCol="0" anchor="ctr"/>
-            <a:lstStyle/>
-            <a:p>
-              <a:pPr algn="ctr"/>
-              <a:endParaRPr lang="es-ES"/>
-            </a:p>
-          </p:txBody>
-        </p:sp>
-        <p:sp>
-          <p:nvSpPr>
-            <p:cNvPr id="25" name="Anillo 25"/>
-            <p:cNvSpPr/>
-            <p:nvPr/>
-          </p:nvSpPr>
-          <p:spPr bwMode="auto">
-            <a:xfrm>
-              <a:off x="10384375" y="7168397"/>
-              <a:ext cx="3071154" cy="3077482"/>
-            </a:xfrm>
-            <a:prstGeom prst="donut">
-              <a:avLst>
-                <a:gd name="adj" fmla="val 13529"/>
-              </a:avLst>
-            </a:prstGeom>
-            <a:solidFill>
-              <a:srgbClr val="AAB5BD"/>
-            </a:solidFill>
-            <a:ln>
-              <a:noFill/>
-            </a:ln>
-            <a:extLst/>
-          </p:spPr>
-          <p:txBody>
-            <a:bodyPr lIns="0" tIns="0" rIns="0" bIns="0" rtlCol="0" anchor="ctr"/>
-            <a:lstStyle/>
-            <a:p>
-              <a:pPr algn="ctr"/>
-              <a:endParaRPr lang="es-ES"/>
-            </a:p>
-          </p:txBody>
-        </p:sp>
-        <p:sp>
-          <p:nvSpPr>
-            <p:cNvPr id="26" name="Anillo 26"/>
-            <p:cNvSpPr/>
-            <p:nvPr/>
-          </p:nvSpPr>
-          <p:spPr bwMode="auto">
-            <a:xfrm>
-              <a:off x="9222464" y="6003699"/>
-              <a:ext cx="5394976" cy="5406879"/>
-            </a:xfrm>
-            <a:prstGeom prst="donut">
-              <a:avLst>
-                <a:gd name="adj" fmla="val 7951"/>
-              </a:avLst>
-            </a:prstGeom>
-            <a:solidFill>
-              <a:srgbClr val="34495E"/>
-            </a:solidFill>
-            <a:ln>
-              <a:noFill/>
-            </a:ln>
-            <a:extLst/>
-          </p:spPr>
-          <p:txBody>
-            <a:bodyPr lIns="0" tIns="0" rIns="0" bIns="0" rtlCol="0" anchor="ctr"/>
-            <a:lstStyle/>
-            <a:p>
-              <a:pPr algn="ctr"/>
-              <a:endParaRPr lang="es-ES"/>
-            </a:p>
-          </p:txBody>
-        </p:sp>
-        <p:grpSp>
-          <p:nvGrpSpPr>
-            <p:cNvPr id="27" name="6 Grupo"/>
-            <p:cNvGrpSpPr/>
-            <p:nvPr/>
-          </p:nvGrpSpPr>
-          <p:grpSpPr>
-            <a:xfrm>
-              <a:off x="11304165" y="7009649"/>
-              <a:ext cx="4468879" cy="4735911"/>
-              <a:chOff x="11304165" y="7543430"/>
-              <a:chExt cx="4468879" cy="4735911"/>
-            </a:xfrm>
-          </p:grpSpPr>
-          <p:grpSp>
-            <p:nvGrpSpPr>
-              <p:cNvPr id="28" name="Grupo 22"/>
-              <p:cNvGrpSpPr/>
-              <p:nvPr/>
-            </p:nvGrpSpPr>
-            <p:grpSpPr>
-              <a:xfrm rot="19018150">
-                <a:off x="11304165" y="7543430"/>
-                <a:ext cx="4468879" cy="449612"/>
-                <a:chOff x="12782936" y="6138159"/>
-                <a:chExt cx="4925957" cy="495602"/>
-              </a:xfrm>
-            </p:grpSpPr>
-            <p:sp>
-              <p:nvSpPr>
-                <p:cNvPr id="30" name="Rectángulo redondeado 14"/>
-                <p:cNvSpPr/>
-                <p:nvPr/>
-              </p:nvSpPr>
-              <p:spPr bwMode="auto">
-                <a:xfrm rot="16200000">
-                  <a:off x="17119857" y="6044704"/>
-                  <a:ext cx="495582" cy="682491"/>
-                </a:xfrm>
-                <a:prstGeom prst="roundRect">
-                  <a:avLst>
-                    <a:gd name="adj" fmla="val 50000"/>
-                  </a:avLst>
-                </a:prstGeom>
-                <a:solidFill>
-                  <a:srgbClr val="E8685F"/>
-                </a:solidFill>
-                <a:ln>
-                  <a:noFill/>
-                </a:ln>
-                <a:extLst/>
-              </p:spPr>
-              <p:txBody>
-                <a:bodyPr lIns="0" tIns="0" rIns="0" bIns="0" rtlCol="0" anchor="ctr"/>
-                <a:lstStyle/>
-                <a:p>
-                  <a:pPr algn="ctr"/>
-                  <a:endParaRPr lang="es-ES"/>
-                </a:p>
-              </p:txBody>
-            </p:sp>
-            <p:sp>
-              <p:nvSpPr>
-                <p:cNvPr id="31" name="Rectángulo 15"/>
-                <p:cNvSpPr/>
-                <p:nvPr/>
-              </p:nvSpPr>
-              <p:spPr bwMode="auto">
-                <a:xfrm>
-                  <a:off x="13629872" y="6138686"/>
-                  <a:ext cx="3329765" cy="495053"/>
-                </a:xfrm>
-                <a:prstGeom prst="rect">
-                  <a:avLst/>
-                </a:prstGeom>
-                <a:solidFill>
-                  <a:srgbClr val="FEC830"/>
-                </a:solidFill>
-                <a:ln>
-                  <a:noFill/>
-                </a:ln>
-                <a:extLst/>
-              </p:spPr>
-              <p:txBody>
-                <a:bodyPr lIns="0" tIns="0" rIns="0" bIns="0" rtlCol="0" anchor="ctr"/>
-                <a:lstStyle/>
-                <a:p>
-                  <a:pPr algn="ctr"/>
-                  <a:endParaRPr lang="es-ES"/>
-                </a:p>
-              </p:txBody>
-            </p:sp>
-            <p:sp>
-              <p:nvSpPr>
-                <p:cNvPr id="32" name="Rectángulo 16"/>
-                <p:cNvSpPr/>
-                <p:nvPr/>
-              </p:nvSpPr>
-              <p:spPr bwMode="auto">
-                <a:xfrm>
-                  <a:off x="16959638" y="6138687"/>
-                  <a:ext cx="344209" cy="495053"/>
-                </a:xfrm>
-                <a:prstGeom prst="rect">
-                  <a:avLst/>
-                </a:prstGeom>
-                <a:gradFill>
-                  <a:gsLst>
-                    <a:gs pos="0">
-                      <a:schemeClr val="bg1">
-                        <a:lumMod val="50000"/>
-                      </a:schemeClr>
-                    </a:gs>
-                    <a:gs pos="13000">
-                      <a:srgbClr val="5F5F5F"/>
-                    </a:gs>
-                    <a:gs pos="23000">
-                      <a:srgbClr val="FFFFFF"/>
-                    </a:gs>
-                    <a:gs pos="93000">
-                      <a:srgbClr val="777777"/>
-                    </a:gs>
-                    <a:gs pos="100000">
-                      <a:srgbClr val="EAEAEA"/>
-                    </a:gs>
-                  </a:gsLst>
-                  <a:lin ang="5400000" scaled="0"/>
-                </a:gradFill>
-                <a:ln>
-                  <a:noFill/>
-                </a:ln>
-                <a:extLst/>
-              </p:spPr>
-              <p:txBody>
-                <a:bodyPr lIns="0" tIns="0" rIns="0" bIns="0" rtlCol="0" anchor="ctr"/>
-                <a:lstStyle/>
-                <a:p>
-                  <a:pPr algn="ctr"/>
-                  <a:endParaRPr lang="es-ES"/>
-                </a:p>
-              </p:txBody>
-            </p:sp>
-            <p:sp>
-              <p:nvSpPr>
-                <p:cNvPr id="33" name="Triángulo isósceles 17"/>
-                <p:cNvSpPr/>
-                <p:nvPr/>
-              </p:nvSpPr>
-              <p:spPr bwMode="auto">
-                <a:xfrm rot="16200000">
-                  <a:off x="12958614" y="5962492"/>
-                  <a:ext cx="495581" cy="846938"/>
-                </a:xfrm>
-                <a:prstGeom prst="triangle">
-                  <a:avLst>
-                    <a:gd name="adj" fmla="val 50481"/>
-                  </a:avLst>
-                </a:prstGeom>
-                <a:solidFill>
-                  <a:srgbClr val="E6EAEE"/>
-                </a:solidFill>
-                <a:ln>
-                  <a:noFill/>
-                </a:ln>
-                <a:extLst/>
-              </p:spPr>
-              <p:txBody>
-                <a:bodyPr lIns="0" tIns="0" rIns="0" bIns="0" rtlCol="0" anchor="ctr"/>
-                <a:lstStyle/>
-                <a:p>
-                  <a:pPr algn="ctr"/>
-                  <a:endParaRPr lang="es-ES"/>
-                </a:p>
-              </p:txBody>
-            </p:sp>
-            <p:sp>
-              <p:nvSpPr>
-                <p:cNvPr id="34" name="Rectángulo 19"/>
-                <p:cNvSpPr/>
-                <p:nvPr/>
-              </p:nvSpPr>
-              <p:spPr bwMode="auto">
-                <a:xfrm>
-                  <a:off x="13629876" y="6496754"/>
-                  <a:ext cx="3329764" cy="136997"/>
-                </a:xfrm>
-                <a:prstGeom prst="rect">
-                  <a:avLst/>
-                </a:prstGeom>
-                <a:solidFill>
-                  <a:srgbClr val="FFFFFF">
-                    <a:alpha val="50000"/>
-                  </a:srgbClr>
-                </a:solidFill>
-                <a:ln>
-                  <a:noFill/>
-                </a:ln>
-                <a:extLst/>
-              </p:spPr>
-              <p:txBody>
-                <a:bodyPr lIns="0" tIns="0" rIns="0" bIns="0" rtlCol="0" anchor="ctr"/>
-                <a:lstStyle/>
-                <a:p>
-                  <a:pPr algn="ctr"/>
-                  <a:endParaRPr lang="es-ES"/>
-                </a:p>
-              </p:txBody>
-            </p:sp>
-            <p:sp>
-              <p:nvSpPr>
-                <p:cNvPr id="35" name="Forma libre 20"/>
-                <p:cNvSpPr/>
-                <p:nvPr/>
-              </p:nvSpPr>
-              <p:spPr bwMode="auto">
-                <a:xfrm rot="16200000">
-                  <a:off x="12958621" y="5962502"/>
-                  <a:ext cx="495581" cy="846938"/>
-                </a:xfrm>
-                <a:custGeom>
-                  <a:avLst/>
-                  <a:gdLst>
-                    <a:gd name="connsiteX0" fmla="*/ 495582 w 495582"/>
-                    <a:gd name="connsiteY0" fmla="*/ 846940 h 846940"/>
-                    <a:gd name="connsiteX1" fmla="*/ 0 w 495582"/>
-                    <a:gd name="connsiteY1" fmla="*/ 846940 h 846940"/>
-                    <a:gd name="connsiteX2" fmla="*/ 1 w 495582"/>
-                    <a:gd name="connsiteY2" fmla="*/ 846939 h 846940"/>
-                    <a:gd name="connsiteX3" fmla="*/ 409807 w 495582"/>
-                    <a:gd name="connsiteY3" fmla="*/ 846939 h 846940"/>
-                    <a:gd name="connsiteX4" fmla="*/ 216735 w 495582"/>
-                    <a:gd name="connsiteY4" fmla="*/ 113206 h 846940"/>
-                    <a:gd name="connsiteX5" fmla="*/ 250175 w 495582"/>
-                    <a:gd name="connsiteY5" fmla="*/ 0 h 846940"/>
-                  </a:gdLst>
-                  <a:ahLst/>
-                  <a:cxnLst>
-                    <a:cxn ang="0">
-                      <a:pos x="connsiteX0" y="connsiteY0"/>
-                    </a:cxn>
-                    <a:cxn ang="0">
-                      <a:pos x="connsiteX1" y="connsiteY1"/>
-                    </a:cxn>
-                    <a:cxn ang="0">
-                      <a:pos x="connsiteX2" y="connsiteY2"/>
-                    </a:cxn>
-                    <a:cxn ang="0">
-                      <a:pos x="connsiteX3" y="connsiteY3"/>
-                    </a:cxn>
-                    <a:cxn ang="0">
-                      <a:pos x="connsiteX4" y="connsiteY4"/>
-                    </a:cxn>
-                    <a:cxn ang="0">
-                      <a:pos x="connsiteX5" y="connsiteY5"/>
-                    </a:cxn>
-                  </a:cxnLst>
-                  <a:rect l="l" t="t" r="r" b="b"/>
-                  <a:pathLst>
-                    <a:path w="495582" h="846940">
-                      <a:moveTo>
-                        <a:pt x="495582" y="846940"/>
-                      </a:moveTo>
-                      <a:lnTo>
-                        <a:pt x="0" y="846940"/>
-                      </a:lnTo>
-                      <a:lnTo>
-                        <a:pt x="1" y="846939"/>
-                      </a:lnTo>
-                      <a:lnTo>
-                        <a:pt x="409807" y="846939"/>
-                      </a:lnTo>
-                      <a:lnTo>
-                        <a:pt x="216735" y="113206"/>
-                      </a:lnTo>
-                      <a:lnTo>
-                        <a:pt x="250175" y="0"/>
-                      </a:lnTo>
-                      <a:close/>
-                    </a:path>
-                  </a:pathLst>
-                </a:custGeom>
-                <a:solidFill>
-                  <a:srgbClr val="FFFFFF">
-                    <a:alpha val="40000"/>
-                  </a:srgbClr>
-                </a:solidFill>
-                <a:ln>
-                  <a:noFill/>
-                </a:ln>
-                <a:extLst/>
-              </p:spPr>
-              <p:txBody>
-                <a:bodyPr lIns="0" tIns="0" rIns="0" bIns="0" rtlCol="0" anchor="ctr"/>
-                <a:lstStyle/>
-                <a:p>
-                  <a:pPr algn="ctr"/>
-                  <a:endParaRPr lang="es-ES"/>
-                </a:p>
-              </p:txBody>
-            </p:sp>
-            <p:sp>
-              <p:nvSpPr>
-                <p:cNvPr id="36" name="Triángulo isósceles 21"/>
-                <p:cNvSpPr/>
-                <p:nvPr/>
-              </p:nvSpPr>
-              <p:spPr bwMode="auto">
-                <a:xfrm rot="16200000">
-                  <a:off x="12830383" y="6272670"/>
-                  <a:ext cx="130177" cy="225025"/>
-                </a:xfrm>
-                <a:prstGeom prst="triangle">
-                  <a:avLst>
-                    <a:gd name="adj" fmla="val 50481"/>
-                  </a:avLst>
-                </a:prstGeom>
-                <a:solidFill>
-                  <a:srgbClr val="223D53"/>
-                </a:solidFill>
-                <a:ln>
-                  <a:noFill/>
-                </a:ln>
-                <a:extLst/>
-              </p:spPr>
-              <p:txBody>
-                <a:bodyPr lIns="0" tIns="0" rIns="0" bIns="0" rtlCol="0" anchor="ctr"/>
-                <a:lstStyle/>
-                <a:p>
-                  <a:pPr algn="ctr"/>
-                  <a:endParaRPr lang="es-ES"/>
-                </a:p>
-              </p:txBody>
-            </p:sp>
-          </p:grpSp>
-          <p:sp>
-            <p:nvSpPr>
-              <p:cNvPr id="29" name="Forma libre 35"/>
-              <p:cNvSpPr/>
-              <p:nvPr/>
-            </p:nvSpPr>
-            <p:spPr bwMode="auto">
-              <a:xfrm>
-                <a:off x="11893860" y="9279977"/>
-                <a:ext cx="3096986" cy="2999364"/>
-              </a:xfrm>
-              <a:custGeom>
-                <a:avLst/>
-                <a:gdLst>
-                  <a:gd name="connsiteX0" fmla="*/ 668 w 2750200"/>
-                  <a:gd name="connsiteY0" fmla="*/ 0 h 2669567"/>
-                  <a:gd name="connsiteX1" fmla="*/ 672 w 2750200"/>
-                  <a:gd name="connsiteY1" fmla="*/ 0 h 2669567"/>
-                  <a:gd name="connsiteX2" fmla="*/ 780078 w 2750200"/>
-                  <a:gd name="connsiteY2" fmla="*/ 412375 h 2669567"/>
-                  <a:gd name="connsiteX3" fmla="*/ 781370 w 2750200"/>
-                  <a:gd name="connsiteY3" fmla="*/ 411040 h 2669567"/>
-                  <a:gd name="connsiteX4" fmla="*/ 2331202 w 2750200"/>
-                  <a:gd name="connsiteY4" fmla="*/ 1909898 h 2669567"/>
-                  <a:gd name="connsiteX5" fmla="*/ 2331202 w 2750200"/>
-                  <a:gd name="connsiteY5" fmla="*/ 1909897 h 2669567"/>
-                  <a:gd name="connsiteX6" fmla="*/ 2750200 w 2750200"/>
-                  <a:gd name="connsiteY6" fmla="*/ 2315116 h 2669567"/>
-                  <a:gd name="connsiteX7" fmla="*/ 2556040 w 2750200"/>
-                  <a:gd name="connsiteY7" fmla="*/ 2528778 h 2669567"/>
-                  <a:gd name="connsiteX8" fmla="*/ 2401154 w 2750200"/>
-                  <a:gd name="connsiteY8" fmla="*/ 2669567 h 2669567"/>
-                  <a:gd name="connsiteX9" fmla="*/ 1981493 w 2750200"/>
-                  <a:gd name="connsiteY9" fmla="*/ 2263707 h 2669567"/>
-                  <a:gd name="connsiteX10" fmla="*/ 1981492 w 2750200"/>
-                  <a:gd name="connsiteY10" fmla="*/ 2263707 h 2669567"/>
-                  <a:gd name="connsiteX11" fmla="*/ 435556 w 2750200"/>
-                  <a:gd name="connsiteY11" fmla="*/ 768615 h 2669567"/>
-                  <a:gd name="connsiteX12" fmla="*/ 116216 w 2750200"/>
-                  <a:gd name="connsiteY12" fmla="*/ 204215 h 2669567"/>
-                  <a:gd name="connsiteX13" fmla="*/ 116072 w 2750200"/>
-                  <a:gd name="connsiteY13" fmla="*/ 204364 h 2669567"/>
-                  <a:gd name="connsiteX14" fmla="*/ 0 w 2750200"/>
-                  <a:gd name="connsiteY14" fmla="*/ 692 h 2669567"/>
-                  <a:gd name="connsiteX15" fmla="*/ 1518 w 2750200"/>
-                  <a:gd name="connsiteY15" fmla="*/ 1500 h 2669567"/>
-                  <a:gd name="connsiteX0" fmla="*/ 668 w 3039507"/>
-                  <a:gd name="connsiteY0" fmla="*/ 0 h 3299521"/>
-                  <a:gd name="connsiteX1" fmla="*/ 672 w 3039507"/>
-                  <a:gd name="connsiteY1" fmla="*/ 0 h 3299521"/>
-                  <a:gd name="connsiteX2" fmla="*/ 780078 w 3039507"/>
-                  <a:gd name="connsiteY2" fmla="*/ 412375 h 3299521"/>
-                  <a:gd name="connsiteX3" fmla="*/ 781370 w 3039507"/>
-                  <a:gd name="connsiteY3" fmla="*/ 411040 h 3299521"/>
-                  <a:gd name="connsiteX4" fmla="*/ 2331202 w 3039507"/>
-                  <a:gd name="connsiteY4" fmla="*/ 1909898 h 3299521"/>
-                  <a:gd name="connsiteX5" fmla="*/ 2331202 w 3039507"/>
-                  <a:gd name="connsiteY5" fmla="*/ 1909897 h 3299521"/>
-                  <a:gd name="connsiteX6" fmla="*/ 2750200 w 3039507"/>
-                  <a:gd name="connsiteY6" fmla="*/ 2315116 h 3299521"/>
-                  <a:gd name="connsiteX7" fmla="*/ 2556040 w 3039507"/>
-                  <a:gd name="connsiteY7" fmla="*/ 2528778 h 3299521"/>
-                  <a:gd name="connsiteX8" fmla="*/ 3039507 w 3039507"/>
-                  <a:gd name="connsiteY8" fmla="*/ 3299521 h 3299521"/>
-                  <a:gd name="connsiteX9" fmla="*/ 1981493 w 3039507"/>
-                  <a:gd name="connsiteY9" fmla="*/ 2263707 h 3299521"/>
-                  <a:gd name="connsiteX10" fmla="*/ 1981492 w 3039507"/>
-                  <a:gd name="connsiteY10" fmla="*/ 2263707 h 3299521"/>
-                  <a:gd name="connsiteX11" fmla="*/ 435556 w 3039507"/>
-                  <a:gd name="connsiteY11" fmla="*/ 768615 h 3299521"/>
-                  <a:gd name="connsiteX12" fmla="*/ 116216 w 3039507"/>
-                  <a:gd name="connsiteY12" fmla="*/ 204215 h 3299521"/>
-                  <a:gd name="connsiteX13" fmla="*/ 116072 w 3039507"/>
-                  <a:gd name="connsiteY13" fmla="*/ 204364 h 3299521"/>
-                  <a:gd name="connsiteX14" fmla="*/ 0 w 3039507"/>
-                  <a:gd name="connsiteY14" fmla="*/ 692 h 3299521"/>
-                  <a:gd name="connsiteX15" fmla="*/ 1518 w 3039507"/>
-                  <a:gd name="connsiteY15" fmla="*/ 1500 h 3299521"/>
-                  <a:gd name="connsiteX16" fmla="*/ 668 w 3039507"/>
-                  <a:gd name="connsiteY16" fmla="*/ 0 h 3299521"/>
-                  <a:gd name="connsiteX0" fmla="*/ 668 w 3455748"/>
-                  <a:gd name="connsiteY0" fmla="*/ 0 h 3299521"/>
-                  <a:gd name="connsiteX1" fmla="*/ 672 w 3455748"/>
-                  <a:gd name="connsiteY1" fmla="*/ 0 h 3299521"/>
-                  <a:gd name="connsiteX2" fmla="*/ 780078 w 3455748"/>
-                  <a:gd name="connsiteY2" fmla="*/ 412375 h 3299521"/>
-                  <a:gd name="connsiteX3" fmla="*/ 781370 w 3455748"/>
-                  <a:gd name="connsiteY3" fmla="*/ 411040 h 3299521"/>
-                  <a:gd name="connsiteX4" fmla="*/ 2331202 w 3455748"/>
-                  <a:gd name="connsiteY4" fmla="*/ 1909898 h 3299521"/>
-                  <a:gd name="connsiteX5" fmla="*/ 2331202 w 3455748"/>
-                  <a:gd name="connsiteY5" fmla="*/ 1909897 h 3299521"/>
-                  <a:gd name="connsiteX6" fmla="*/ 3455748 w 3455748"/>
-                  <a:gd name="connsiteY6" fmla="*/ 3029064 h 3299521"/>
-                  <a:gd name="connsiteX7" fmla="*/ 2556040 w 3455748"/>
-                  <a:gd name="connsiteY7" fmla="*/ 2528778 h 3299521"/>
-                  <a:gd name="connsiteX8" fmla="*/ 3039507 w 3455748"/>
-                  <a:gd name="connsiteY8" fmla="*/ 3299521 h 3299521"/>
-                  <a:gd name="connsiteX9" fmla="*/ 1981493 w 3455748"/>
-                  <a:gd name="connsiteY9" fmla="*/ 2263707 h 3299521"/>
-                  <a:gd name="connsiteX10" fmla="*/ 1981492 w 3455748"/>
-                  <a:gd name="connsiteY10" fmla="*/ 2263707 h 3299521"/>
-                  <a:gd name="connsiteX11" fmla="*/ 435556 w 3455748"/>
-                  <a:gd name="connsiteY11" fmla="*/ 768615 h 3299521"/>
-                  <a:gd name="connsiteX12" fmla="*/ 116216 w 3455748"/>
-                  <a:gd name="connsiteY12" fmla="*/ 204215 h 3299521"/>
-                  <a:gd name="connsiteX13" fmla="*/ 116072 w 3455748"/>
-                  <a:gd name="connsiteY13" fmla="*/ 204364 h 3299521"/>
-                  <a:gd name="connsiteX14" fmla="*/ 0 w 3455748"/>
-                  <a:gd name="connsiteY14" fmla="*/ 692 h 3299521"/>
-                  <a:gd name="connsiteX15" fmla="*/ 1518 w 3455748"/>
-                  <a:gd name="connsiteY15" fmla="*/ 1500 h 3299521"/>
-                  <a:gd name="connsiteX16" fmla="*/ 668 w 3455748"/>
-                  <a:gd name="connsiteY16" fmla="*/ 0 h 3299521"/>
-                  <a:gd name="connsiteX0" fmla="*/ 668 w 3455748"/>
-                  <a:gd name="connsiteY0" fmla="*/ 0 h 3299521"/>
-                  <a:gd name="connsiteX1" fmla="*/ 672 w 3455748"/>
-                  <a:gd name="connsiteY1" fmla="*/ 0 h 3299521"/>
-                  <a:gd name="connsiteX2" fmla="*/ 780078 w 3455748"/>
-                  <a:gd name="connsiteY2" fmla="*/ 412375 h 3299521"/>
-                  <a:gd name="connsiteX3" fmla="*/ 781370 w 3455748"/>
-                  <a:gd name="connsiteY3" fmla="*/ 411040 h 3299521"/>
-                  <a:gd name="connsiteX4" fmla="*/ 2331202 w 3455748"/>
-                  <a:gd name="connsiteY4" fmla="*/ 1909898 h 3299521"/>
-                  <a:gd name="connsiteX5" fmla="*/ 2331202 w 3455748"/>
-                  <a:gd name="connsiteY5" fmla="*/ 1909897 h 3299521"/>
-                  <a:gd name="connsiteX6" fmla="*/ 3455748 w 3455748"/>
-                  <a:gd name="connsiteY6" fmla="*/ 3029064 h 3299521"/>
-                  <a:gd name="connsiteX7" fmla="*/ 3211192 w 3455748"/>
-                  <a:gd name="connsiteY7" fmla="*/ 3200729 h 3299521"/>
-                  <a:gd name="connsiteX8" fmla="*/ 3039507 w 3455748"/>
-                  <a:gd name="connsiteY8" fmla="*/ 3299521 h 3299521"/>
-                  <a:gd name="connsiteX9" fmla="*/ 1981493 w 3455748"/>
-                  <a:gd name="connsiteY9" fmla="*/ 2263707 h 3299521"/>
-                  <a:gd name="connsiteX10" fmla="*/ 1981492 w 3455748"/>
-                  <a:gd name="connsiteY10" fmla="*/ 2263707 h 3299521"/>
-                  <a:gd name="connsiteX11" fmla="*/ 435556 w 3455748"/>
-                  <a:gd name="connsiteY11" fmla="*/ 768615 h 3299521"/>
-                  <a:gd name="connsiteX12" fmla="*/ 116216 w 3455748"/>
-                  <a:gd name="connsiteY12" fmla="*/ 204215 h 3299521"/>
-                  <a:gd name="connsiteX13" fmla="*/ 116072 w 3455748"/>
-                  <a:gd name="connsiteY13" fmla="*/ 204364 h 3299521"/>
-                  <a:gd name="connsiteX14" fmla="*/ 0 w 3455748"/>
-                  <a:gd name="connsiteY14" fmla="*/ 692 h 3299521"/>
-                  <a:gd name="connsiteX15" fmla="*/ 1518 w 3455748"/>
-                  <a:gd name="connsiteY15" fmla="*/ 1500 h 3299521"/>
-                  <a:gd name="connsiteX16" fmla="*/ 668 w 3455748"/>
-                  <a:gd name="connsiteY16" fmla="*/ 0 h 3299521"/>
-                  <a:gd name="connsiteX0" fmla="*/ 668 w 3455748"/>
-                  <a:gd name="connsiteY0" fmla="*/ 0 h 3299521"/>
-                  <a:gd name="connsiteX1" fmla="*/ 672 w 3455748"/>
-                  <a:gd name="connsiteY1" fmla="*/ 0 h 3299521"/>
-                  <a:gd name="connsiteX2" fmla="*/ 780078 w 3455748"/>
-                  <a:gd name="connsiteY2" fmla="*/ 412375 h 3299521"/>
-                  <a:gd name="connsiteX3" fmla="*/ 781370 w 3455748"/>
-                  <a:gd name="connsiteY3" fmla="*/ 411040 h 3299521"/>
-                  <a:gd name="connsiteX4" fmla="*/ 2331202 w 3455748"/>
-                  <a:gd name="connsiteY4" fmla="*/ 1909898 h 3299521"/>
-                  <a:gd name="connsiteX5" fmla="*/ 2331202 w 3455748"/>
-                  <a:gd name="connsiteY5" fmla="*/ 1909897 h 3299521"/>
-                  <a:gd name="connsiteX6" fmla="*/ 3455748 w 3455748"/>
-                  <a:gd name="connsiteY6" fmla="*/ 3029064 h 3299521"/>
-                  <a:gd name="connsiteX7" fmla="*/ 3039507 w 3455748"/>
-                  <a:gd name="connsiteY7" fmla="*/ 3299521 h 3299521"/>
-                  <a:gd name="connsiteX8" fmla="*/ 1981493 w 3455748"/>
-                  <a:gd name="connsiteY8" fmla="*/ 2263707 h 3299521"/>
-                  <a:gd name="connsiteX9" fmla="*/ 1981492 w 3455748"/>
-                  <a:gd name="connsiteY9" fmla="*/ 2263707 h 3299521"/>
-                  <a:gd name="connsiteX10" fmla="*/ 435556 w 3455748"/>
-                  <a:gd name="connsiteY10" fmla="*/ 768615 h 3299521"/>
-                  <a:gd name="connsiteX11" fmla="*/ 116216 w 3455748"/>
-                  <a:gd name="connsiteY11" fmla="*/ 204215 h 3299521"/>
-                  <a:gd name="connsiteX12" fmla="*/ 116072 w 3455748"/>
-                  <a:gd name="connsiteY12" fmla="*/ 204364 h 3299521"/>
-                  <a:gd name="connsiteX13" fmla="*/ 0 w 3455748"/>
-                  <a:gd name="connsiteY13" fmla="*/ 692 h 3299521"/>
-                  <a:gd name="connsiteX14" fmla="*/ 1518 w 3455748"/>
-                  <a:gd name="connsiteY14" fmla="*/ 1500 h 3299521"/>
-                  <a:gd name="connsiteX15" fmla="*/ 668 w 3455748"/>
-                  <a:gd name="connsiteY15" fmla="*/ 0 h 3299521"/>
-                  <a:gd name="connsiteX0" fmla="*/ 668 w 3413751"/>
-                  <a:gd name="connsiteY0" fmla="*/ 0 h 3299521"/>
-                  <a:gd name="connsiteX1" fmla="*/ 672 w 3413751"/>
-                  <a:gd name="connsiteY1" fmla="*/ 0 h 3299521"/>
-                  <a:gd name="connsiteX2" fmla="*/ 780078 w 3413751"/>
-                  <a:gd name="connsiteY2" fmla="*/ 412375 h 3299521"/>
-                  <a:gd name="connsiteX3" fmla="*/ 781370 w 3413751"/>
-                  <a:gd name="connsiteY3" fmla="*/ 411040 h 3299521"/>
-                  <a:gd name="connsiteX4" fmla="*/ 2331202 w 3413751"/>
-                  <a:gd name="connsiteY4" fmla="*/ 1909898 h 3299521"/>
-                  <a:gd name="connsiteX5" fmla="*/ 2331202 w 3413751"/>
-                  <a:gd name="connsiteY5" fmla="*/ 1909897 h 3299521"/>
-                  <a:gd name="connsiteX6" fmla="*/ 3413751 w 3413751"/>
-                  <a:gd name="connsiteY6" fmla="*/ 2995466 h 3299521"/>
-                  <a:gd name="connsiteX7" fmla="*/ 3039507 w 3413751"/>
-                  <a:gd name="connsiteY7" fmla="*/ 3299521 h 3299521"/>
-                  <a:gd name="connsiteX8" fmla="*/ 1981493 w 3413751"/>
-                  <a:gd name="connsiteY8" fmla="*/ 2263707 h 3299521"/>
-                  <a:gd name="connsiteX9" fmla="*/ 1981492 w 3413751"/>
-                  <a:gd name="connsiteY9" fmla="*/ 2263707 h 3299521"/>
-                  <a:gd name="connsiteX10" fmla="*/ 435556 w 3413751"/>
-                  <a:gd name="connsiteY10" fmla="*/ 768615 h 3299521"/>
-                  <a:gd name="connsiteX11" fmla="*/ 116216 w 3413751"/>
-                  <a:gd name="connsiteY11" fmla="*/ 204215 h 3299521"/>
-                  <a:gd name="connsiteX12" fmla="*/ 116072 w 3413751"/>
-                  <a:gd name="connsiteY12" fmla="*/ 204364 h 3299521"/>
-                  <a:gd name="connsiteX13" fmla="*/ 0 w 3413751"/>
-                  <a:gd name="connsiteY13" fmla="*/ 692 h 3299521"/>
-                  <a:gd name="connsiteX14" fmla="*/ 1518 w 3413751"/>
-                  <a:gd name="connsiteY14" fmla="*/ 1500 h 3299521"/>
-                  <a:gd name="connsiteX15" fmla="*/ 668 w 3413751"/>
-                  <a:gd name="connsiteY15" fmla="*/ 0 h 3299521"/>
-                  <a:gd name="connsiteX0" fmla="*/ 668 w 3413751"/>
-                  <a:gd name="connsiteY0" fmla="*/ 0 h 3299521"/>
-                  <a:gd name="connsiteX1" fmla="*/ 672 w 3413751"/>
-                  <a:gd name="connsiteY1" fmla="*/ 0 h 3299521"/>
-                  <a:gd name="connsiteX2" fmla="*/ 780078 w 3413751"/>
-                  <a:gd name="connsiteY2" fmla="*/ 412375 h 3299521"/>
-                  <a:gd name="connsiteX3" fmla="*/ 781370 w 3413751"/>
-                  <a:gd name="connsiteY3" fmla="*/ 411040 h 3299521"/>
-                  <a:gd name="connsiteX4" fmla="*/ 2331202 w 3413751"/>
-                  <a:gd name="connsiteY4" fmla="*/ 1909898 h 3299521"/>
-                  <a:gd name="connsiteX5" fmla="*/ 2331202 w 3413751"/>
-                  <a:gd name="connsiteY5" fmla="*/ 1909897 h 3299521"/>
-                  <a:gd name="connsiteX6" fmla="*/ 3413751 w 3413751"/>
-                  <a:gd name="connsiteY6" fmla="*/ 2995466 h 3299521"/>
-                  <a:gd name="connsiteX7" fmla="*/ 3218023 w 3413751"/>
-                  <a:gd name="connsiteY7" fmla="*/ 3151077 h 3299521"/>
-                  <a:gd name="connsiteX8" fmla="*/ 3039507 w 3413751"/>
-                  <a:gd name="connsiteY8" fmla="*/ 3299521 h 3299521"/>
-                  <a:gd name="connsiteX9" fmla="*/ 1981493 w 3413751"/>
-                  <a:gd name="connsiteY9" fmla="*/ 2263707 h 3299521"/>
-                  <a:gd name="connsiteX10" fmla="*/ 1981492 w 3413751"/>
-                  <a:gd name="connsiteY10" fmla="*/ 2263707 h 3299521"/>
-                  <a:gd name="connsiteX11" fmla="*/ 435556 w 3413751"/>
-                  <a:gd name="connsiteY11" fmla="*/ 768615 h 3299521"/>
-                  <a:gd name="connsiteX12" fmla="*/ 116216 w 3413751"/>
-                  <a:gd name="connsiteY12" fmla="*/ 204215 h 3299521"/>
-                  <a:gd name="connsiteX13" fmla="*/ 116072 w 3413751"/>
-                  <a:gd name="connsiteY13" fmla="*/ 204364 h 3299521"/>
-                  <a:gd name="connsiteX14" fmla="*/ 0 w 3413751"/>
-                  <a:gd name="connsiteY14" fmla="*/ 692 h 3299521"/>
-                  <a:gd name="connsiteX15" fmla="*/ 1518 w 3413751"/>
-                  <a:gd name="connsiteY15" fmla="*/ 1500 h 3299521"/>
-                  <a:gd name="connsiteX16" fmla="*/ 668 w 3413751"/>
-                  <a:gd name="connsiteY16" fmla="*/ 0 h 3299521"/>
-                  <a:gd name="connsiteX0" fmla="*/ 668 w 3456151"/>
-                  <a:gd name="connsiteY0" fmla="*/ 0 h 3346283"/>
-                  <a:gd name="connsiteX1" fmla="*/ 672 w 3456151"/>
-                  <a:gd name="connsiteY1" fmla="*/ 0 h 3346283"/>
-                  <a:gd name="connsiteX2" fmla="*/ 780078 w 3456151"/>
-                  <a:gd name="connsiteY2" fmla="*/ 412375 h 3346283"/>
-                  <a:gd name="connsiteX3" fmla="*/ 781370 w 3456151"/>
-                  <a:gd name="connsiteY3" fmla="*/ 411040 h 3346283"/>
-                  <a:gd name="connsiteX4" fmla="*/ 2331202 w 3456151"/>
-                  <a:gd name="connsiteY4" fmla="*/ 1909898 h 3346283"/>
-                  <a:gd name="connsiteX5" fmla="*/ 2331202 w 3456151"/>
-                  <a:gd name="connsiteY5" fmla="*/ 1909897 h 3346283"/>
-                  <a:gd name="connsiteX6" fmla="*/ 3413751 w 3456151"/>
-                  <a:gd name="connsiteY6" fmla="*/ 2995466 h 3346283"/>
-                  <a:gd name="connsiteX7" fmla="*/ 3218023 w 3456151"/>
-                  <a:gd name="connsiteY7" fmla="*/ 3151077 h 3346283"/>
-                  <a:gd name="connsiteX8" fmla="*/ 3039507 w 3456151"/>
-                  <a:gd name="connsiteY8" fmla="*/ 3299521 h 3346283"/>
-                  <a:gd name="connsiteX9" fmla="*/ 1981493 w 3456151"/>
-                  <a:gd name="connsiteY9" fmla="*/ 2263707 h 3346283"/>
-                  <a:gd name="connsiteX10" fmla="*/ 1981492 w 3456151"/>
-                  <a:gd name="connsiteY10" fmla="*/ 2263707 h 3346283"/>
-                  <a:gd name="connsiteX11" fmla="*/ 435556 w 3456151"/>
-                  <a:gd name="connsiteY11" fmla="*/ 768615 h 3346283"/>
-                  <a:gd name="connsiteX12" fmla="*/ 116216 w 3456151"/>
-                  <a:gd name="connsiteY12" fmla="*/ 204215 h 3346283"/>
-                  <a:gd name="connsiteX13" fmla="*/ 116072 w 3456151"/>
-                  <a:gd name="connsiteY13" fmla="*/ 204364 h 3346283"/>
-                  <a:gd name="connsiteX14" fmla="*/ 0 w 3456151"/>
-                  <a:gd name="connsiteY14" fmla="*/ 692 h 3346283"/>
-                  <a:gd name="connsiteX15" fmla="*/ 1518 w 3456151"/>
-                  <a:gd name="connsiteY15" fmla="*/ 1500 h 3346283"/>
-                  <a:gd name="connsiteX16" fmla="*/ 668 w 3456151"/>
-                  <a:gd name="connsiteY16" fmla="*/ 0 h 3346283"/>
-                  <a:gd name="connsiteX0" fmla="*/ 668 w 3465784"/>
-                  <a:gd name="connsiteY0" fmla="*/ 0 h 3357167"/>
-                  <a:gd name="connsiteX1" fmla="*/ 672 w 3465784"/>
-                  <a:gd name="connsiteY1" fmla="*/ 0 h 3357167"/>
-                  <a:gd name="connsiteX2" fmla="*/ 780078 w 3465784"/>
-                  <a:gd name="connsiteY2" fmla="*/ 412375 h 3357167"/>
-                  <a:gd name="connsiteX3" fmla="*/ 781370 w 3465784"/>
-                  <a:gd name="connsiteY3" fmla="*/ 411040 h 3357167"/>
-                  <a:gd name="connsiteX4" fmla="*/ 2331202 w 3465784"/>
-                  <a:gd name="connsiteY4" fmla="*/ 1909898 h 3357167"/>
-                  <a:gd name="connsiteX5" fmla="*/ 2331202 w 3465784"/>
-                  <a:gd name="connsiteY5" fmla="*/ 1909897 h 3357167"/>
-                  <a:gd name="connsiteX6" fmla="*/ 3413751 w 3465784"/>
-                  <a:gd name="connsiteY6" fmla="*/ 2995466 h 3357167"/>
-                  <a:gd name="connsiteX7" fmla="*/ 3291518 w 3465784"/>
-                  <a:gd name="connsiteY7" fmla="*/ 3219322 h 3357167"/>
-                  <a:gd name="connsiteX8" fmla="*/ 3039507 w 3465784"/>
-                  <a:gd name="connsiteY8" fmla="*/ 3299521 h 3357167"/>
-                  <a:gd name="connsiteX9" fmla="*/ 1981493 w 3465784"/>
-                  <a:gd name="connsiteY9" fmla="*/ 2263707 h 3357167"/>
-                  <a:gd name="connsiteX10" fmla="*/ 1981492 w 3465784"/>
-                  <a:gd name="connsiteY10" fmla="*/ 2263707 h 3357167"/>
-                  <a:gd name="connsiteX11" fmla="*/ 435556 w 3465784"/>
-                  <a:gd name="connsiteY11" fmla="*/ 768615 h 3357167"/>
-                  <a:gd name="connsiteX12" fmla="*/ 116216 w 3465784"/>
-                  <a:gd name="connsiteY12" fmla="*/ 204215 h 3357167"/>
-                  <a:gd name="connsiteX13" fmla="*/ 116072 w 3465784"/>
-                  <a:gd name="connsiteY13" fmla="*/ 204364 h 3357167"/>
-                  <a:gd name="connsiteX14" fmla="*/ 0 w 3465784"/>
-                  <a:gd name="connsiteY14" fmla="*/ 692 h 3357167"/>
-                  <a:gd name="connsiteX15" fmla="*/ 1518 w 3465784"/>
-                  <a:gd name="connsiteY15" fmla="*/ 1500 h 3357167"/>
-                  <a:gd name="connsiteX16" fmla="*/ 668 w 3465784"/>
-                  <a:gd name="connsiteY16" fmla="*/ 0 h 3357167"/>
-                  <a:gd name="connsiteX0" fmla="*/ 668 w 3468125"/>
-                  <a:gd name="connsiteY0" fmla="*/ 0 h 3356274"/>
-                  <a:gd name="connsiteX1" fmla="*/ 672 w 3468125"/>
-                  <a:gd name="connsiteY1" fmla="*/ 0 h 3356274"/>
-                  <a:gd name="connsiteX2" fmla="*/ 780078 w 3468125"/>
-                  <a:gd name="connsiteY2" fmla="*/ 412375 h 3356274"/>
-                  <a:gd name="connsiteX3" fmla="*/ 781370 w 3468125"/>
-                  <a:gd name="connsiteY3" fmla="*/ 411040 h 3356274"/>
-                  <a:gd name="connsiteX4" fmla="*/ 2331202 w 3468125"/>
-                  <a:gd name="connsiteY4" fmla="*/ 1909898 h 3356274"/>
-                  <a:gd name="connsiteX5" fmla="*/ 2331202 w 3468125"/>
-                  <a:gd name="connsiteY5" fmla="*/ 1909897 h 3356274"/>
-                  <a:gd name="connsiteX6" fmla="*/ 3413751 w 3468125"/>
-                  <a:gd name="connsiteY6" fmla="*/ 2995466 h 3356274"/>
-                  <a:gd name="connsiteX7" fmla="*/ 3291518 w 3468125"/>
-                  <a:gd name="connsiteY7" fmla="*/ 3219322 h 3356274"/>
-                  <a:gd name="connsiteX8" fmla="*/ 3039507 w 3468125"/>
-                  <a:gd name="connsiteY8" fmla="*/ 3299521 h 3356274"/>
-                  <a:gd name="connsiteX9" fmla="*/ 1981493 w 3468125"/>
-                  <a:gd name="connsiteY9" fmla="*/ 2263707 h 3356274"/>
-                  <a:gd name="connsiteX10" fmla="*/ 1981492 w 3468125"/>
-                  <a:gd name="connsiteY10" fmla="*/ 2263707 h 3356274"/>
-                  <a:gd name="connsiteX11" fmla="*/ 435556 w 3468125"/>
-                  <a:gd name="connsiteY11" fmla="*/ 768615 h 3356274"/>
-                  <a:gd name="connsiteX12" fmla="*/ 116216 w 3468125"/>
-                  <a:gd name="connsiteY12" fmla="*/ 204215 h 3356274"/>
-                  <a:gd name="connsiteX13" fmla="*/ 116072 w 3468125"/>
-                  <a:gd name="connsiteY13" fmla="*/ 204364 h 3356274"/>
-                  <a:gd name="connsiteX14" fmla="*/ 0 w 3468125"/>
-                  <a:gd name="connsiteY14" fmla="*/ 692 h 3356274"/>
-                  <a:gd name="connsiteX15" fmla="*/ 1518 w 3468125"/>
-                  <a:gd name="connsiteY15" fmla="*/ 1500 h 3356274"/>
-                  <a:gd name="connsiteX16" fmla="*/ 668 w 3468125"/>
-                  <a:gd name="connsiteY16" fmla="*/ 0 h 3356274"/>
-                  <a:gd name="connsiteX0" fmla="*/ 668 w 3468125"/>
-                  <a:gd name="connsiteY0" fmla="*/ 0 h 3302727"/>
-                  <a:gd name="connsiteX1" fmla="*/ 672 w 3468125"/>
-                  <a:gd name="connsiteY1" fmla="*/ 0 h 3302727"/>
-                  <a:gd name="connsiteX2" fmla="*/ 780078 w 3468125"/>
-                  <a:gd name="connsiteY2" fmla="*/ 412375 h 3302727"/>
-                  <a:gd name="connsiteX3" fmla="*/ 781370 w 3468125"/>
-                  <a:gd name="connsiteY3" fmla="*/ 411040 h 3302727"/>
-                  <a:gd name="connsiteX4" fmla="*/ 2331202 w 3468125"/>
-                  <a:gd name="connsiteY4" fmla="*/ 1909898 h 3302727"/>
-                  <a:gd name="connsiteX5" fmla="*/ 2331202 w 3468125"/>
-                  <a:gd name="connsiteY5" fmla="*/ 1909897 h 3302727"/>
-                  <a:gd name="connsiteX6" fmla="*/ 3413751 w 3468125"/>
-                  <a:gd name="connsiteY6" fmla="*/ 2995466 h 3302727"/>
-                  <a:gd name="connsiteX7" fmla="*/ 3291518 w 3468125"/>
-                  <a:gd name="connsiteY7" fmla="*/ 3219322 h 3302727"/>
-                  <a:gd name="connsiteX8" fmla="*/ 3039507 w 3468125"/>
-                  <a:gd name="connsiteY8" fmla="*/ 3299521 h 3302727"/>
-                  <a:gd name="connsiteX9" fmla="*/ 1981493 w 3468125"/>
-                  <a:gd name="connsiteY9" fmla="*/ 2263707 h 3302727"/>
-                  <a:gd name="connsiteX10" fmla="*/ 1981492 w 3468125"/>
-                  <a:gd name="connsiteY10" fmla="*/ 2263707 h 3302727"/>
-                  <a:gd name="connsiteX11" fmla="*/ 435556 w 3468125"/>
-                  <a:gd name="connsiteY11" fmla="*/ 768615 h 3302727"/>
-                  <a:gd name="connsiteX12" fmla="*/ 116216 w 3468125"/>
-                  <a:gd name="connsiteY12" fmla="*/ 204215 h 3302727"/>
-                  <a:gd name="connsiteX13" fmla="*/ 116072 w 3468125"/>
-                  <a:gd name="connsiteY13" fmla="*/ 204364 h 3302727"/>
-                  <a:gd name="connsiteX14" fmla="*/ 0 w 3468125"/>
-                  <a:gd name="connsiteY14" fmla="*/ 692 h 3302727"/>
-                  <a:gd name="connsiteX15" fmla="*/ 1518 w 3468125"/>
-                  <a:gd name="connsiteY15" fmla="*/ 1500 h 3302727"/>
-                  <a:gd name="connsiteX16" fmla="*/ 668 w 3468125"/>
-                  <a:gd name="connsiteY16" fmla="*/ 0 h 3302727"/>
-                  <a:gd name="connsiteX0" fmla="*/ 668 w 3413751"/>
-                  <a:gd name="connsiteY0" fmla="*/ 0 h 3302727"/>
-                  <a:gd name="connsiteX1" fmla="*/ 672 w 3413751"/>
-                  <a:gd name="connsiteY1" fmla="*/ 0 h 3302727"/>
-                  <a:gd name="connsiteX2" fmla="*/ 780078 w 3413751"/>
-                  <a:gd name="connsiteY2" fmla="*/ 412375 h 3302727"/>
-                  <a:gd name="connsiteX3" fmla="*/ 781370 w 3413751"/>
-                  <a:gd name="connsiteY3" fmla="*/ 411040 h 3302727"/>
-                  <a:gd name="connsiteX4" fmla="*/ 2331202 w 3413751"/>
-                  <a:gd name="connsiteY4" fmla="*/ 1909898 h 3302727"/>
-                  <a:gd name="connsiteX5" fmla="*/ 2331202 w 3413751"/>
-                  <a:gd name="connsiteY5" fmla="*/ 1909897 h 3302727"/>
-                  <a:gd name="connsiteX6" fmla="*/ 3413751 w 3413751"/>
-                  <a:gd name="connsiteY6" fmla="*/ 2995466 h 3302727"/>
-                  <a:gd name="connsiteX7" fmla="*/ 3291518 w 3413751"/>
-                  <a:gd name="connsiteY7" fmla="*/ 3219322 h 3302727"/>
-                  <a:gd name="connsiteX8" fmla="*/ 3039507 w 3413751"/>
-                  <a:gd name="connsiteY8" fmla="*/ 3299521 h 3302727"/>
-                  <a:gd name="connsiteX9" fmla="*/ 1981493 w 3413751"/>
-                  <a:gd name="connsiteY9" fmla="*/ 2263707 h 3302727"/>
-                  <a:gd name="connsiteX10" fmla="*/ 1981492 w 3413751"/>
-                  <a:gd name="connsiteY10" fmla="*/ 2263707 h 3302727"/>
-                  <a:gd name="connsiteX11" fmla="*/ 435556 w 3413751"/>
-                  <a:gd name="connsiteY11" fmla="*/ 768615 h 3302727"/>
-                  <a:gd name="connsiteX12" fmla="*/ 116216 w 3413751"/>
-                  <a:gd name="connsiteY12" fmla="*/ 204215 h 3302727"/>
-                  <a:gd name="connsiteX13" fmla="*/ 116072 w 3413751"/>
-                  <a:gd name="connsiteY13" fmla="*/ 204364 h 3302727"/>
-                  <a:gd name="connsiteX14" fmla="*/ 0 w 3413751"/>
-                  <a:gd name="connsiteY14" fmla="*/ 692 h 3302727"/>
-                  <a:gd name="connsiteX15" fmla="*/ 1518 w 3413751"/>
-                  <a:gd name="connsiteY15" fmla="*/ 1500 h 3302727"/>
-                  <a:gd name="connsiteX16" fmla="*/ 668 w 3413751"/>
-                  <a:gd name="connsiteY16" fmla="*/ 0 h 3302727"/>
-                  <a:gd name="connsiteX0" fmla="*/ 668 w 3413751"/>
-                  <a:gd name="connsiteY0" fmla="*/ 0 h 3302727"/>
-                  <a:gd name="connsiteX1" fmla="*/ 672 w 3413751"/>
-                  <a:gd name="connsiteY1" fmla="*/ 0 h 3302727"/>
-                  <a:gd name="connsiteX2" fmla="*/ 780078 w 3413751"/>
-                  <a:gd name="connsiteY2" fmla="*/ 412375 h 3302727"/>
-                  <a:gd name="connsiteX3" fmla="*/ 781370 w 3413751"/>
-                  <a:gd name="connsiteY3" fmla="*/ 411040 h 3302727"/>
-                  <a:gd name="connsiteX4" fmla="*/ 2331202 w 3413751"/>
-                  <a:gd name="connsiteY4" fmla="*/ 1909898 h 3302727"/>
-                  <a:gd name="connsiteX5" fmla="*/ 2331202 w 3413751"/>
-                  <a:gd name="connsiteY5" fmla="*/ 1909897 h 3302727"/>
-                  <a:gd name="connsiteX6" fmla="*/ 3413751 w 3413751"/>
-                  <a:gd name="connsiteY6" fmla="*/ 2995466 h 3302727"/>
-                  <a:gd name="connsiteX7" fmla="*/ 3291518 w 3413751"/>
-                  <a:gd name="connsiteY7" fmla="*/ 3219322 h 3302727"/>
-                  <a:gd name="connsiteX8" fmla="*/ 3039507 w 3413751"/>
-                  <a:gd name="connsiteY8" fmla="*/ 3299521 h 3302727"/>
-                  <a:gd name="connsiteX9" fmla="*/ 1981493 w 3413751"/>
-                  <a:gd name="connsiteY9" fmla="*/ 2263707 h 3302727"/>
-                  <a:gd name="connsiteX10" fmla="*/ 1981492 w 3413751"/>
-                  <a:gd name="connsiteY10" fmla="*/ 2263707 h 3302727"/>
-                  <a:gd name="connsiteX11" fmla="*/ 435556 w 3413751"/>
-                  <a:gd name="connsiteY11" fmla="*/ 768615 h 3302727"/>
-                  <a:gd name="connsiteX12" fmla="*/ 116216 w 3413751"/>
-                  <a:gd name="connsiteY12" fmla="*/ 204215 h 3302727"/>
-                  <a:gd name="connsiteX13" fmla="*/ 116072 w 3413751"/>
-                  <a:gd name="connsiteY13" fmla="*/ 204364 h 3302727"/>
-                  <a:gd name="connsiteX14" fmla="*/ 0 w 3413751"/>
-                  <a:gd name="connsiteY14" fmla="*/ 692 h 3302727"/>
-                  <a:gd name="connsiteX15" fmla="*/ 1518 w 3413751"/>
-                  <a:gd name="connsiteY15" fmla="*/ 1500 h 3302727"/>
-                  <a:gd name="connsiteX16" fmla="*/ 668 w 3413751"/>
-                  <a:gd name="connsiteY16" fmla="*/ 0 h 3302727"/>
-                  <a:gd name="connsiteX0" fmla="*/ 668 w 3413751"/>
-                  <a:gd name="connsiteY0" fmla="*/ 0 h 3304377"/>
-                  <a:gd name="connsiteX1" fmla="*/ 672 w 3413751"/>
-                  <a:gd name="connsiteY1" fmla="*/ 0 h 3304377"/>
-                  <a:gd name="connsiteX2" fmla="*/ 780078 w 3413751"/>
-                  <a:gd name="connsiteY2" fmla="*/ 412375 h 3304377"/>
-                  <a:gd name="connsiteX3" fmla="*/ 781370 w 3413751"/>
-                  <a:gd name="connsiteY3" fmla="*/ 411040 h 3304377"/>
-                  <a:gd name="connsiteX4" fmla="*/ 2331202 w 3413751"/>
-                  <a:gd name="connsiteY4" fmla="*/ 1909898 h 3304377"/>
-                  <a:gd name="connsiteX5" fmla="*/ 2331202 w 3413751"/>
-                  <a:gd name="connsiteY5" fmla="*/ 1909897 h 3304377"/>
-                  <a:gd name="connsiteX6" fmla="*/ 3413751 w 3413751"/>
-                  <a:gd name="connsiteY6" fmla="*/ 2995466 h 3304377"/>
-                  <a:gd name="connsiteX7" fmla="*/ 3291518 w 3413751"/>
-                  <a:gd name="connsiteY7" fmla="*/ 3219322 h 3304377"/>
-                  <a:gd name="connsiteX8" fmla="*/ 3039507 w 3413751"/>
-                  <a:gd name="connsiteY8" fmla="*/ 3299521 h 3304377"/>
-                  <a:gd name="connsiteX9" fmla="*/ 1981493 w 3413751"/>
-                  <a:gd name="connsiteY9" fmla="*/ 2263707 h 3304377"/>
-                  <a:gd name="connsiteX10" fmla="*/ 1981492 w 3413751"/>
-                  <a:gd name="connsiteY10" fmla="*/ 2263707 h 3304377"/>
-                  <a:gd name="connsiteX11" fmla="*/ 435556 w 3413751"/>
-                  <a:gd name="connsiteY11" fmla="*/ 768615 h 3304377"/>
-                  <a:gd name="connsiteX12" fmla="*/ 116216 w 3413751"/>
-                  <a:gd name="connsiteY12" fmla="*/ 204215 h 3304377"/>
-                  <a:gd name="connsiteX13" fmla="*/ 116072 w 3413751"/>
-                  <a:gd name="connsiteY13" fmla="*/ 204364 h 3304377"/>
-                  <a:gd name="connsiteX14" fmla="*/ 0 w 3413751"/>
-                  <a:gd name="connsiteY14" fmla="*/ 692 h 3304377"/>
-                  <a:gd name="connsiteX15" fmla="*/ 1518 w 3413751"/>
-                  <a:gd name="connsiteY15" fmla="*/ 1500 h 3304377"/>
-                  <a:gd name="connsiteX16" fmla="*/ 668 w 3413751"/>
-                  <a:gd name="connsiteY16" fmla="*/ 0 h 3304377"/>
-                  <a:gd name="connsiteX0" fmla="*/ 668 w 3413751"/>
-                  <a:gd name="connsiteY0" fmla="*/ 0 h 3306145"/>
-                  <a:gd name="connsiteX1" fmla="*/ 672 w 3413751"/>
-                  <a:gd name="connsiteY1" fmla="*/ 0 h 3306145"/>
-                  <a:gd name="connsiteX2" fmla="*/ 780078 w 3413751"/>
-                  <a:gd name="connsiteY2" fmla="*/ 412375 h 3306145"/>
-                  <a:gd name="connsiteX3" fmla="*/ 781370 w 3413751"/>
-                  <a:gd name="connsiteY3" fmla="*/ 411040 h 3306145"/>
-                  <a:gd name="connsiteX4" fmla="*/ 2331202 w 3413751"/>
-                  <a:gd name="connsiteY4" fmla="*/ 1909898 h 3306145"/>
-                  <a:gd name="connsiteX5" fmla="*/ 2331202 w 3413751"/>
-                  <a:gd name="connsiteY5" fmla="*/ 1909897 h 3306145"/>
-                  <a:gd name="connsiteX6" fmla="*/ 3413751 w 3413751"/>
-                  <a:gd name="connsiteY6" fmla="*/ 2995466 h 3306145"/>
-                  <a:gd name="connsiteX7" fmla="*/ 3275770 w 3413751"/>
-                  <a:gd name="connsiteY7" fmla="*/ 3240321 h 3306145"/>
-                  <a:gd name="connsiteX8" fmla="*/ 3039507 w 3413751"/>
-                  <a:gd name="connsiteY8" fmla="*/ 3299521 h 3306145"/>
-                  <a:gd name="connsiteX9" fmla="*/ 1981493 w 3413751"/>
-                  <a:gd name="connsiteY9" fmla="*/ 2263707 h 3306145"/>
-                  <a:gd name="connsiteX10" fmla="*/ 1981492 w 3413751"/>
-                  <a:gd name="connsiteY10" fmla="*/ 2263707 h 3306145"/>
-                  <a:gd name="connsiteX11" fmla="*/ 435556 w 3413751"/>
-                  <a:gd name="connsiteY11" fmla="*/ 768615 h 3306145"/>
-                  <a:gd name="connsiteX12" fmla="*/ 116216 w 3413751"/>
-                  <a:gd name="connsiteY12" fmla="*/ 204215 h 3306145"/>
-                  <a:gd name="connsiteX13" fmla="*/ 116072 w 3413751"/>
-                  <a:gd name="connsiteY13" fmla="*/ 204364 h 3306145"/>
-                  <a:gd name="connsiteX14" fmla="*/ 0 w 3413751"/>
-                  <a:gd name="connsiteY14" fmla="*/ 692 h 3306145"/>
-                  <a:gd name="connsiteX15" fmla="*/ 1518 w 3413751"/>
-                  <a:gd name="connsiteY15" fmla="*/ 1500 h 3306145"/>
-                  <a:gd name="connsiteX16" fmla="*/ 668 w 3413751"/>
-                  <a:gd name="connsiteY16" fmla="*/ 0 h 3306145"/>
-                </a:gdLst>
-                <a:ahLst/>
-                <a:cxnLst>
-                  <a:cxn ang="0">
-                    <a:pos x="connsiteX0" y="connsiteY0"/>
-                  </a:cxn>
-                  <a:cxn ang="0">
-                    <a:pos x="connsiteX1" y="connsiteY1"/>
-                  </a:cxn>
-                  <a:cxn ang="0">
-                    <a:pos x="connsiteX2" y="connsiteY2"/>
-                  </a:cxn>
-                  <a:cxn ang="0">
-                    <a:pos x="connsiteX3" y="connsiteY3"/>
-                  </a:cxn>
-                  <a:cxn ang="0">
-                    <a:pos x="connsiteX4" y="connsiteY4"/>
-                  </a:cxn>
-                  <a:cxn ang="0">
-                    <a:pos x="connsiteX5" y="connsiteY5"/>
-                  </a:cxn>
-                  <a:cxn ang="0">
-                    <a:pos x="connsiteX6" y="connsiteY6"/>
-                  </a:cxn>
-                  <a:cxn ang="0">
-                    <a:pos x="connsiteX7" y="connsiteY7"/>
-                  </a:cxn>
-                  <a:cxn ang="0">
-                    <a:pos x="connsiteX8" y="connsiteY8"/>
-                  </a:cxn>
-                  <a:cxn ang="0">
-                    <a:pos x="connsiteX9" y="connsiteY9"/>
-                  </a:cxn>
-                  <a:cxn ang="0">
-                    <a:pos x="connsiteX10" y="connsiteY10"/>
-                  </a:cxn>
-                  <a:cxn ang="0">
-                    <a:pos x="connsiteX11" y="connsiteY11"/>
-                  </a:cxn>
-                  <a:cxn ang="0">
-                    <a:pos x="connsiteX12" y="connsiteY12"/>
-                  </a:cxn>
-                  <a:cxn ang="0">
-                    <a:pos x="connsiteX13" y="connsiteY13"/>
-                  </a:cxn>
-                  <a:cxn ang="0">
-                    <a:pos x="connsiteX14" y="connsiteY14"/>
-                  </a:cxn>
-                  <a:cxn ang="0">
-                    <a:pos x="connsiteX15" y="connsiteY15"/>
-                  </a:cxn>
-                  <a:cxn ang="0">
-                    <a:pos x="connsiteX16" y="connsiteY16"/>
-                  </a:cxn>
-                </a:cxnLst>
-                <a:rect l="l" t="t" r="r" b="b"/>
-                <a:pathLst>
-                  <a:path w="3413751" h="3306145">
-                    <a:moveTo>
-                      <a:pt x="668" y="0"/>
-                    </a:moveTo>
-                    <a:lnTo>
-                      <a:pt x="672" y="0"/>
-                    </a:lnTo>
-                    <a:lnTo>
-                      <a:pt x="780078" y="412375"/>
-                    </a:lnTo>
-                    <a:lnTo>
-                      <a:pt x="781370" y="411040"/>
-                    </a:lnTo>
-                    <a:lnTo>
-                      <a:pt x="2331202" y="1909898"/>
-                    </a:lnTo>
-                    <a:lnTo>
-                      <a:pt x="2331202" y="1909897"/>
-                    </a:lnTo>
-                    <a:lnTo>
-                      <a:pt x="3413751" y="2995466"/>
-                    </a:lnTo>
-                    <a:cubicBezTo>
-                      <a:pt x="3388318" y="3128834"/>
-                      <a:pt x="3353893" y="3194895"/>
-                      <a:pt x="3275770" y="3240321"/>
-                    </a:cubicBezTo>
-                    <a:cubicBezTo>
-                      <a:pt x="3197647" y="3285747"/>
-                      <a:pt x="3135352" y="3321424"/>
-                      <a:pt x="3039507" y="3299521"/>
-                    </a:cubicBezTo>
-                    <a:lnTo>
-                      <a:pt x="1981493" y="2263707"/>
-                    </a:lnTo>
-                    <a:lnTo>
-                      <a:pt x="1981492" y="2263707"/>
-                    </a:lnTo>
-                    <a:lnTo>
-                      <a:pt x="435556" y="768615"/>
-                    </a:lnTo>
-                    <a:lnTo>
-                      <a:pt x="116216" y="204215"/>
-                    </a:lnTo>
-                    <a:lnTo>
-                      <a:pt x="116072" y="204364"/>
-                    </a:lnTo>
-                    <a:lnTo>
-                      <a:pt x="0" y="692"/>
-                    </a:lnTo>
-                    <a:lnTo>
-                      <a:pt x="1518" y="1500"/>
-                    </a:lnTo>
-                    <a:lnTo>
-                      <a:pt x="668" y="0"/>
-                    </a:lnTo>
-                    <a:close/>
-                  </a:path>
-                </a:pathLst>
-              </a:custGeom>
-              <a:solidFill>
-                <a:schemeClr val="tx1">
-                  <a:lumMod val="75000"/>
-                  <a:lumOff val="25000"/>
-                  <a:alpha val="25000"/>
-                </a:schemeClr>
-              </a:solidFill>
-              <a:ln>
-                <a:noFill/>
-              </a:ln>
-              <a:extLst/>
-            </p:spPr>
-            <p:txBody>
-              <a:bodyPr lIns="0" tIns="0" rIns="0" bIns="0" rtlCol="0" anchor="ctr"/>
-              <a:lstStyle/>
-              <a:p>
-                <a:pPr algn="ctr"/>
-                <a:endParaRPr lang="es-ES"/>
-              </a:p>
-            </p:txBody>
-          </p:sp>
-        </p:grpSp>
-      </p:grpSp>
+          <a:prstGeom prst="rect">
+            <a:avLst/>
+          </a:prstGeom>
+          <a:noFill/>
+        </p:spPr>
+        <p:txBody>
+          <a:bodyPr wrap="square" rtlCol="0">
+            <a:spAutoFit/>
+          </a:bodyPr>
+          <a:lstStyle/>
+          <a:p>
+            <a:pPr marL="571500" indent="-571500">
+              <a:buFont typeface="Arial" panose="020B0604020202020204" pitchFamily="34" charset="0"/>
+              <a:buChar char="•"/>
+            </a:pPr>
+            <a:r>
+              <a:rPr lang="en-US" sz="3600" dirty="0"/>
+              <a:t>Applications typically consist of many parts that must all be protected from vulnerabilities that could result in data loss or otherwise compromise the system. </a:t>
+            </a:r>
+            <a:endParaRPr lang="en-US" sz="3600" dirty="0" smtClean="0"/>
+          </a:p>
+          <a:p>
+            <a:pPr marL="571500" indent="-571500">
+              <a:buFont typeface="Arial" panose="020B0604020202020204" pitchFamily="34" charset="0"/>
+              <a:buChar char="•"/>
+            </a:pPr>
+            <a:r>
+              <a:rPr lang="en-US" sz="3600" dirty="0" smtClean="0"/>
+              <a:t>Creating </a:t>
+            </a:r>
+            <a:r>
+              <a:rPr lang="en-US" sz="3600" dirty="0"/>
+              <a:t>secure user interfaces can prevent many problems by blocking attackers before they can access data or system resources</a:t>
+            </a:r>
+            <a:r>
+              <a:rPr lang="en-US" sz="3600" dirty="0" smtClean="0"/>
+              <a:t>.</a:t>
+            </a:r>
+          </a:p>
+          <a:p>
+            <a:pPr marL="1779783" lvl="1" indent="-571500">
+              <a:buFont typeface="Arial" panose="020B0604020202020204" pitchFamily="34" charset="0"/>
+              <a:buChar char="•"/>
+            </a:pPr>
+            <a:r>
+              <a:rPr lang="en-US" sz="3600" dirty="0"/>
+              <a:t>Validate User </a:t>
+            </a:r>
+            <a:r>
+              <a:rPr lang="en-US" sz="3600" dirty="0" smtClean="0"/>
+              <a:t>Input</a:t>
+            </a:r>
+          </a:p>
+          <a:p>
+            <a:pPr marL="1779783" lvl="1" indent="-571500">
+              <a:buFont typeface="Arial" panose="020B0604020202020204" pitchFamily="34" charset="0"/>
+              <a:buChar char="•"/>
+            </a:pPr>
+            <a:r>
+              <a:rPr lang="en-US" sz="3600" dirty="0"/>
+              <a:t>Windows </a:t>
+            </a:r>
+            <a:r>
+              <a:rPr lang="en-US" sz="3600" dirty="0" smtClean="0"/>
+              <a:t>Applications:</a:t>
+            </a:r>
+          </a:p>
+          <a:p>
+            <a:pPr marL="2988081" lvl="2" indent="-571500">
+              <a:buFont typeface="Arial" panose="020B0604020202020204" pitchFamily="34" charset="0"/>
+              <a:buChar char="•"/>
+            </a:pPr>
+            <a:r>
+              <a:rPr lang="en-US" sz="3600" dirty="0"/>
+              <a:t>In the past, Windows applications generally ran with full </a:t>
+            </a:r>
+            <a:r>
+              <a:rPr lang="en-US" sz="3600" dirty="0" smtClean="0"/>
+              <a:t>permissions.</a:t>
+            </a:r>
+          </a:p>
+          <a:p>
+            <a:pPr marL="2988081" lvl="2" indent="-571500">
+              <a:buFont typeface="Arial" panose="020B0604020202020204" pitchFamily="34" charset="0"/>
+              <a:buChar char="•"/>
+            </a:pPr>
+            <a:r>
+              <a:rPr lang="en-US" sz="3600" dirty="0" smtClean="0"/>
+              <a:t>The </a:t>
+            </a:r>
+            <a:r>
+              <a:rPr lang="en-US" sz="3600" dirty="0"/>
+              <a:t>.NET Framework provides the infrastructure to restrict code executing in a Windows application by using code access security (CAS</a:t>
+            </a:r>
+            <a:r>
+              <a:rPr lang="en-US" sz="3600" dirty="0" smtClean="0"/>
+              <a:t>).</a:t>
+            </a:r>
+          </a:p>
+          <a:p>
+            <a:pPr marL="2988081" lvl="2" indent="-571500">
+              <a:buFont typeface="Arial" panose="020B0604020202020204" pitchFamily="34" charset="0"/>
+              <a:buChar char="•"/>
+            </a:pPr>
+            <a:r>
+              <a:rPr lang="en-US" sz="3600" dirty="0" smtClean="0"/>
+              <a:t>However</a:t>
+            </a:r>
+            <a:r>
+              <a:rPr lang="en-US" sz="3600" dirty="0"/>
+              <a:t>, CAS alone is not enough to protect your application</a:t>
+            </a:r>
+            <a:r>
+              <a:rPr lang="en-US" sz="3600" dirty="0" smtClean="0"/>
+              <a:t>.</a:t>
+            </a:r>
+          </a:p>
+          <a:p>
+            <a:pPr marL="2988081" lvl="2" indent="-571500">
+              <a:buFont typeface="Arial" panose="020B0604020202020204" pitchFamily="34" charset="0"/>
+              <a:buChar char="•"/>
+            </a:pPr>
+            <a:r>
+              <a:rPr lang="en-US" sz="3600" dirty="0">
+                <a:hlinkClick r:id="rId2"/>
+              </a:rPr>
+              <a:t>https://</a:t>
+            </a:r>
+            <a:r>
+              <a:rPr lang="en-US" sz="3600" dirty="0" smtClean="0">
+                <a:hlinkClick r:id="rId2"/>
+              </a:rPr>
+              <a:t>docs.microsoft.com/en-us/dotnet/framework/winforms/windows-forms-security</a:t>
+            </a:r>
+            <a:endParaRPr lang="en-US" sz="3600" dirty="0" smtClean="0"/>
+          </a:p>
+        </p:txBody>
+      </p:sp>
     </p:spTree>
     <p:extLst>
       <p:ext uri="{BB962C8B-B14F-4D97-AF65-F5344CB8AC3E}">
-        <p14:creationId xmlns:p14="http://schemas.microsoft.com/office/powerpoint/2010/main" val="18511712"/>
+        <p14:creationId xmlns:p14="http://schemas.microsoft.com/office/powerpoint/2010/main" val="680786414"/>
       </p:ext>
     </p:extLst>
   </p:cSld>
@@ -22262,7 +20913,7 @@
                                           </p:stCondLst>
                                         </p:cTn>
                                         <p:tgtEl>
-                                          <p:spTgt spid="2"/>
+                                          <p:spTgt spid="33"/>
                                         </p:tgtEl>
                                         <p:attrNameLst>
                                           <p:attrName>style.visibility</p:attrName>
@@ -22276,7 +20927,7 @@
                                       <p:cBhvr additive="base">
                                         <p:cTn id="7" dur="1000" fill="hold"/>
                                         <p:tgtEl>
-                                          <p:spTgt spid="2"/>
+                                          <p:spTgt spid="33"/>
                                         </p:tgtEl>
                                         <p:attrNameLst>
                                           <p:attrName>ppt_x</p:attrName>
@@ -22299,7 +20950,7 @@
                                       <p:cBhvr additive="base">
                                         <p:cTn id="8" dur="1000" fill="hold"/>
                                         <p:tgtEl>
-                                          <p:spTgt spid="2"/>
+                                          <p:spTgt spid="33"/>
                                         </p:tgtEl>
                                         <p:attrNameLst>
                                           <p:attrName>ppt_y</p:attrName>
@@ -22344,7 +20995,7 @@
                                           </p:stCondLst>
                                         </p:cTn>
                                         <p:tgtEl>
-                                          <p:spTgt spid="4"/>
+                                          <p:spTgt spid="34"/>
                                         </p:tgtEl>
                                         <p:attrNameLst>
                                           <p:attrName>style.visibility</p:attrName>
@@ -22358,7 +21009,7 @@
                                       <p:cBhvr additive="base">
                                         <p:cTn id="12" dur="500" fill="hold"/>
                                         <p:tgtEl>
-                                          <p:spTgt spid="4"/>
+                                          <p:spTgt spid="34"/>
                                         </p:tgtEl>
                                         <p:attrNameLst>
                                           <p:attrName>ppt_x</p:attrName>
@@ -22381,7 +21032,7 @@
                                       <p:cBhvr additive="base">
                                         <p:cTn id="13" dur="500" fill="hold"/>
                                         <p:tgtEl>
-                                          <p:spTgt spid="4"/>
+                                          <p:spTgt spid="34"/>
                                         </p:tgtEl>
                                         <p:attrNameLst>
                                           <p:attrName>ppt_y</p:attrName>
@@ -22431,7 +21082,7 @@
       </p:par>
     </p:tnLst>
     <p:bldLst>
-      <p:bldP spid="2" grpId="0"/>
+      <p:bldP spid="33" grpId="0"/>
     </p:bldLst>
   </p:timing>
 </p:sld>
@@ -22456,7 +21107,7 @@
       </p:grpSpPr>
       <p:sp>
         <p:nvSpPr>
-          <p:cNvPr id="2" name="Marcador de texto 4"/>
+          <p:cNvPr id="33" name="Marcador de texto 4"/>
           <p:cNvSpPr txBox="1">
             <a:spLocks/>
           </p:cNvSpPr>
@@ -22464,8 +21115,8 @@
         </p:nvSpPr>
         <p:spPr>
           <a:xfrm>
-            <a:off x="1886648" y="1053149"/>
-            <a:ext cx="18767086" cy="1802637"/>
+            <a:off x="2246688" y="1053149"/>
+            <a:ext cx="17101901" cy="1802637"/>
           </a:xfrm>
           <a:prstGeom prst="rect">
             <a:avLst/>
@@ -22639,7 +21290,7 @@
           </a:lstStyle>
           <a:p>
             <a:r>
-              <a:rPr lang="en-US" sz="6600" dirty="0" smtClean="0">
+              <a:rPr lang="en-US" sz="4400" dirty="0">
                 <a:solidFill>
                   <a:schemeClr val="accent3">
                     <a:lumMod val="75000"/>
@@ -22648,106 +21299,21 @@
                 <a:ea typeface="Open Sans Semibold" panose="020B0706030804020204" pitchFamily="34" charset="0"/>
                 <a:cs typeface="Open Sans Semibold" panose="020B0706030804020204" pitchFamily="34" charset="0"/>
               </a:rPr>
-              <a:t>Example: </a:t>
+              <a:t>Secure Client Applications</a:t>
             </a:r>
-            <a:r>
-              <a:rPr lang="en-US" sz="6600" dirty="0" smtClean="0">
-                <a:solidFill>
-                  <a:schemeClr val="accent3">
-                    <a:lumMod val="75000"/>
-                  </a:schemeClr>
-                </a:solidFill>
-                <a:ea typeface="Open Sans Semibold" panose="020B0706030804020204" pitchFamily="34" charset="0"/>
-                <a:cs typeface="Open Sans Semibold" panose="020B0706030804020204" pitchFamily="34" charset="0"/>
-              </a:rPr>
-              <a:t>Serialization in ADO.NET</a:t>
-            </a:r>
-            <a:endParaRPr lang="en-US" sz="6600" dirty="0">
-              <a:solidFill>
-                <a:schemeClr val="accent3">
-                  <a:lumMod val="75000"/>
-                </a:schemeClr>
-              </a:solidFill>
-              <a:ea typeface="Open Sans Semibold" panose="020B0706030804020204" pitchFamily="34" charset="0"/>
-              <a:cs typeface="Open Sans Semibold" panose="020B0706030804020204" pitchFamily="34" charset="0"/>
-            </a:endParaRPr>
-          </a:p>
-        </p:txBody>
-      </p:sp>
-      <p:sp>
-        <p:nvSpPr>
-          <p:cNvPr id="3" name="TextBox 2"/>
-          <p:cNvSpPr txBox="1"/>
-          <p:nvPr/>
-        </p:nvSpPr>
-        <p:spPr>
-          <a:xfrm>
-            <a:off x="2201683" y="3573429"/>
-            <a:ext cx="20162241" cy="1200329"/>
-          </a:xfrm>
-          <a:prstGeom prst="rect">
-            <a:avLst/>
-          </a:prstGeom>
-          <a:noFill/>
-        </p:spPr>
-        <p:txBody>
-          <a:bodyPr wrap="square" rtlCol="0">
-            <a:spAutoFit/>
-          </a:bodyPr>
-          <a:lstStyle/>
-          <a:p>
-            <a:pPr marL="571500" indent="-571500">
-              <a:buFont typeface="Arial" panose="020B0604020202020204" pitchFamily="34" charset="0"/>
-              <a:buChar char="•"/>
-            </a:pPr>
-            <a:r>
-              <a:rPr lang="en-US" sz="3600" dirty="0" smtClean="0"/>
-              <a:t>See </a:t>
-            </a:r>
-            <a:r>
-              <a:rPr lang="en-US" sz="3600" dirty="0" smtClean="0"/>
-              <a:t>ADONET-Chapter2 </a:t>
-            </a:r>
-            <a:r>
-              <a:rPr lang="en-US" sz="3600" dirty="0" smtClean="0"/>
-              <a:t>at</a:t>
-            </a:r>
-            <a:r>
-              <a:rPr lang="en-US" sz="3600" dirty="0"/>
-              <a:t> </a:t>
-            </a:r>
-            <a:r>
-              <a:rPr lang="en-US" sz="3600" dirty="0">
-                <a:hlinkClick r:id="rId3"/>
-              </a:rPr>
-              <a:t>https://</a:t>
-            </a:r>
-            <a:r>
-              <a:rPr lang="en-US" sz="3600" dirty="0" smtClean="0">
-                <a:hlinkClick r:id="rId3"/>
-              </a:rPr>
-              <a:t>github.com/DotNetTraining/DotNetEssentials</a:t>
-            </a:r>
-            <a:r>
-              <a:rPr lang="en-US" sz="3600" smtClean="0">
-                <a:hlinkClick r:id="rId3"/>
-              </a:rPr>
-              <a:t>/tree/master/Code/ADONET/ADONET-Chapter2</a:t>
-            </a:r>
-            <a:endParaRPr lang="en-US" sz="3600" dirty="0" smtClean="0"/>
           </a:p>
         </p:txBody>
       </p:sp>
       <p:cxnSp>
         <p:nvCxnSpPr>
-          <p:cNvPr id="4" name="10 Conector recto"/>
+          <p:cNvPr id="34" name="10 Conector recto"/>
           <p:cNvCxnSpPr/>
           <p:nvPr/>
         </p:nvCxnSpPr>
         <p:spPr>
-          <a:xfrm flipV="1">
-            <a:off x="1886648" y="2223287"/>
-            <a:ext cx="18362041" cy="1"/>
+          <a:xfrm>
+            <a:off x="2246688" y="1955687"/>
+            <a:ext cx="6210691" cy="0"/>
           </a:xfrm>
           <a:prstGeom prst="line">
             <a:avLst/>
@@ -22773,1113 +21339,164 @@
           </a:fontRef>
         </p:style>
       </p:cxnSp>
-      <p:grpSp>
-        <p:nvGrpSpPr>
-          <p:cNvPr id="37" name="Group 36"/>
-          <p:cNvGrpSpPr/>
+      <p:sp>
+        <p:nvSpPr>
+          <p:cNvPr id="35" name="TextBox 34"/>
+          <p:cNvSpPr txBox="1"/>
           <p:nvPr/>
-        </p:nvGrpSpPr>
-        <p:grpSpPr>
+        </p:nvSpPr>
+        <p:spPr>
           <a:xfrm>
-            <a:off x="8264930" y="5778674"/>
-            <a:ext cx="6550580" cy="5741861"/>
-            <a:chOff x="9222464" y="6003699"/>
-            <a:chExt cx="6550580" cy="5741861"/>
+            <a:off x="2246688" y="2855786"/>
+            <a:ext cx="19982220" cy="6186309"/>
           </a:xfrm>
-        </p:grpSpPr>
-        <p:sp>
-          <p:nvSpPr>
-            <p:cNvPr id="24" name="Elipse 24"/>
-            <p:cNvSpPr/>
-            <p:nvPr/>
-          </p:nvSpPr>
-          <p:spPr bwMode="auto">
-            <a:xfrm>
-              <a:off x="11496345" y="8282658"/>
-              <a:ext cx="847214" cy="848960"/>
-            </a:xfrm>
-            <a:prstGeom prst="ellipse">
-              <a:avLst/>
-            </a:prstGeom>
-            <a:solidFill>
-              <a:srgbClr val="F44D53"/>
-            </a:solidFill>
-            <a:ln>
-              <a:noFill/>
-            </a:ln>
-            <a:extLst/>
-          </p:spPr>
-          <p:txBody>
-            <a:bodyPr lIns="0" tIns="0" rIns="0" bIns="0" rtlCol="0" anchor="ctr"/>
-            <a:lstStyle/>
-            <a:p>
-              <a:pPr algn="ctr"/>
-              <a:endParaRPr lang="es-ES"/>
-            </a:p>
-          </p:txBody>
-        </p:sp>
-        <p:sp>
-          <p:nvSpPr>
-            <p:cNvPr id="25" name="Anillo 25"/>
-            <p:cNvSpPr/>
-            <p:nvPr/>
-          </p:nvSpPr>
-          <p:spPr bwMode="auto">
-            <a:xfrm>
-              <a:off x="10384375" y="7168397"/>
-              <a:ext cx="3071154" cy="3077482"/>
-            </a:xfrm>
-            <a:prstGeom prst="donut">
-              <a:avLst>
-                <a:gd name="adj" fmla="val 13529"/>
-              </a:avLst>
-            </a:prstGeom>
-            <a:solidFill>
-              <a:srgbClr val="AAB5BD"/>
-            </a:solidFill>
-            <a:ln>
-              <a:noFill/>
-            </a:ln>
-            <a:extLst/>
-          </p:spPr>
-          <p:txBody>
-            <a:bodyPr lIns="0" tIns="0" rIns="0" bIns="0" rtlCol="0" anchor="ctr"/>
-            <a:lstStyle/>
-            <a:p>
-              <a:pPr algn="ctr"/>
-              <a:endParaRPr lang="es-ES"/>
-            </a:p>
-          </p:txBody>
-        </p:sp>
-        <p:sp>
-          <p:nvSpPr>
-            <p:cNvPr id="26" name="Anillo 26"/>
-            <p:cNvSpPr/>
-            <p:nvPr/>
-          </p:nvSpPr>
-          <p:spPr bwMode="auto">
-            <a:xfrm>
-              <a:off x="9222464" y="6003699"/>
-              <a:ext cx="5394976" cy="5406879"/>
-            </a:xfrm>
-            <a:prstGeom prst="donut">
-              <a:avLst>
-                <a:gd name="adj" fmla="val 7951"/>
-              </a:avLst>
-            </a:prstGeom>
-            <a:solidFill>
-              <a:srgbClr val="34495E"/>
-            </a:solidFill>
-            <a:ln>
-              <a:noFill/>
-            </a:ln>
-            <a:extLst/>
-          </p:spPr>
-          <p:txBody>
-            <a:bodyPr lIns="0" tIns="0" rIns="0" bIns="0" rtlCol="0" anchor="ctr"/>
-            <a:lstStyle/>
-            <a:p>
-              <a:pPr algn="ctr"/>
-              <a:endParaRPr lang="es-ES"/>
-            </a:p>
-          </p:txBody>
-        </p:sp>
-        <p:grpSp>
-          <p:nvGrpSpPr>
-            <p:cNvPr id="27" name="6 Grupo"/>
-            <p:cNvGrpSpPr/>
-            <p:nvPr/>
-          </p:nvGrpSpPr>
-          <p:grpSpPr>
-            <a:xfrm>
-              <a:off x="11304165" y="7009649"/>
-              <a:ext cx="4468879" cy="4735911"/>
-              <a:chOff x="11304165" y="7543430"/>
-              <a:chExt cx="4468879" cy="4735911"/>
-            </a:xfrm>
-          </p:grpSpPr>
-          <p:grpSp>
-            <p:nvGrpSpPr>
-              <p:cNvPr id="28" name="Grupo 22"/>
-              <p:cNvGrpSpPr/>
-              <p:nvPr/>
-            </p:nvGrpSpPr>
-            <p:grpSpPr>
-              <a:xfrm rot="19018150">
-                <a:off x="11304165" y="7543430"/>
-                <a:ext cx="4468879" cy="449612"/>
-                <a:chOff x="12782936" y="6138159"/>
-                <a:chExt cx="4925957" cy="495602"/>
-              </a:xfrm>
-            </p:grpSpPr>
-            <p:sp>
-              <p:nvSpPr>
-                <p:cNvPr id="30" name="Rectángulo redondeado 14"/>
-                <p:cNvSpPr/>
-                <p:nvPr/>
-              </p:nvSpPr>
-              <p:spPr bwMode="auto">
-                <a:xfrm rot="16200000">
-                  <a:off x="17119857" y="6044704"/>
-                  <a:ext cx="495582" cy="682491"/>
-                </a:xfrm>
-                <a:prstGeom prst="roundRect">
-                  <a:avLst>
-                    <a:gd name="adj" fmla="val 50000"/>
-                  </a:avLst>
-                </a:prstGeom>
-                <a:solidFill>
-                  <a:srgbClr val="E8685F"/>
-                </a:solidFill>
-                <a:ln>
-                  <a:noFill/>
-                </a:ln>
-                <a:extLst/>
-              </p:spPr>
-              <p:txBody>
-                <a:bodyPr lIns="0" tIns="0" rIns="0" bIns="0" rtlCol="0" anchor="ctr"/>
-                <a:lstStyle/>
-                <a:p>
-                  <a:pPr algn="ctr"/>
-                  <a:endParaRPr lang="es-ES"/>
-                </a:p>
-              </p:txBody>
-            </p:sp>
-            <p:sp>
-              <p:nvSpPr>
-                <p:cNvPr id="31" name="Rectángulo 15"/>
-                <p:cNvSpPr/>
-                <p:nvPr/>
-              </p:nvSpPr>
-              <p:spPr bwMode="auto">
-                <a:xfrm>
-                  <a:off x="13629872" y="6138686"/>
-                  <a:ext cx="3329765" cy="495053"/>
-                </a:xfrm>
-                <a:prstGeom prst="rect">
-                  <a:avLst/>
-                </a:prstGeom>
-                <a:solidFill>
-                  <a:srgbClr val="FEC830"/>
-                </a:solidFill>
-                <a:ln>
-                  <a:noFill/>
-                </a:ln>
-                <a:extLst/>
-              </p:spPr>
-              <p:txBody>
-                <a:bodyPr lIns="0" tIns="0" rIns="0" bIns="0" rtlCol="0" anchor="ctr"/>
-                <a:lstStyle/>
-                <a:p>
-                  <a:pPr algn="ctr"/>
-                  <a:endParaRPr lang="es-ES"/>
-                </a:p>
-              </p:txBody>
-            </p:sp>
-            <p:sp>
-              <p:nvSpPr>
-                <p:cNvPr id="32" name="Rectángulo 16"/>
-                <p:cNvSpPr/>
-                <p:nvPr/>
-              </p:nvSpPr>
-              <p:spPr bwMode="auto">
-                <a:xfrm>
-                  <a:off x="16959638" y="6138687"/>
-                  <a:ext cx="344209" cy="495053"/>
-                </a:xfrm>
-                <a:prstGeom prst="rect">
-                  <a:avLst/>
-                </a:prstGeom>
-                <a:gradFill>
-                  <a:gsLst>
-                    <a:gs pos="0">
-                      <a:schemeClr val="bg1">
-                        <a:lumMod val="50000"/>
-                      </a:schemeClr>
-                    </a:gs>
-                    <a:gs pos="13000">
-                      <a:srgbClr val="5F5F5F"/>
-                    </a:gs>
-                    <a:gs pos="23000">
-                      <a:srgbClr val="FFFFFF"/>
-                    </a:gs>
-                    <a:gs pos="93000">
-                      <a:srgbClr val="777777"/>
-                    </a:gs>
-                    <a:gs pos="100000">
-                      <a:srgbClr val="EAEAEA"/>
-                    </a:gs>
-                  </a:gsLst>
-                  <a:lin ang="5400000" scaled="0"/>
-                </a:gradFill>
-                <a:ln>
-                  <a:noFill/>
-                </a:ln>
-                <a:extLst/>
-              </p:spPr>
-              <p:txBody>
-                <a:bodyPr lIns="0" tIns="0" rIns="0" bIns="0" rtlCol="0" anchor="ctr"/>
-                <a:lstStyle/>
-                <a:p>
-                  <a:pPr algn="ctr"/>
-                  <a:endParaRPr lang="es-ES"/>
-                </a:p>
-              </p:txBody>
-            </p:sp>
-            <p:sp>
-              <p:nvSpPr>
-                <p:cNvPr id="33" name="Triángulo isósceles 17"/>
-                <p:cNvSpPr/>
-                <p:nvPr/>
-              </p:nvSpPr>
-              <p:spPr bwMode="auto">
-                <a:xfrm rot="16200000">
-                  <a:off x="12958614" y="5962492"/>
-                  <a:ext cx="495581" cy="846938"/>
-                </a:xfrm>
-                <a:prstGeom prst="triangle">
-                  <a:avLst>
-                    <a:gd name="adj" fmla="val 50481"/>
-                  </a:avLst>
-                </a:prstGeom>
-                <a:solidFill>
-                  <a:srgbClr val="E6EAEE"/>
-                </a:solidFill>
-                <a:ln>
-                  <a:noFill/>
-                </a:ln>
-                <a:extLst/>
-              </p:spPr>
-              <p:txBody>
-                <a:bodyPr lIns="0" tIns="0" rIns="0" bIns="0" rtlCol="0" anchor="ctr"/>
-                <a:lstStyle/>
-                <a:p>
-                  <a:pPr algn="ctr"/>
-                  <a:endParaRPr lang="es-ES"/>
-                </a:p>
-              </p:txBody>
-            </p:sp>
-            <p:sp>
-              <p:nvSpPr>
-                <p:cNvPr id="34" name="Rectángulo 19"/>
-                <p:cNvSpPr/>
-                <p:nvPr/>
-              </p:nvSpPr>
-              <p:spPr bwMode="auto">
-                <a:xfrm>
-                  <a:off x="13629876" y="6496754"/>
-                  <a:ext cx="3329764" cy="136997"/>
-                </a:xfrm>
-                <a:prstGeom prst="rect">
-                  <a:avLst/>
-                </a:prstGeom>
-                <a:solidFill>
-                  <a:srgbClr val="FFFFFF">
-                    <a:alpha val="50000"/>
-                  </a:srgbClr>
-                </a:solidFill>
-                <a:ln>
-                  <a:noFill/>
-                </a:ln>
-                <a:extLst/>
-              </p:spPr>
-              <p:txBody>
-                <a:bodyPr lIns="0" tIns="0" rIns="0" bIns="0" rtlCol="0" anchor="ctr"/>
-                <a:lstStyle/>
-                <a:p>
-                  <a:pPr algn="ctr"/>
-                  <a:endParaRPr lang="es-ES"/>
-                </a:p>
-              </p:txBody>
-            </p:sp>
-            <p:sp>
-              <p:nvSpPr>
-                <p:cNvPr id="35" name="Forma libre 20"/>
-                <p:cNvSpPr/>
-                <p:nvPr/>
-              </p:nvSpPr>
-              <p:spPr bwMode="auto">
-                <a:xfrm rot="16200000">
-                  <a:off x="12958621" y="5962502"/>
-                  <a:ext cx="495581" cy="846938"/>
-                </a:xfrm>
-                <a:custGeom>
-                  <a:avLst/>
-                  <a:gdLst>
-                    <a:gd name="connsiteX0" fmla="*/ 495582 w 495582"/>
-                    <a:gd name="connsiteY0" fmla="*/ 846940 h 846940"/>
-                    <a:gd name="connsiteX1" fmla="*/ 0 w 495582"/>
-                    <a:gd name="connsiteY1" fmla="*/ 846940 h 846940"/>
-                    <a:gd name="connsiteX2" fmla="*/ 1 w 495582"/>
-                    <a:gd name="connsiteY2" fmla="*/ 846939 h 846940"/>
-                    <a:gd name="connsiteX3" fmla="*/ 409807 w 495582"/>
-                    <a:gd name="connsiteY3" fmla="*/ 846939 h 846940"/>
-                    <a:gd name="connsiteX4" fmla="*/ 216735 w 495582"/>
-                    <a:gd name="connsiteY4" fmla="*/ 113206 h 846940"/>
-                    <a:gd name="connsiteX5" fmla="*/ 250175 w 495582"/>
-                    <a:gd name="connsiteY5" fmla="*/ 0 h 846940"/>
-                  </a:gdLst>
-                  <a:ahLst/>
-                  <a:cxnLst>
-                    <a:cxn ang="0">
-                      <a:pos x="connsiteX0" y="connsiteY0"/>
-                    </a:cxn>
-                    <a:cxn ang="0">
-                      <a:pos x="connsiteX1" y="connsiteY1"/>
-                    </a:cxn>
-                    <a:cxn ang="0">
-                      <a:pos x="connsiteX2" y="connsiteY2"/>
-                    </a:cxn>
-                    <a:cxn ang="0">
-                      <a:pos x="connsiteX3" y="connsiteY3"/>
-                    </a:cxn>
-                    <a:cxn ang="0">
-                      <a:pos x="connsiteX4" y="connsiteY4"/>
-                    </a:cxn>
-                    <a:cxn ang="0">
-                      <a:pos x="connsiteX5" y="connsiteY5"/>
-                    </a:cxn>
-                  </a:cxnLst>
-                  <a:rect l="l" t="t" r="r" b="b"/>
-                  <a:pathLst>
-                    <a:path w="495582" h="846940">
-                      <a:moveTo>
-                        <a:pt x="495582" y="846940"/>
-                      </a:moveTo>
-                      <a:lnTo>
-                        <a:pt x="0" y="846940"/>
-                      </a:lnTo>
-                      <a:lnTo>
-                        <a:pt x="1" y="846939"/>
-                      </a:lnTo>
-                      <a:lnTo>
-                        <a:pt x="409807" y="846939"/>
-                      </a:lnTo>
-                      <a:lnTo>
-                        <a:pt x="216735" y="113206"/>
-                      </a:lnTo>
-                      <a:lnTo>
-                        <a:pt x="250175" y="0"/>
-                      </a:lnTo>
-                      <a:close/>
-                    </a:path>
-                  </a:pathLst>
-                </a:custGeom>
-                <a:solidFill>
-                  <a:srgbClr val="FFFFFF">
-                    <a:alpha val="40000"/>
-                  </a:srgbClr>
-                </a:solidFill>
-                <a:ln>
-                  <a:noFill/>
-                </a:ln>
-                <a:extLst/>
-              </p:spPr>
-              <p:txBody>
-                <a:bodyPr lIns="0" tIns="0" rIns="0" bIns="0" rtlCol="0" anchor="ctr"/>
-                <a:lstStyle/>
-                <a:p>
-                  <a:pPr algn="ctr"/>
-                  <a:endParaRPr lang="es-ES"/>
-                </a:p>
-              </p:txBody>
-            </p:sp>
-            <p:sp>
-              <p:nvSpPr>
-                <p:cNvPr id="36" name="Triángulo isósceles 21"/>
-                <p:cNvSpPr/>
-                <p:nvPr/>
-              </p:nvSpPr>
-              <p:spPr bwMode="auto">
-                <a:xfrm rot="16200000">
-                  <a:off x="12830383" y="6272670"/>
-                  <a:ext cx="130177" cy="225025"/>
-                </a:xfrm>
-                <a:prstGeom prst="triangle">
-                  <a:avLst>
-                    <a:gd name="adj" fmla="val 50481"/>
-                  </a:avLst>
-                </a:prstGeom>
-                <a:solidFill>
-                  <a:srgbClr val="223D53"/>
-                </a:solidFill>
-                <a:ln>
-                  <a:noFill/>
-                </a:ln>
-                <a:extLst/>
-              </p:spPr>
-              <p:txBody>
-                <a:bodyPr lIns="0" tIns="0" rIns="0" bIns="0" rtlCol="0" anchor="ctr"/>
-                <a:lstStyle/>
-                <a:p>
-                  <a:pPr algn="ctr"/>
-                  <a:endParaRPr lang="es-ES"/>
-                </a:p>
-              </p:txBody>
-            </p:sp>
-          </p:grpSp>
-          <p:sp>
-            <p:nvSpPr>
-              <p:cNvPr id="29" name="Forma libre 35"/>
-              <p:cNvSpPr/>
-              <p:nvPr/>
-            </p:nvSpPr>
-            <p:spPr bwMode="auto">
-              <a:xfrm>
-                <a:off x="11893860" y="9279977"/>
-                <a:ext cx="3096986" cy="2999364"/>
-              </a:xfrm>
-              <a:custGeom>
-                <a:avLst/>
-                <a:gdLst>
-                  <a:gd name="connsiteX0" fmla="*/ 668 w 2750200"/>
-                  <a:gd name="connsiteY0" fmla="*/ 0 h 2669567"/>
-                  <a:gd name="connsiteX1" fmla="*/ 672 w 2750200"/>
-                  <a:gd name="connsiteY1" fmla="*/ 0 h 2669567"/>
-                  <a:gd name="connsiteX2" fmla="*/ 780078 w 2750200"/>
-                  <a:gd name="connsiteY2" fmla="*/ 412375 h 2669567"/>
-                  <a:gd name="connsiteX3" fmla="*/ 781370 w 2750200"/>
-                  <a:gd name="connsiteY3" fmla="*/ 411040 h 2669567"/>
-                  <a:gd name="connsiteX4" fmla="*/ 2331202 w 2750200"/>
-                  <a:gd name="connsiteY4" fmla="*/ 1909898 h 2669567"/>
-                  <a:gd name="connsiteX5" fmla="*/ 2331202 w 2750200"/>
-                  <a:gd name="connsiteY5" fmla="*/ 1909897 h 2669567"/>
-                  <a:gd name="connsiteX6" fmla="*/ 2750200 w 2750200"/>
-                  <a:gd name="connsiteY6" fmla="*/ 2315116 h 2669567"/>
-                  <a:gd name="connsiteX7" fmla="*/ 2556040 w 2750200"/>
-                  <a:gd name="connsiteY7" fmla="*/ 2528778 h 2669567"/>
-                  <a:gd name="connsiteX8" fmla="*/ 2401154 w 2750200"/>
-                  <a:gd name="connsiteY8" fmla="*/ 2669567 h 2669567"/>
-                  <a:gd name="connsiteX9" fmla="*/ 1981493 w 2750200"/>
-                  <a:gd name="connsiteY9" fmla="*/ 2263707 h 2669567"/>
-                  <a:gd name="connsiteX10" fmla="*/ 1981492 w 2750200"/>
-                  <a:gd name="connsiteY10" fmla="*/ 2263707 h 2669567"/>
-                  <a:gd name="connsiteX11" fmla="*/ 435556 w 2750200"/>
-                  <a:gd name="connsiteY11" fmla="*/ 768615 h 2669567"/>
-                  <a:gd name="connsiteX12" fmla="*/ 116216 w 2750200"/>
-                  <a:gd name="connsiteY12" fmla="*/ 204215 h 2669567"/>
-                  <a:gd name="connsiteX13" fmla="*/ 116072 w 2750200"/>
-                  <a:gd name="connsiteY13" fmla="*/ 204364 h 2669567"/>
-                  <a:gd name="connsiteX14" fmla="*/ 0 w 2750200"/>
-                  <a:gd name="connsiteY14" fmla="*/ 692 h 2669567"/>
-                  <a:gd name="connsiteX15" fmla="*/ 1518 w 2750200"/>
-                  <a:gd name="connsiteY15" fmla="*/ 1500 h 2669567"/>
-                  <a:gd name="connsiteX0" fmla="*/ 668 w 3039507"/>
-                  <a:gd name="connsiteY0" fmla="*/ 0 h 3299521"/>
-                  <a:gd name="connsiteX1" fmla="*/ 672 w 3039507"/>
-                  <a:gd name="connsiteY1" fmla="*/ 0 h 3299521"/>
-                  <a:gd name="connsiteX2" fmla="*/ 780078 w 3039507"/>
-                  <a:gd name="connsiteY2" fmla="*/ 412375 h 3299521"/>
-                  <a:gd name="connsiteX3" fmla="*/ 781370 w 3039507"/>
-                  <a:gd name="connsiteY3" fmla="*/ 411040 h 3299521"/>
-                  <a:gd name="connsiteX4" fmla="*/ 2331202 w 3039507"/>
-                  <a:gd name="connsiteY4" fmla="*/ 1909898 h 3299521"/>
-                  <a:gd name="connsiteX5" fmla="*/ 2331202 w 3039507"/>
-                  <a:gd name="connsiteY5" fmla="*/ 1909897 h 3299521"/>
-                  <a:gd name="connsiteX6" fmla="*/ 2750200 w 3039507"/>
-                  <a:gd name="connsiteY6" fmla="*/ 2315116 h 3299521"/>
-                  <a:gd name="connsiteX7" fmla="*/ 2556040 w 3039507"/>
-                  <a:gd name="connsiteY7" fmla="*/ 2528778 h 3299521"/>
-                  <a:gd name="connsiteX8" fmla="*/ 3039507 w 3039507"/>
-                  <a:gd name="connsiteY8" fmla="*/ 3299521 h 3299521"/>
-                  <a:gd name="connsiteX9" fmla="*/ 1981493 w 3039507"/>
-                  <a:gd name="connsiteY9" fmla="*/ 2263707 h 3299521"/>
-                  <a:gd name="connsiteX10" fmla="*/ 1981492 w 3039507"/>
-                  <a:gd name="connsiteY10" fmla="*/ 2263707 h 3299521"/>
-                  <a:gd name="connsiteX11" fmla="*/ 435556 w 3039507"/>
-                  <a:gd name="connsiteY11" fmla="*/ 768615 h 3299521"/>
-                  <a:gd name="connsiteX12" fmla="*/ 116216 w 3039507"/>
-                  <a:gd name="connsiteY12" fmla="*/ 204215 h 3299521"/>
-                  <a:gd name="connsiteX13" fmla="*/ 116072 w 3039507"/>
-                  <a:gd name="connsiteY13" fmla="*/ 204364 h 3299521"/>
-                  <a:gd name="connsiteX14" fmla="*/ 0 w 3039507"/>
-                  <a:gd name="connsiteY14" fmla="*/ 692 h 3299521"/>
-                  <a:gd name="connsiteX15" fmla="*/ 1518 w 3039507"/>
-                  <a:gd name="connsiteY15" fmla="*/ 1500 h 3299521"/>
-                  <a:gd name="connsiteX16" fmla="*/ 668 w 3039507"/>
-                  <a:gd name="connsiteY16" fmla="*/ 0 h 3299521"/>
-                  <a:gd name="connsiteX0" fmla="*/ 668 w 3455748"/>
-                  <a:gd name="connsiteY0" fmla="*/ 0 h 3299521"/>
-                  <a:gd name="connsiteX1" fmla="*/ 672 w 3455748"/>
-                  <a:gd name="connsiteY1" fmla="*/ 0 h 3299521"/>
-                  <a:gd name="connsiteX2" fmla="*/ 780078 w 3455748"/>
-                  <a:gd name="connsiteY2" fmla="*/ 412375 h 3299521"/>
-                  <a:gd name="connsiteX3" fmla="*/ 781370 w 3455748"/>
-                  <a:gd name="connsiteY3" fmla="*/ 411040 h 3299521"/>
-                  <a:gd name="connsiteX4" fmla="*/ 2331202 w 3455748"/>
-                  <a:gd name="connsiteY4" fmla="*/ 1909898 h 3299521"/>
-                  <a:gd name="connsiteX5" fmla="*/ 2331202 w 3455748"/>
-                  <a:gd name="connsiteY5" fmla="*/ 1909897 h 3299521"/>
-                  <a:gd name="connsiteX6" fmla="*/ 3455748 w 3455748"/>
-                  <a:gd name="connsiteY6" fmla="*/ 3029064 h 3299521"/>
-                  <a:gd name="connsiteX7" fmla="*/ 2556040 w 3455748"/>
-                  <a:gd name="connsiteY7" fmla="*/ 2528778 h 3299521"/>
-                  <a:gd name="connsiteX8" fmla="*/ 3039507 w 3455748"/>
-                  <a:gd name="connsiteY8" fmla="*/ 3299521 h 3299521"/>
-                  <a:gd name="connsiteX9" fmla="*/ 1981493 w 3455748"/>
-                  <a:gd name="connsiteY9" fmla="*/ 2263707 h 3299521"/>
-                  <a:gd name="connsiteX10" fmla="*/ 1981492 w 3455748"/>
-                  <a:gd name="connsiteY10" fmla="*/ 2263707 h 3299521"/>
-                  <a:gd name="connsiteX11" fmla="*/ 435556 w 3455748"/>
-                  <a:gd name="connsiteY11" fmla="*/ 768615 h 3299521"/>
-                  <a:gd name="connsiteX12" fmla="*/ 116216 w 3455748"/>
-                  <a:gd name="connsiteY12" fmla="*/ 204215 h 3299521"/>
-                  <a:gd name="connsiteX13" fmla="*/ 116072 w 3455748"/>
-                  <a:gd name="connsiteY13" fmla="*/ 204364 h 3299521"/>
-                  <a:gd name="connsiteX14" fmla="*/ 0 w 3455748"/>
-                  <a:gd name="connsiteY14" fmla="*/ 692 h 3299521"/>
-                  <a:gd name="connsiteX15" fmla="*/ 1518 w 3455748"/>
-                  <a:gd name="connsiteY15" fmla="*/ 1500 h 3299521"/>
-                  <a:gd name="connsiteX16" fmla="*/ 668 w 3455748"/>
-                  <a:gd name="connsiteY16" fmla="*/ 0 h 3299521"/>
-                  <a:gd name="connsiteX0" fmla="*/ 668 w 3455748"/>
-                  <a:gd name="connsiteY0" fmla="*/ 0 h 3299521"/>
-                  <a:gd name="connsiteX1" fmla="*/ 672 w 3455748"/>
-                  <a:gd name="connsiteY1" fmla="*/ 0 h 3299521"/>
-                  <a:gd name="connsiteX2" fmla="*/ 780078 w 3455748"/>
-                  <a:gd name="connsiteY2" fmla="*/ 412375 h 3299521"/>
-                  <a:gd name="connsiteX3" fmla="*/ 781370 w 3455748"/>
-                  <a:gd name="connsiteY3" fmla="*/ 411040 h 3299521"/>
-                  <a:gd name="connsiteX4" fmla="*/ 2331202 w 3455748"/>
-                  <a:gd name="connsiteY4" fmla="*/ 1909898 h 3299521"/>
-                  <a:gd name="connsiteX5" fmla="*/ 2331202 w 3455748"/>
-                  <a:gd name="connsiteY5" fmla="*/ 1909897 h 3299521"/>
-                  <a:gd name="connsiteX6" fmla="*/ 3455748 w 3455748"/>
-                  <a:gd name="connsiteY6" fmla="*/ 3029064 h 3299521"/>
-                  <a:gd name="connsiteX7" fmla="*/ 3211192 w 3455748"/>
-                  <a:gd name="connsiteY7" fmla="*/ 3200729 h 3299521"/>
-                  <a:gd name="connsiteX8" fmla="*/ 3039507 w 3455748"/>
-                  <a:gd name="connsiteY8" fmla="*/ 3299521 h 3299521"/>
-                  <a:gd name="connsiteX9" fmla="*/ 1981493 w 3455748"/>
-                  <a:gd name="connsiteY9" fmla="*/ 2263707 h 3299521"/>
-                  <a:gd name="connsiteX10" fmla="*/ 1981492 w 3455748"/>
-                  <a:gd name="connsiteY10" fmla="*/ 2263707 h 3299521"/>
-                  <a:gd name="connsiteX11" fmla="*/ 435556 w 3455748"/>
-                  <a:gd name="connsiteY11" fmla="*/ 768615 h 3299521"/>
-                  <a:gd name="connsiteX12" fmla="*/ 116216 w 3455748"/>
-                  <a:gd name="connsiteY12" fmla="*/ 204215 h 3299521"/>
-                  <a:gd name="connsiteX13" fmla="*/ 116072 w 3455748"/>
-                  <a:gd name="connsiteY13" fmla="*/ 204364 h 3299521"/>
-                  <a:gd name="connsiteX14" fmla="*/ 0 w 3455748"/>
-                  <a:gd name="connsiteY14" fmla="*/ 692 h 3299521"/>
-                  <a:gd name="connsiteX15" fmla="*/ 1518 w 3455748"/>
-                  <a:gd name="connsiteY15" fmla="*/ 1500 h 3299521"/>
-                  <a:gd name="connsiteX16" fmla="*/ 668 w 3455748"/>
-                  <a:gd name="connsiteY16" fmla="*/ 0 h 3299521"/>
-                  <a:gd name="connsiteX0" fmla="*/ 668 w 3455748"/>
-                  <a:gd name="connsiteY0" fmla="*/ 0 h 3299521"/>
-                  <a:gd name="connsiteX1" fmla="*/ 672 w 3455748"/>
-                  <a:gd name="connsiteY1" fmla="*/ 0 h 3299521"/>
-                  <a:gd name="connsiteX2" fmla="*/ 780078 w 3455748"/>
-                  <a:gd name="connsiteY2" fmla="*/ 412375 h 3299521"/>
-                  <a:gd name="connsiteX3" fmla="*/ 781370 w 3455748"/>
-                  <a:gd name="connsiteY3" fmla="*/ 411040 h 3299521"/>
-                  <a:gd name="connsiteX4" fmla="*/ 2331202 w 3455748"/>
-                  <a:gd name="connsiteY4" fmla="*/ 1909898 h 3299521"/>
-                  <a:gd name="connsiteX5" fmla="*/ 2331202 w 3455748"/>
-                  <a:gd name="connsiteY5" fmla="*/ 1909897 h 3299521"/>
-                  <a:gd name="connsiteX6" fmla="*/ 3455748 w 3455748"/>
-                  <a:gd name="connsiteY6" fmla="*/ 3029064 h 3299521"/>
-                  <a:gd name="connsiteX7" fmla="*/ 3039507 w 3455748"/>
-                  <a:gd name="connsiteY7" fmla="*/ 3299521 h 3299521"/>
-                  <a:gd name="connsiteX8" fmla="*/ 1981493 w 3455748"/>
-                  <a:gd name="connsiteY8" fmla="*/ 2263707 h 3299521"/>
-                  <a:gd name="connsiteX9" fmla="*/ 1981492 w 3455748"/>
-                  <a:gd name="connsiteY9" fmla="*/ 2263707 h 3299521"/>
-                  <a:gd name="connsiteX10" fmla="*/ 435556 w 3455748"/>
-                  <a:gd name="connsiteY10" fmla="*/ 768615 h 3299521"/>
-                  <a:gd name="connsiteX11" fmla="*/ 116216 w 3455748"/>
-                  <a:gd name="connsiteY11" fmla="*/ 204215 h 3299521"/>
-                  <a:gd name="connsiteX12" fmla="*/ 116072 w 3455748"/>
-                  <a:gd name="connsiteY12" fmla="*/ 204364 h 3299521"/>
-                  <a:gd name="connsiteX13" fmla="*/ 0 w 3455748"/>
-                  <a:gd name="connsiteY13" fmla="*/ 692 h 3299521"/>
-                  <a:gd name="connsiteX14" fmla="*/ 1518 w 3455748"/>
-                  <a:gd name="connsiteY14" fmla="*/ 1500 h 3299521"/>
-                  <a:gd name="connsiteX15" fmla="*/ 668 w 3455748"/>
-                  <a:gd name="connsiteY15" fmla="*/ 0 h 3299521"/>
-                  <a:gd name="connsiteX0" fmla="*/ 668 w 3413751"/>
-                  <a:gd name="connsiteY0" fmla="*/ 0 h 3299521"/>
-                  <a:gd name="connsiteX1" fmla="*/ 672 w 3413751"/>
-                  <a:gd name="connsiteY1" fmla="*/ 0 h 3299521"/>
-                  <a:gd name="connsiteX2" fmla="*/ 780078 w 3413751"/>
-                  <a:gd name="connsiteY2" fmla="*/ 412375 h 3299521"/>
-                  <a:gd name="connsiteX3" fmla="*/ 781370 w 3413751"/>
-                  <a:gd name="connsiteY3" fmla="*/ 411040 h 3299521"/>
-                  <a:gd name="connsiteX4" fmla="*/ 2331202 w 3413751"/>
-                  <a:gd name="connsiteY4" fmla="*/ 1909898 h 3299521"/>
-                  <a:gd name="connsiteX5" fmla="*/ 2331202 w 3413751"/>
-                  <a:gd name="connsiteY5" fmla="*/ 1909897 h 3299521"/>
-                  <a:gd name="connsiteX6" fmla="*/ 3413751 w 3413751"/>
-                  <a:gd name="connsiteY6" fmla="*/ 2995466 h 3299521"/>
-                  <a:gd name="connsiteX7" fmla="*/ 3039507 w 3413751"/>
-                  <a:gd name="connsiteY7" fmla="*/ 3299521 h 3299521"/>
-                  <a:gd name="connsiteX8" fmla="*/ 1981493 w 3413751"/>
-                  <a:gd name="connsiteY8" fmla="*/ 2263707 h 3299521"/>
-                  <a:gd name="connsiteX9" fmla="*/ 1981492 w 3413751"/>
-                  <a:gd name="connsiteY9" fmla="*/ 2263707 h 3299521"/>
-                  <a:gd name="connsiteX10" fmla="*/ 435556 w 3413751"/>
-                  <a:gd name="connsiteY10" fmla="*/ 768615 h 3299521"/>
-                  <a:gd name="connsiteX11" fmla="*/ 116216 w 3413751"/>
-                  <a:gd name="connsiteY11" fmla="*/ 204215 h 3299521"/>
-                  <a:gd name="connsiteX12" fmla="*/ 116072 w 3413751"/>
-                  <a:gd name="connsiteY12" fmla="*/ 204364 h 3299521"/>
-                  <a:gd name="connsiteX13" fmla="*/ 0 w 3413751"/>
-                  <a:gd name="connsiteY13" fmla="*/ 692 h 3299521"/>
-                  <a:gd name="connsiteX14" fmla="*/ 1518 w 3413751"/>
-                  <a:gd name="connsiteY14" fmla="*/ 1500 h 3299521"/>
-                  <a:gd name="connsiteX15" fmla="*/ 668 w 3413751"/>
-                  <a:gd name="connsiteY15" fmla="*/ 0 h 3299521"/>
-                  <a:gd name="connsiteX0" fmla="*/ 668 w 3413751"/>
-                  <a:gd name="connsiteY0" fmla="*/ 0 h 3299521"/>
-                  <a:gd name="connsiteX1" fmla="*/ 672 w 3413751"/>
-                  <a:gd name="connsiteY1" fmla="*/ 0 h 3299521"/>
-                  <a:gd name="connsiteX2" fmla="*/ 780078 w 3413751"/>
-                  <a:gd name="connsiteY2" fmla="*/ 412375 h 3299521"/>
-                  <a:gd name="connsiteX3" fmla="*/ 781370 w 3413751"/>
-                  <a:gd name="connsiteY3" fmla="*/ 411040 h 3299521"/>
-                  <a:gd name="connsiteX4" fmla="*/ 2331202 w 3413751"/>
-                  <a:gd name="connsiteY4" fmla="*/ 1909898 h 3299521"/>
-                  <a:gd name="connsiteX5" fmla="*/ 2331202 w 3413751"/>
-                  <a:gd name="connsiteY5" fmla="*/ 1909897 h 3299521"/>
-                  <a:gd name="connsiteX6" fmla="*/ 3413751 w 3413751"/>
-                  <a:gd name="connsiteY6" fmla="*/ 2995466 h 3299521"/>
-                  <a:gd name="connsiteX7" fmla="*/ 3218023 w 3413751"/>
-                  <a:gd name="connsiteY7" fmla="*/ 3151077 h 3299521"/>
-                  <a:gd name="connsiteX8" fmla="*/ 3039507 w 3413751"/>
-                  <a:gd name="connsiteY8" fmla="*/ 3299521 h 3299521"/>
-                  <a:gd name="connsiteX9" fmla="*/ 1981493 w 3413751"/>
-                  <a:gd name="connsiteY9" fmla="*/ 2263707 h 3299521"/>
-                  <a:gd name="connsiteX10" fmla="*/ 1981492 w 3413751"/>
-                  <a:gd name="connsiteY10" fmla="*/ 2263707 h 3299521"/>
-                  <a:gd name="connsiteX11" fmla="*/ 435556 w 3413751"/>
-                  <a:gd name="connsiteY11" fmla="*/ 768615 h 3299521"/>
-                  <a:gd name="connsiteX12" fmla="*/ 116216 w 3413751"/>
-                  <a:gd name="connsiteY12" fmla="*/ 204215 h 3299521"/>
-                  <a:gd name="connsiteX13" fmla="*/ 116072 w 3413751"/>
-                  <a:gd name="connsiteY13" fmla="*/ 204364 h 3299521"/>
-                  <a:gd name="connsiteX14" fmla="*/ 0 w 3413751"/>
-                  <a:gd name="connsiteY14" fmla="*/ 692 h 3299521"/>
-                  <a:gd name="connsiteX15" fmla="*/ 1518 w 3413751"/>
-                  <a:gd name="connsiteY15" fmla="*/ 1500 h 3299521"/>
-                  <a:gd name="connsiteX16" fmla="*/ 668 w 3413751"/>
-                  <a:gd name="connsiteY16" fmla="*/ 0 h 3299521"/>
-                  <a:gd name="connsiteX0" fmla="*/ 668 w 3456151"/>
-                  <a:gd name="connsiteY0" fmla="*/ 0 h 3346283"/>
-                  <a:gd name="connsiteX1" fmla="*/ 672 w 3456151"/>
-                  <a:gd name="connsiteY1" fmla="*/ 0 h 3346283"/>
-                  <a:gd name="connsiteX2" fmla="*/ 780078 w 3456151"/>
-                  <a:gd name="connsiteY2" fmla="*/ 412375 h 3346283"/>
-                  <a:gd name="connsiteX3" fmla="*/ 781370 w 3456151"/>
-                  <a:gd name="connsiteY3" fmla="*/ 411040 h 3346283"/>
-                  <a:gd name="connsiteX4" fmla="*/ 2331202 w 3456151"/>
-                  <a:gd name="connsiteY4" fmla="*/ 1909898 h 3346283"/>
-                  <a:gd name="connsiteX5" fmla="*/ 2331202 w 3456151"/>
-                  <a:gd name="connsiteY5" fmla="*/ 1909897 h 3346283"/>
-                  <a:gd name="connsiteX6" fmla="*/ 3413751 w 3456151"/>
-                  <a:gd name="connsiteY6" fmla="*/ 2995466 h 3346283"/>
-                  <a:gd name="connsiteX7" fmla="*/ 3218023 w 3456151"/>
-                  <a:gd name="connsiteY7" fmla="*/ 3151077 h 3346283"/>
-                  <a:gd name="connsiteX8" fmla="*/ 3039507 w 3456151"/>
-                  <a:gd name="connsiteY8" fmla="*/ 3299521 h 3346283"/>
-                  <a:gd name="connsiteX9" fmla="*/ 1981493 w 3456151"/>
-                  <a:gd name="connsiteY9" fmla="*/ 2263707 h 3346283"/>
-                  <a:gd name="connsiteX10" fmla="*/ 1981492 w 3456151"/>
-                  <a:gd name="connsiteY10" fmla="*/ 2263707 h 3346283"/>
-                  <a:gd name="connsiteX11" fmla="*/ 435556 w 3456151"/>
-                  <a:gd name="connsiteY11" fmla="*/ 768615 h 3346283"/>
-                  <a:gd name="connsiteX12" fmla="*/ 116216 w 3456151"/>
-                  <a:gd name="connsiteY12" fmla="*/ 204215 h 3346283"/>
-                  <a:gd name="connsiteX13" fmla="*/ 116072 w 3456151"/>
-                  <a:gd name="connsiteY13" fmla="*/ 204364 h 3346283"/>
-                  <a:gd name="connsiteX14" fmla="*/ 0 w 3456151"/>
-                  <a:gd name="connsiteY14" fmla="*/ 692 h 3346283"/>
-                  <a:gd name="connsiteX15" fmla="*/ 1518 w 3456151"/>
-                  <a:gd name="connsiteY15" fmla="*/ 1500 h 3346283"/>
-                  <a:gd name="connsiteX16" fmla="*/ 668 w 3456151"/>
-                  <a:gd name="connsiteY16" fmla="*/ 0 h 3346283"/>
-                  <a:gd name="connsiteX0" fmla="*/ 668 w 3465784"/>
-                  <a:gd name="connsiteY0" fmla="*/ 0 h 3357167"/>
-                  <a:gd name="connsiteX1" fmla="*/ 672 w 3465784"/>
-                  <a:gd name="connsiteY1" fmla="*/ 0 h 3357167"/>
-                  <a:gd name="connsiteX2" fmla="*/ 780078 w 3465784"/>
-                  <a:gd name="connsiteY2" fmla="*/ 412375 h 3357167"/>
-                  <a:gd name="connsiteX3" fmla="*/ 781370 w 3465784"/>
-                  <a:gd name="connsiteY3" fmla="*/ 411040 h 3357167"/>
-                  <a:gd name="connsiteX4" fmla="*/ 2331202 w 3465784"/>
-                  <a:gd name="connsiteY4" fmla="*/ 1909898 h 3357167"/>
-                  <a:gd name="connsiteX5" fmla="*/ 2331202 w 3465784"/>
-                  <a:gd name="connsiteY5" fmla="*/ 1909897 h 3357167"/>
-                  <a:gd name="connsiteX6" fmla="*/ 3413751 w 3465784"/>
-                  <a:gd name="connsiteY6" fmla="*/ 2995466 h 3357167"/>
-                  <a:gd name="connsiteX7" fmla="*/ 3291518 w 3465784"/>
-                  <a:gd name="connsiteY7" fmla="*/ 3219322 h 3357167"/>
-                  <a:gd name="connsiteX8" fmla="*/ 3039507 w 3465784"/>
-                  <a:gd name="connsiteY8" fmla="*/ 3299521 h 3357167"/>
-                  <a:gd name="connsiteX9" fmla="*/ 1981493 w 3465784"/>
-                  <a:gd name="connsiteY9" fmla="*/ 2263707 h 3357167"/>
-                  <a:gd name="connsiteX10" fmla="*/ 1981492 w 3465784"/>
-                  <a:gd name="connsiteY10" fmla="*/ 2263707 h 3357167"/>
-                  <a:gd name="connsiteX11" fmla="*/ 435556 w 3465784"/>
-                  <a:gd name="connsiteY11" fmla="*/ 768615 h 3357167"/>
-                  <a:gd name="connsiteX12" fmla="*/ 116216 w 3465784"/>
-                  <a:gd name="connsiteY12" fmla="*/ 204215 h 3357167"/>
-                  <a:gd name="connsiteX13" fmla="*/ 116072 w 3465784"/>
-                  <a:gd name="connsiteY13" fmla="*/ 204364 h 3357167"/>
-                  <a:gd name="connsiteX14" fmla="*/ 0 w 3465784"/>
-                  <a:gd name="connsiteY14" fmla="*/ 692 h 3357167"/>
-                  <a:gd name="connsiteX15" fmla="*/ 1518 w 3465784"/>
-                  <a:gd name="connsiteY15" fmla="*/ 1500 h 3357167"/>
-                  <a:gd name="connsiteX16" fmla="*/ 668 w 3465784"/>
-                  <a:gd name="connsiteY16" fmla="*/ 0 h 3357167"/>
-                  <a:gd name="connsiteX0" fmla="*/ 668 w 3468125"/>
-                  <a:gd name="connsiteY0" fmla="*/ 0 h 3356274"/>
-                  <a:gd name="connsiteX1" fmla="*/ 672 w 3468125"/>
-                  <a:gd name="connsiteY1" fmla="*/ 0 h 3356274"/>
-                  <a:gd name="connsiteX2" fmla="*/ 780078 w 3468125"/>
-                  <a:gd name="connsiteY2" fmla="*/ 412375 h 3356274"/>
-                  <a:gd name="connsiteX3" fmla="*/ 781370 w 3468125"/>
-                  <a:gd name="connsiteY3" fmla="*/ 411040 h 3356274"/>
-                  <a:gd name="connsiteX4" fmla="*/ 2331202 w 3468125"/>
-                  <a:gd name="connsiteY4" fmla="*/ 1909898 h 3356274"/>
-                  <a:gd name="connsiteX5" fmla="*/ 2331202 w 3468125"/>
-                  <a:gd name="connsiteY5" fmla="*/ 1909897 h 3356274"/>
-                  <a:gd name="connsiteX6" fmla="*/ 3413751 w 3468125"/>
-                  <a:gd name="connsiteY6" fmla="*/ 2995466 h 3356274"/>
-                  <a:gd name="connsiteX7" fmla="*/ 3291518 w 3468125"/>
-                  <a:gd name="connsiteY7" fmla="*/ 3219322 h 3356274"/>
-                  <a:gd name="connsiteX8" fmla="*/ 3039507 w 3468125"/>
-                  <a:gd name="connsiteY8" fmla="*/ 3299521 h 3356274"/>
-                  <a:gd name="connsiteX9" fmla="*/ 1981493 w 3468125"/>
-                  <a:gd name="connsiteY9" fmla="*/ 2263707 h 3356274"/>
-                  <a:gd name="connsiteX10" fmla="*/ 1981492 w 3468125"/>
-                  <a:gd name="connsiteY10" fmla="*/ 2263707 h 3356274"/>
-                  <a:gd name="connsiteX11" fmla="*/ 435556 w 3468125"/>
-                  <a:gd name="connsiteY11" fmla="*/ 768615 h 3356274"/>
-                  <a:gd name="connsiteX12" fmla="*/ 116216 w 3468125"/>
-                  <a:gd name="connsiteY12" fmla="*/ 204215 h 3356274"/>
-                  <a:gd name="connsiteX13" fmla="*/ 116072 w 3468125"/>
-                  <a:gd name="connsiteY13" fmla="*/ 204364 h 3356274"/>
-                  <a:gd name="connsiteX14" fmla="*/ 0 w 3468125"/>
-                  <a:gd name="connsiteY14" fmla="*/ 692 h 3356274"/>
-                  <a:gd name="connsiteX15" fmla="*/ 1518 w 3468125"/>
-                  <a:gd name="connsiteY15" fmla="*/ 1500 h 3356274"/>
-                  <a:gd name="connsiteX16" fmla="*/ 668 w 3468125"/>
-                  <a:gd name="connsiteY16" fmla="*/ 0 h 3356274"/>
-                  <a:gd name="connsiteX0" fmla="*/ 668 w 3468125"/>
-                  <a:gd name="connsiteY0" fmla="*/ 0 h 3302727"/>
-                  <a:gd name="connsiteX1" fmla="*/ 672 w 3468125"/>
-                  <a:gd name="connsiteY1" fmla="*/ 0 h 3302727"/>
-                  <a:gd name="connsiteX2" fmla="*/ 780078 w 3468125"/>
-                  <a:gd name="connsiteY2" fmla="*/ 412375 h 3302727"/>
-                  <a:gd name="connsiteX3" fmla="*/ 781370 w 3468125"/>
-                  <a:gd name="connsiteY3" fmla="*/ 411040 h 3302727"/>
-                  <a:gd name="connsiteX4" fmla="*/ 2331202 w 3468125"/>
-                  <a:gd name="connsiteY4" fmla="*/ 1909898 h 3302727"/>
-                  <a:gd name="connsiteX5" fmla="*/ 2331202 w 3468125"/>
-                  <a:gd name="connsiteY5" fmla="*/ 1909897 h 3302727"/>
-                  <a:gd name="connsiteX6" fmla="*/ 3413751 w 3468125"/>
-                  <a:gd name="connsiteY6" fmla="*/ 2995466 h 3302727"/>
-                  <a:gd name="connsiteX7" fmla="*/ 3291518 w 3468125"/>
-                  <a:gd name="connsiteY7" fmla="*/ 3219322 h 3302727"/>
-                  <a:gd name="connsiteX8" fmla="*/ 3039507 w 3468125"/>
-                  <a:gd name="connsiteY8" fmla="*/ 3299521 h 3302727"/>
-                  <a:gd name="connsiteX9" fmla="*/ 1981493 w 3468125"/>
-                  <a:gd name="connsiteY9" fmla="*/ 2263707 h 3302727"/>
-                  <a:gd name="connsiteX10" fmla="*/ 1981492 w 3468125"/>
-                  <a:gd name="connsiteY10" fmla="*/ 2263707 h 3302727"/>
-                  <a:gd name="connsiteX11" fmla="*/ 435556 w 3468125"/>
-                  <a:gd name="connsiteY11" fmla="*/ 768615 h 3302727"/>
-                  <a:gd name="connsiteX12" fmla="*/ 116216 w 3468125"/>
-                  <a:gd name="connsiteY12" fmla="*/ 204215 h 3302727"/>
-                  <a:gd name="connsiteX13" fmla="*/ 116072 w 3468125"/>
-                  <a:gd name="connsiteY13" fmla="*/ 204364 h 3302727"/>
-                  <a:gd name="connsiteX14" fmla="*/ 0 w 3468125"/>
-                  <a:gd name="connsiteY14" fmla="*/ 692 h 3302727"/>
-                  <a:gd name="connsiteX15" fmla="*/ 1518 w 3468125"/>
-                  <a:gd name="connsiteY15" fmla="*/ 1500 h 3302727"/>
-                  <a:gd name="connsiteX16" fmla="*/ 668 w 3468125"/>
-                  <a:gd name="connsiteY16" fmla="*/ 0 h 3302727"/>
-                  <a:gd name="connsiteX0" fmla="*/ 668 w 3413751"/>
-                  <a:gd name="connsiteY0" fmla="*/ 0 h 3302727"/>
-                  <a:gd name="connsiteX1" fmla="*/ 672 w 3413751"/>
-                  <a:gd name="connsiteY1" fmla="*/ 0 h 3302727"/>
-                  <a:gd name="connsiteX2" fmla="*/ 780078 w 3413751"/>
-                  <a:gd name="connsiteY2" fmla="*/ 412375 h 3302727"/>
-                  <a:gd name="connsiteX3" fmla="*/ 781370 w 3413751"/>
-                  <a:gd name="connsiteY3" fmla="*/ 411040 h 3302727"/>
-                  <a:gd name="connsiteX4" fmla="*/ 2331202 w 3413751"/>
-                  <a:gd name="connsiteY4" fmla="*/ 1909898 h 3302727"/>
-                  <a:gd name="connsiteX5" fmla="*/ 2331202 w 3413751"/>
-                  <a:gd name="connsiteY5" fmla="*/ 1909897 h 3302727"/>
-                  <a:gd name="connsiteX6" fmla="*/ 3413751 w 3413751"/>
-                  <a:gd name="connsiteY6" fmla="*/ 2995466 h 3302727"/>
-                  <a:gd name="connsiteX7" fmla="*/ 3291518 w 3413751"/>
-                  <a:gd name="connsiteY7" fmla="*/ 3219322 h 3302727"/>
-                  <a:gd name="connsiteX8" fmla="*/ 3039507 w 3413751"/>
-                  <a:gd name="connsiteY8" fmla="*/ 3299521 h 3302727"/>
-                  <a:gd name="connsiteX9" fmla="*/ 1981493 w 3413751"/>
-                  <a:gd name="connsiteY9" fmla="*/ 2263707 h 3302727"/>
-                  <a:gd name="connsiteX10" fmla="*/ 1981492 w 3413751"/>
-                  <a:gd name="connsiteY10" fmla="*/ 2263707 h 3302727"/>
-                  <a:gd name="connsiteX11" fmla="*/ 435556 w 3413751"/>
-                  <a:gd name="connsiteY11" fmla="*/ 768615 h 3302727"/>
-                  <a:gd name="connsiteX12" fmla="*/ 116216 w 3413751"/>
-                  <a:gd name="connsiteY12" fmla="*/ 204215 h 3302727"/>
-                  <a:gd name="connsiteX13" fmla="*/ 116072 w 3413751"/>
-                  <a:gd name="connsiteY13" fmla="*/ 204364 h 3302727"/>
-                  <a:gd name="connsiteX14" fmla="*/ 0 w 3413751"/>
-                  <a:gd name="connsiteY14" fmla="*/ 692 h 3302727"/>
-                  <a:gd name="connsiteX15" fmla="*/ 1518 w 3413751"/>
-                  <a:gd name="connsiteY15" fmla="*/ 1500 h 3302727"/>
-                  <a:gd name="connsiteX16" fmla="*/ 668 w 3413751"/>
-                  <a:gd name="connsiteY16" fmla="*/ 0 h 3302727"/>
-                  <a:gd name="connsiteX0" fmla="*/ 668 w 3413751"/>
-                  <a:gd name="connsiteY0" fmla="*/ 0 h 3302727"/>
-                  <a:gd name="connsiteX1" fmla="*/ 672 w 3413751"/>
-                  <a:gd name="connsiteY1" fmla="*/ 0 h 3302727"/>
-                  <a:gd name="connsiteX2" fmla="*/ 780078 w 3413751"/>
-                  <a:gd name="connsiteY2" fmla="*/ 412375 h 3302727"/>
-                  <a:gd name="connsiteX3" fmla="*/ 781370 w 3413751"/>
-                  <a:gd name="connsiteY3" fmla="*/ 411040 h 3302727"/>
-                  <a:gd name="connsiteX4" fmla="*/ 2331202 w 3413751"/>
-                  <a:gd name="connsiteY4" fmla="*/ 1909898 h 3302727"/>
-                  <a:gd name="connsiteX5" fmla="*/ 2331202 w 3413751"/>
-                  <a:gd name="connsiteY5" fmla="*/ 1909897 h 3302727"/>
-                  <a:gd name="connsiteX6" fmla="*/ 3413751 w 3413751"/>
-                  <a:gd name="connsiteY6" fmla="*/ 2995466 h 3302727"/>
-                  <a:gd name="connsiteX7" fmla="*/ 3291518 w 3413751"/>
-                  <a:gd name="connsiteY7" fmla="*/ 3219322 h 3302727"/>
-                  <a:gd name="connsiteX8" fmla="*/ 3039507 w 3413751"/>
-                  <a:gd name="connsiteY8" fmla="*/ 3299521 h 3302727"/>
-                  <a:gd name="connsiteX9" fmla="*/ 1981493 w 3413751"/>
-                  <a:gd name="connsiteY9" fmla="*/ 2263707 h 3302727"/>
-                  <a:gd name="connsiteX10" fmla="*/ 1981492 w 3413751"/>
-                  <a:gd name="connsiteY10" fmla="*/ 2263707 h 3302727"/>
-                  <a:gd name="connsiteX11" fmla="*/ 435556 w 3413751"/>
-                  <a:gd name="connsiteY11" fmla="*/ 768615 h 3302727"/>
-                  <a:gd name="connsiteX12" fmla="*/ 116216 w 3413751"/>
-                  <a:gd name="connsiteY12" fmla="*/ 204215 h 3302727"/>
-                  <a:gd name="connsiteX13" fmla="*/ 116072 w 3413751"/>
-                  <a:gd name="connsiteY13" fmla="*/ 204364 h 3302727"/>
-                  <a:gd name="connsiteX14" fmla="*/ 0 w 3413751"/>
-                  <a:gd name="connsiteY14" fmla="*/ 692 h 3302727"/>
-                  <a:gd name="connsiteX15" fmla="*/ 1518 w 3413751"/>
-                  <a:gd name="connsiteY15" fmla="*/ 1500 h 3302727"/>
-                  <a:gd name="connsiteX16" fmla="*/ 668 w 3413751"/>
-                  <a:gd name="connsiteY16" fmla="*/ 0 h 3302727"/>
-                  <a:gd name="connsiteX0" fmla="*/ 668 w 3413751"/>
-                  <a:gd name="connsiteY0" fmla="*/ 0 h 3304377"/>
-                  <a:gd name="connsiteX1" fmla="*/ 672 w 3413751"/>
-                  <a:gd name="connsiteY1" fmla="*/ 0 h 3304377"/>
-                  <a:gd name="connsiteX2" fmla="*/ 780078 w 3413751"/>
-                  <a:gd name="connsiteY2" fmla="*/ 412375 h 3304377"/>
-                  <a:gd name="connsiteX3" fmla="*/ 781370 w 3413751"/>
-                  <a:gd name="connsiteY3" fmla="*/ 411040 h 3304377"/>
-                  <a:gd name="connsiteX4" fmla="*/ 2331202 w 3413751"/>
-                  <a:gd name="connsiteY4" fmla="*/ 1909898 h 3304377"/>
-                  <a:gd name="connsiteX5" fmla="*/ 2331202 w 3413751"/>
-                  <a:gd name="connsiteY5" fmla="*/ 1909897 h 3304377"/>
-                  <a:gd name="connsiteX6" fmla="*/ 3413751 w 3413751"/>
-                  <a:gd name="connsiteY6" fmla="*/ 2995466 h 3304377"/>
-                  <a:gd name="connsiteX7" fmla="*/ 3291518 w 3413751"/>
-                  <a:gd name="connsiteY7" fmla="*/ 3219322 h 3304377"/>
-                  <a:gd name="connsiteX8" fmla="*/ 3039507 w 3413751"/>
-                  <a:gd name="connsiteY8" fmla="*/ 3299521 h 3304377"/>
-                  <a:gd name="connsiteX9" fmla="*/ 1981493 w 3413751"/>
-                  <a:gd name="connsiteY9" fmla="*/ 2263707 h 3304377"/>
-                  <a:gd name="connsiteX10" fmla="*/ 1981492 w 3413751"/>
-                  <a:gd name="connsiteY10" fmla="*/ 2263707 h 3304377"/>
-                  <a:gd name="connsiteX11" fmla="*/ 435556 w 3413751"/>
-                  <a:gd name="connsiteY11" fmla="*/ 768615 h 3304377"/>
-                  <a:gd name="connsiteX12" fmla="*/ 116216 w 3413751"/>
-                  <a:gd name="connsiteY12" fmla="*/ 204215 h 3304377"/>
-                  <a:gd name="connsiteX13" fmla="*/ 116072 w 3413751"/>
-                  <a:gd name="connsiteY13" fmla="*/ 204364 h 3304377"/>
-                  <a:gd name="connsiteX14" fmla="*/ 0 w 3413751"/>
-                  <a:gd name="connsiteY14" fmla="*/ 692 h 3304377"/>
-                  <a:gd name="connsiteX15" fmla="*/ 1518 w 3413751"/>
-                  <a:gd name="connsiteY15" fmla="*/ 1500 h 3304377"/>
-                  <a:gd name="connsiteX16" fmla="*/ 668 w 3413751"/>
-                  <a:gd name="connsiteY16" fmla="*/ 0 h 3304377"/>
-                  <a:gd name="connsiteX0" fmla="*/ 668 w 3413751"/>
-                  <a:gd name="connsiteY0" fmla="*/ 0 h 3306145"/>
-                  <a:gd name="connsiteX1" fmla="*/ 672 w 3413751"/>
-                  <a:gd name="connsiteY1" fmla="*/ 0 h 3306145"/>
-                  <a:gd name="connsiteX2" fmla="*/ 780078 w 3413751"/>
-                  <a:gd name="connsiteY2" fmla="*/ 412375 h 3306145"/>
-                  <a:gd name="connsiteX3" fmla="*/ 781370 w 3413751"/>
-                  <a:gd name="connsiteY3" fmla="*/ 411040 h 3306145"/>
-                  <a:gd name="connsiteX4" fmla="*/ 2331202 w 3413751"/>
-                  <a:gd name="connsiteY4" fmla="*/ 1909898 h 3306145"/>
-                  <a:gd name="connsiteX5" fmla="*/ 2331202 w 3413751"/>
-                  <a:gd name="connsiteY5" fmla="*/ 1909897 h 3306145"/>
-                  <a:gd name="connsiteX6" fmla="*/ 3413751 w 3413751"/>
-                  <a:gd name="connsiteY6" fmla="*/ 2995466 h 3306145"/>
-                  <a:gd name="connsiteX7" fmla="*/ 3275770 w 3413751"/>
-                  <a:gd name="connsiteY7" fmla="*/ 3240321 h 3306145"/>
-                  <a:gd name="connsiteX8" fmla="*/ 3039507 w 3413751"/>
-                  <a:gd name="connsiteY8" fmla="*/ 3299521 h 3306145"/>
-                  <a:gd name="connsiteX9" fmla="*/ 1981493 w 3413751"/>
-                  <a:gd name="connsiteY9" fmla="*/ 2263707 h 3306145"/>
-                  <a:gd name="connsiteX10" fmla="*/ 1981492 w 3413751"/>
-                  <a:gd name="connsiteY10" fmla="*/ 2263707 h 3306145"/>
-                  <a:gd name="connsiteX11" fmla="*/ 435556 w 3413751"/>
-                  <a:gd name="connsiteY11" fmla="*/ 768615 h 3306145"/>
-                  <a:gd name="connsiteX12" fmla="*/ 116216 w 3413751"/>
-                  <a:gd name="connsiteY12" fmla="*/ 204215 h 3306145"/>
-                  <a:gd name="connsiteX13" fmla="*/ 116072 w 3413751"/>
-                  <a:gd name="connsiteY13" fmla="*/ 204364 h 3306145"/>
-                  <a:gd name="connsiteX14" fmla="*/ 0 w 3413751"/>
-                  <a:gd name="connsiteY14" fmla="*/ 692 h 3306145"/>
-                  <a:gd name="connsiteX15" fmla="*/ 1518 w 3413751"/>
-                  <a:gd name="connsiteY15" fmla="*/ 1500 h 3306145"/>
-                  <a:gd name="connsiteX16" fmla="*/ 668 w 3413751"/>
-                  <a:gd name="connsiteY16" fmla="*/ 0 h 3306145"/>
-                </a:gdLst>
-                <a:ahLst/>
-                <a:cxnLst>
-                  <a:cxn ang="0">
-                    <a:pos x="connsiteX0" y="connsiteY0"/>
-                  </a:cxn>
-                  <a:cxn ang="0">
-                    <a:pos x="connsiteX1" y="connsiteY1"/>
-                  </a:cxn>
-                  <a:cxn ang="0">
-                    <a:pos x="connsiteX2" y="connsiteY2"/>
-                  </a:cxn>
-                  <a:cxn ang="0">
-                    <a:pos x="connsiteX3" y="connsiteY3"/>
-                  </a:cxn>
-                  <a:cxn ang="0">
-                    <a:pos x="connsiteX4" y="connsiteY4"/>
-                  </a:cxn>
-                  <a:cxn ang="0">
-                    <a:pos x="connsiteX5" y="connsiteY5"/>
-                  </a:cxn>
-                  <a:cxn ang="0">
-                    <a:pos x="connsiteX6" y="connsiteY6"/>
-                  </a:cxn>
-                  <a:cxn ang="0">
-                    <a:pos x="connsiteX7" y="connsiteY7"/>
-                  </a:cxn>
-                  <a:cxn ang="0">
-                    <a:pos x="connsiteX8" y="connsiteY8"/>
-                  </a:cxn>
-                  <a:cxn ang="0">
-                    <a:pos x="connsiteX9" y="connsiteY9"/>
-                  </a:cxn>
-                  <a:cxn ang="0">
-                    <a:pos x="connsiteX10" y="connsiteY10"/>
-                  </a:cxn>
-                  <a:cxn ang="0">
-                    <a:pos x="connsiteX11" y="connsiteY11"/>
-                  </a:cxn>
-                  <a:cxn ang="0">
-                    <a:pos x="connsiteX12" y="connsiteY12"/>
-                  </a:cxn>
-                  <a:cxn ang="0">
-                    <a:pos x="connsiteX13" y="connsiteY13"/>
-                  </a:cxn>
-                  <a:cxn ang="0">
-                    <a:pos x="connsiteX14" y="connsiteY14"/>
-                  </a:cxn>
-                  <a:cxn ang="0">
-                    <a:pos x="connsiteX15" y="connsiteY15"/>
-                  </a:cxn>
-                  <a:cxn ang="0">
-                    <a:pos x="connsiteX16" y="connsiteY16"/>
-                  </a:cxn>
-                </a:cxnLst>
-                <a:rect l="l" t="t" r="r" b="b"/>
-                <a:pathLst>
-                  <a:path w="3413751" h="3306145">
-                    <a:moveTo>
-                      <a:pt x="668" y="0"/>
-                    </a:moveTo>
-                    <a:lnTo>
-                      <a:pt x="672" y="0"/>
-                    </a:lnTo>
-                    <a:lnTo>
-                      <a:pt x="780078" y="412375"/>
-                    </a:lnTo>
-                    <a:lnTo>
-                      <a:pt x="781370" y="411040"/>
-                    </a:lnTo>
-                    <a:lnTo>
-                      <a:pt x="2331202" y="1909898"/>
-                    </a:lnTo>
-                    <a:lnTo>
-                      <a:pt x="2331202" y="1909897"/>
-                    </a:lnTo>
-                    <a:lnTo>
-                      <a:pt x="3413751" y="2995466"/>
-                    </a:lnTo>
-                    <a:cubicBezTo>
-                      <a:pt x="3388318" y="3128834"/>
-                      <a:pt x="3353893" y="3194895"/>
-                      <a:pt x="3275770" y="3240321"/>
-                    </a:cubicBezTo>
-                    <a:cubicBezTo>
-                      <a:pt x="3197647" y="3285747"/>
-                      <a:pt x="3135352" y="3321424"/>
-                      <a:pt x="3039507" y="3299521"/>
-                    </a:cubicBezTo>
-                    <a:lnTo>
-                      <a:pt x="1981493" y="2263707"/>
-                    </a:lnTo>
-                    <a:lnTo>
-                      <a:pt x="1981492" y="2263707"/>
-                    </a:lnTo>
-                    <a:lnTo>
-                      <a:pt x="435556" y="768615"/>
-                    </a:lnTo>
-                    <a:lnTo>
-                      <a:pt x="116216" y="204215"/>
-                    </a:lnTo>
-                    <a:lnTo>
-                      <a:pt x="116072" y="204364"/>
-                    </a:lnTo>
-                    <a:lnTo>
-                      <a:pt x="0" y="692"/>
-                    </a:lnTo>
-                    <a:lnTo>
-                      <a:pt x="1518" y="1500"/>
-                    </a:lnTo>
-                    <a:lnTo>
-                      <a:pt x="668" y="0"/>
-                    </a:lnTo>
-                    <a:close/>
-                  </a:path>
-                </a:pathLst>
-              </a:custGeom>
-              <a:solidFill>
-                <a:schemeClr val="tx1">
-                  <a:lumMod val="75000"/>
-                  <a:lumOff val="25000"/>
-                  <a:alpha val="25000"/>
-                </a:schemeClr>
-              </a:solidFill>
-              <a:ln>
-                <a:noFill/>
-              </a:ln>
-              <a:extLst/>
-            </p:spPr>
-            <p:txBody>
-              <a:bodyPr lIns="0" tIns="0" rIns="0" bIns="0" rtlCol="0" anchor="ctr"/>
-              <a:lstStyle/>
-              <a:p>
-                <a:pPr algn="ctr"/>
-                <a:endParaRPr lang="es-ES"/>
-              </a:p>
-            </p:txBody>
-          </p:sp>
-        </p:grpSp>
-      </p:grpSp>
+          <a:prstGeom prst="rect">
+            <a:avLst/>
+          </a:prstGeom>
+          <a:noFill/>
+        </p:spPr>
+        <p:txBody>
+          <a:bodyPr wrap="square" rtlCol="0">
+            <a:spAutoFit/>
+          </a:bodyPr>
+          <a:lstStyle/>
+          <a:p>
+            <a:pPr marL="1779783" lvl="1" indent="-571500">
+              <a:buFont typeface="Arial" panose="020B0604020202020204" pitchFamily="34" charset="0"/>
+              <a:buChar char="•"/>
+            </a:pPr>
+            <a:r>
+              <a:rPr lang="en-US" sz="3600" dirty="0" smtClean="0"/>
+              <a:t>ASP.NET </a:t>
+            </a:r>
+            <a:r>
+              <a:rPr lang="en-US" sz="3600" dirty="0"/>
+              <a:t>and XML Web </a:t>
+            </a:r>
+            <a:r>
+              <a:rPr lang="en-US" sz="3600" dirty="0" smtClean="0"/>
+              <a:t>Services:</a:t>
+            </a:r>
+          </a:p>
+          <a:p>
+            <a:pPr marL="2988081" lvl="2" indent="-571500">
+              <a:buFont typeface="Arial" panose="020B0604020202020204" pitchFamily="34" charset="0"/>
+              <a:buChar char="•"/>
+            </a:pPr>
+            <a:r>
+              <a:rPr lang="en-US" sz="3600" dirty="0"/>
+              <a:t>ASP.NET applications generally need to restrict access to some portions of the Web site and provide other mechanisms for data protection and site security</a:t>
+            </a:r>
+            <a:r>
+              <a:rPr lang="en-US" sz="3600" dirty="0" smtClean="0"/>
+              <a:t>.</a:t>
+            </a:r>
+          </a:p>
+          <a:p>
+            <a:pPr marL="2988081" lvl="2" indent="-571500">
+              <a:buFont typeface="Arial" panose="020B0604020202020204" pitchFamily="34" charset="0"/>
+              <a:buChar char="•"/>
+            </a:pPr>
+            <a:r>
+              <a:rPr lang="en-US" sz="3600" dirty="0"/>
+              <a:t>An XML Web service provides data that can be consumed by an ASP.NET application, a Windows Forms application, or another Web service. </a:t>
+            </a:r>
+            <a:endParaRPr lang="en-US" sz="3600" dirty="0" smtClean="0"/>
+          </a:p>
+          <a:p>
+            <a:pPr marL="2988081" lvl="2" indent="-571500">
+              <a:buFont typeface="Arial" panose="020B0604020202020204" pitchFamily="34" charset="0"/>
+              <a:buChar char="•"/>
+            </a:pPr>
+            <a:r>
+              <a:rPr lang="en-US" sz="3600" dirty="0" smtClean="0"/>
+              <a:t>You </a:t>
+            </a:r>
+            <a:r>
+              <a:rPr lang="en-US" sz="3600" dirty="0"/>
+              <a:t>need to manage security for the Web service itself as well as security for the client application</a:t>
+            </a:r>
+            <a:r>
+              <a:rPr lang="en-US" sz="3600" dirty="0" smtClean="0"/>
+              <a:t>.</a:t>
+            </a:r>
+          </a:p>
+          <a:p>
+            <a:pPr marL="2988081" lvl="2" indent="-571500">
+              <a:buFont typeface="Arial" panose="020B0604020202020204" pitchFamily="34" charset="0"/>
+              <a:buChar char="•"/>
+            </a:pPr>
+            <a:r>
+              <a:rPr lang="en-US" sz="3600" u="sng" dirty="0">
+                <a:hlinkClick r:id="rId2"/>
+              </a:rPr>
+              <a:t>NIB: ASP.NET </a:t>
+            </a:r>
+            <a:r>
+              <a:rPr lang="en-US" sz="3600" u="sng" dirty="0" smtClean="0">
+                <a:hlinkClick r:id="rId2"/>
+              </a:rPr>
+              <a:t>Security</a:t>
+            </a:r>
+            <a:endParaRPr lang="en-US" sz="3600" u="sng" dirty="0" smtClean="0"/>
+          </a:p>
+          <a:p>
+            <a:pPr marL="2988081" lvl="2" indent="-571500">
+              <a:buFont typeface="Arial" panose="020B0604020202020204" pitchFamily="34" charset="0"/>
+              <a:buChar char="•"/>
+            </a:pPr>
+            <a:r>
+              <a:rPr lang="en-US" sz="3600" dirty="0">
+                <a:hlinkClick r:id="rId3"/>
+              </a:rPr>
+              <a:t>Securing XML Web Services Created Using </a:t>
+            </a:r>
+            <a:r>
+              <a:rPr lang="en-US" sz="3600" dirty="0" smtClean="0">
+                <a:hlinkClick r:id="rId3"/>
+              </a:rPr>
+              <a:t>ASP.NET</a:t>
+            </a:r>
+            <a:endParaRPr lang="en-US" sz="3600" dirty="0" smtClean="0"/>
+          </a:p>
+          <a:p>
+            <a:pPr marL="2988081" lvl="2" indent="-571500">
+              <a:buFont typeface="Arial" panose="020B0604020202020204" pitchFamily="34" charset="0"/>
+              <a:buChar char="•"/>
+            </a:pPr>
+            <a:r>
+              <a:rPr lang="en-US" sz="3600" u="sng" dirty="0">
+                <a:hlinkClick r:id="rId4"/>
+              </a:rPr>
+              <a:t>NIB:Basic Security Practices for ASP.NET Web </a:t>
+            </a:r>
+            <a:r>
+              <a:rPr lang="en-US" sz="3600" u="sng" dirty="0" smtClean="0">
+                <a:hlinkClick r:id="rId4"/>
+              </a:rPr>
+              <a:t>Applications</a:t>
+            </a:r>
+            <a:endParaRPr lang="en-US" sz="3600" u="sng" dirty="0" smtClean="0"/>
+          </a:p>
+          <a:p>
+            <a:pPr marL="2988081" lvl="2" indent="-571500">
+              <a:buFont typeface="Arial" panose="020B0604020202020204" pitchFamily="34" charset="0"/>
+              <a:buChar char="•"/>
+            </a:pPr>
+            <a:r>
+              <a:rPr lang="en-US" sz="3600" u="sng" dirty="0">
+                <a:hlinkClick r:id="rId5"/>
+              </a:rPr>
+              <a:t>Script Exploits Overview</a:t>
+            </a:r>
+            <a:endParaRPr lang="en-US" sz="3600" dirty="0"/>
+          </a:p>
+        </p:txBody>
+      </p:sp>
     </p:spTree>
     <p:extLst>
       <p:ext uri="{BB962C8B-B14F-4D97-AF65-F5344CB8AC3E}">
-        <p14:creationId xmlns:p14="http://schemas.microsoft.com/office/powerpoint/2010/main" val="666050027"/>
+        <p14:creationId xmlns:p14="http://schemas.microsoft.com/office/powerpoint/2010/main" val="1356804482"/>
       </p:ext>
     </p:extLst>
   </p:cSld>
@@ -23923,7 +21540,7 @@
                                           </p:stCondLst>
                                         </p:cTn>
                                         <p:tgtEl>
-                                          <p:spTgt spid="2"/>
+                                          <p:spTgt spid="33"/>
                                         </p:tgtEl>
                                         <p:attrNameLst>
                                           <p:attrName>style.visibility</p:attrName>
@@ -23937,7 +21554,7 @@
                                       <p:cBhvr additive="base">
                                         <p:cTn id="7" dur="1000" fill="hold"/>
                                         <p:tgtEl>
-                                          <p:spTgt spid="2"/>
+                                          <p:spTgt spid="33"/>
                                         </p:tgtEl>
                                         <p:attrNameLst>
                                           <p:attrName>ppt_x</p:attrName>
@@ -23960,7 +21577,7 @@
                                       <p:cBhvr additive="base">
                                         <p:cTn id="8" dur="1000" fill="hold"/>
                                         <p:tgtEl>
-                                          <p:spTgt spid="2"/>
+                                          <p:spTgt spid="33"/>
                                         </p:tgtEl>
                                         <p:attrNameLst>
                                           <p:attrName>ppt_y</p:attrName>
@@ -24005,7 +21622,7 @@
                                           </p:stCondLst>
                                         </p:cTn>
                                         <p:tgtEl>
-                                          <p:spTgt spid="4"/>
+                                          <p:spTgt spid="34"/>
                                         </p:tgtEl>
                                         <p:attrNameLst>
                                           <p:attrName>style.visibility</p:attrName>
@@ -24019,7 +21636,7 @@
                                       <p:cBhvr additive="base">
                                         <p:cTn id="12" dur="500" fill="hold"/>
                                         <p:tgtEl>
-                                          <p:spTgt spid="4"/>
+                                          <p:spTgt spid="34"/>
                                         </p:tgtEl>
                                         <p:attrNameLst>
                                           <p:attrName>ppt_x</p:attrName>
@@ -24042,7 +21659,7 @@
                                       <p:cBhvr additive="base">
                                         <p:cTn id="13" dur="500" fill="hold"/>
                                         <p:tgtEl>
-                                          <p:spTgt spid="4"/>
+                                          <p:spTgt spid="34"/>
                                         </p:tgtEl>
                                         <p:attrNameLst>
                                           <p:attrName>ppt_y</p:attrName>
@@ -24092,7 +21709,7 @@
       </p:par>
     </p:tnLst>
     <p:bldLst>
-      <p:bldP spid="2" grpId="0"/>
+      <p:bldP spid="33" grpId="0"/>
     </p:bldLst>
   </p:timing>
 </p:sld>
